--- a/Diploma/Docs/Presentation.pptx
+++ b/Diploma/Docs/Presentation.pptx
@@ -1,32 +1,32 @@
 
 <file path=ppt/presentation.xml><?xml version="1.0" encoding="utf-8"?>
-<p:presentation xmlns:a="http://schemas.openxmlformats.org/drawingml/2006/main" xmlns:r="http://schemas.openxmlformats.org/officeDocument/2006/relationships" xmlns:mc="http://schemas.openxmlformats.org/markup-compatibility/2006" xmlns:mv="urn:schemas-microsoft-com:mac:vml" xmlns:p="http://schemas.openxmlformats.org/presentationml/2006/main" xmlns:c="http://schemas.openxmlformats.org/drawingml/2006/chart" xmlns:dgm="http://schemas.openxmlformats.org/drawingml/2006/diagram" xmlns:o="urn:schemas-microsoft-com:office:office" xmlns:v="urn:schemas-microsoft-com:vml" xmlns:pvml="urn:schemas-microsoft-com:office:powerpoint" xmlns:com="http://schemas.openxmlformats.org/drawingml/2006/compatibility" xmlns:p14="http://schemas.microsoft.com/office/powerpoint/2010/main" xmlns:p15="http://schemas.microsoft.com/office/powerpoint/2012/main" xmlns:ahyp="http://schemas.microsoft.com/office/drawing/2018/hyperlinkcolor" autoCompressPictures="0" embedTrueTypeFonts="1" strictFirstAndLastChars="0" saveSubsetFonts="1">
+<p:presentation xmlns:a="http://schemas.openxmlformats.org/drawingml/2006/main" xmlns:r="http://schemas.openxmlformats.org/officeDocument/2006/relationships" xmlns:p="http://schemas.openxmlformats.org/presentationml/2006/main" strictFirstAndLastChars="0" embedTrueTypeFonts="1" saveSubsetFonts="1" autoCompressPictures="0">
   <p:sldMasterIdLst>
-    <p:sldMasterId id="2147483659" r:id="rId4"/>
+    <p:sldMasterId id="2147483659" r:id="rId1"/>
   </p:sldMasterIdLst>
   <p:notesMasterIdLst>
-    <p:notesMasterId r:id="rId5"/>
+    <p:notesMasterId r:id="rId7"/>
   </p:notesMasterIdLst>
   <p:sldIdLst>
-    <p:sldId id="256" r:id="rId6"/>
-    <p:sldId id="257" r:id="rId7"/>
-    <p:sldId id="258" r:id="rId8"/>
-    <p:sldId id="259" r:id="rId9"/>
-    <p:sldId id="260" r:id="rId10"/>
+    <p:sldId id="256" r:id="rId2"/>
+    <p:sldId id="257" r:id="rId3"/>
+    <p:sldId id="258" r:id="rId4"/>
+    <p:sldId id="259" r:id="rId5"/>
+    <p:sldId id="260" r:id="rId6"/>
   </p:sldIdLst>
-  <p:sldSz cy="5143500" cx="9144000"/>
+  <p:sldSz cx="9144000" cy="5143500" type="screen16x9"/>
   <p:notesSz cx="6858000" cy="9144000"/>
   <p:embeddedFontLst>
     <p:embeddedFont>
-      <p:font typeface="Roboto"/>
-      <p:regular r:id="rId11"/>
-      <p:bold r:id="rId12"/>
-      <p:italic r:id="rId13"/>
-      <p:boldItalic r:id="rId14"/>
+      <p:font typeface="Roboto" charset="0"/>
+      <p:regular r:id="rId8"/>
+      <p:bold r:id="rId9"/>
+      <p:italic r:id="rId10"/>
+      <p:boldItalic r:id="rId11"/>
     </p:embeddedFont>
   </p:embeddedFontLst>
   <p:defaultTextStyle>
-    <a:defPPr lvl="0" marR="0" rtl="0" algn="l">
+    <a:defPPr marR="0" lvl="0" algn="l" rtl="0">
       <a:lnSpc>
         <a:spcPct val="100000"/>
       </a:lnSpc>
@@ -37,7 +37,7 @@
         <a:spcPts val="0"/>
       </a:spcAft>
     </a:defPPr>
-    <a:lvl1pPr lvl="0" marR="0" rtl="0" algn="l">
+    <a:lvl1pPr marR="0" lvl="0" algn="l" rtl="0">
       <a:lnSpc>
         <a:spcPct val="100000"/>
       </a:lnSpc>
@@ -51,7 +51,7 @@
         <a:srgbClr val="000000"/>
       </a:buClr>
       <a:buFont typeface="Arial"/>
-      <a:defRPr b="0" i="0" sz="1400" u="none" cap="none" strike="noStrike">
+      <a:defRPr sz="1400" b="0" i="0" u="none" strike="noStrike" cap="none">
         <a:solidFill>
           <a:srgbClr val="000000"/>
         </a:solidFill>
@@ -61,7 +61,7 @@
         <a:sym typeface="Arial"/>
       </a:defRPr>
     </a:lvl1pPr>
-    <a:lvl2pPr lvl="1" marR="0" rtl="0" algn="l">
+    <a:lvl2pPr marR="0" lvl="1" algn="l" rtl="0">
       <a:lnSpc>
         <a:spcPct val="100000"/>
       </a:lnSpc>
@@ -75,7 +75,7 @@
         <a:srgbClr val="000000"/>
       </a:buClr>
       <a:buFont typeface="Arial"/>
-      <a:defRPr b="0" i="0" sz="1400" u="none" cap="none" strike="noStrike">
+      <a:defRPr sz="1400" b="0" i="0" u="none" strike="noStrike" cap="none">
         <a:solidFill>
           <a:srgbClr val="000000"/>
         </a:solidFill>
@@ -85,7 +85,7 @@
         <a:sym typeface="Arial"/>
       </a:defRPr>
     </a:lvl2pPr>
-    <a:lvl3pPr lvl="2" marR="0" rtl="0" algn="l">
+    <a:lvl3pPr marR="0" lvl="2" algn="l" rtl="0">
       <a:lnSpc>
         <a:spcPct val="100000"/>
       </a:lnSpc>
@@ -99,7 +99,7 @@
         <a:srgbClr val="000000"/>
       </a:buClr>
       <a:buFont typeface="Arial"/>
-      <a:defRPr b="0" i="0" sz="1400" u="none" cap="none" strike="noStrike">
+      <a:defRPr sz="1400" b="0" i="0" u="none" strike="noStrike" cap="none">
         <a:solidFill>
           <a:srgbClr val="000000"/>
         </a:solidFill>
@@ -109,7 +109,7 @@
         <a:sym typeface="Arial"/>
       </a:defRPr>
     </a:lvl3pPr>
-    <a:lvl4pPr lvl="3" marR="0" rtl="0" algn="l">
+    <a:lvl4pPr marR="0" lvl="3" algn="l" rtl="0">
       <a:lnSpc>
         <a:spcPct val="100000"/>
       </a:lnSpc>
@@ -123,7 +123,7 @@
         <a:srgbClr val="000000"/>
       </a:buClr>
       <a:buFont typeface="Arial"/>
-      <a:defRPr b="0" i="0" sz="1400" u="none" cap="none" strike="noStrike">
+      <a:defRPr sz="1400" b="0" i="0" u="none" strike="noStrike" cap="none">
         <a:solidFill>
           <a:srgbClr val="000000"/>
         </a:solidFill>
@@ -133,7 +133,7 @@
         <a:sym typeface="Arial"/>
       </a:defRPr>
     </a:lvl4pPr>
-    <a:lvl5pPr lvl="4" marR="0" rtl="0" algn="l">
+    <a:lvl5pPr marR="0" lvl="4" algn="l" rtl="0">
       <a:lnSpc>
         <a:spcPct val="100000"/>
       </a:lnSpc>
@@ -147,7 +147,7 @@
         <a:srgbClr val="000000"/>
       </a:buClr>
       <a:buFont typeface="Arial"/>
-      <a:defRPr b="0" i="0" sz="1400" u="none" cap="none" strike="noStrike">
+      <a:defRPr sz="1400" b="0" i="0" u="none" strike="noStrike" cap="none">
         <a:solidFill>
           <a:srgbClr val="000000"/>
         </a:solidFill>
@@ -157,7 +157,7 @@
         <a:sym typeface="Arial"/>
       </a:defRPr>
     </a:lvl5pPr>
-    <a:lvl6pPr lvl="5" marR="0" rtl="0" algn="l">
+    <a:lvl6pPr marR="0" lvl="5" algn="l" rtl="0">
       <a:lnSpc>
         <a:spcPct val="100000"/>
       </a:lnSpc>
@@ -171,7 +171,7 @@
         <a:srgbClr val="000000"/>
       </a:buClr>
       <a:buFont typeface="Arial"/>
-      <a:defRPr b="0" i="0" sz="1400" u="none" cap="none" strike="noStrike">
+      <a:defRPr sz="1400" b="0" i="0" u="none" strike="noStrike" cap="none">
         <a:solidFill>
           <a:srgbClr val="000000"/>
         </a:solidFill>
@@ -181,7 +181,7 @@
         <a:sym typeface="Arial"/>
       </a:defRPr>
     </a:lvl6pPr>
-    <a:lvl7pPr lvl="6" marR="0" rtl="0" algn="l">
+    <a:lvl7pPr marR="0" lvl="6" algn="l" rtl="0">
       <a:lnSpc>
         <a:spcPct val="100000"/>
       </a:lnSpc>
@@ -195,7 +195,7 @@
         <a:srgbClr val="000000"/>
       </a:buClr>
       <a:buFont typeface="Arial"/>
-      <a:defRPr b="0" i="0" sz="1400" u="none" cap="none" strike="noStrike">
+      <a:defRPr sz="1400" b="0" i="0" u="none" strike="noStrike" cap="none">
         <a:solidFill>
           <a:srgbClr val="000000"/>
         </a:solidFill>
@@ -205,7 +205,7 @@
         <a:sym typeface="Arial"/>
       </a:defRPr>
     </a:lvl7pPr>
-    <a:lvl8pPr lvl="7" marR="0" rtl="0" algn="l">
+    <a:lvl8pPr marR="0" lvl="7" algn="l" rtl="0">
       <a:lnSpc>
         <a:spcPct val="100000"/>
       </a:lnSpc>
@@ -219,7 +219,7 @@
         <a:srgbClr val="000000"/>
       </a:buClr>
       <a:buFont typeface="Arial"/>
-      <a:defRPr b="0" i="0" sz="1400" u="none" cap="none" strike="noStrike">
+      <a:defRPr sz="1400" b="0" i="0" u="none" strike="noStrike" cap="none">
         <a:solidFill>
           <a:srgbClr val="000000"/>
         </a:solidFill>
@@ -229,7 +229,7 @@
         <a:sym typeface="Arial"/>
       </a:defRPr>
     </a:lvl8pPr>
-    <a:lvl9pPr lvl="8" marR="0" rtl="0" algn="l">
+    <a:lvl9pPr marR="0" lvl="8" algn="l" rtl="0">
       <a:lnSpc>
         <a:spcPct val="100000"/>
       </a:lnSpc>
@@ -243,7 +243,7 @@
         <a:srgbClr val="000000"/>
       </a:buClr>
       <a:buFont typeface="Arial"/>
-      <a:defRPr b="0" i="0" sz="1400" u="none" cap="none" strike="noStrike">
+      <a:defRPr sz="1400" b="0" i="0" u="none" strike="noStrike" cap="none">
         <a:solidFill>
           <a:srgbClr val="000000"/>
         </a:solidFill>
@@ -256,7 +256,7 @@
   </p:defaultTextStyle>
   <p:extLst>
     <p:ext uri="{EFAFB233-063F-42B5-8137-9DF3F51BA10A}">
-      <p15:sldGuideLst>
+      <p15:sldGuideLst xmlns:ahyp="http://schemas.microsoft.com/office/drawing/2018/hyperlinkcolor" xmlns:p15="http://schemas.microsoft.com/office/powerpoint/2012/main" xmlns:p14="http://schemas.microsoft.com/office/powerpoint/2010/main" xmlns:com="http://schemas.openxmlformats.org/drawingml/2006/compatibility" xmlns:pvml="urn:schemas-microsoft-com:office:powerpoint" xmlns:v="urn:schemas-microsoft-com:vml" xmlns:o="urn:schemas-microsoft-com:office:office" xmlns:dgm="http://schemas.openxmlformats.org/drawingml/2006/diagram" xmlns:c="http://schemas.openxmlformats.org/drawingml/2006/chart" xmlns:mv="urn:schemas-microsoft-com:mac:vml" xmlns:mc="http://schemas.openxmlformats.org/markup-compatibility/2006" xmlns="">
         <p15:guide id="1" orient="horz" pos="1620">
           <p15:clr>
             <a:srgbClr val="A4A3A4"/>
@@ -274,11 +274,16 @@
 </file>
 
 <file path=ppt/notesMasters/notesMaster1.xml><?xml version="1.0" encoding="utf-8"?>
-<p:notesMaster xmlns:a="http://schemas.openxmlformats.org/drawingml/2006/main" xmlns:r="http://schemas.openxmlformats.org/officeDocument/2006/relationships" xmlns:mc="http://schemas.openxmlformats.org/markup-compatibility/2006" xmlns:mv="urn:schemas-microsoft-com:mac:vml" xmlns:p="http://schemas.openxmlformats.org/presentationml/2006/main" xmlns:c="http://schemas.openxmlformats.org/drawingml/2006/chart" xmlns:dgm="http://schemas.openxmlformats.org/drawingml/2006/diagram" xmlns:o="urn:schemas-microsoft-com:office:office" xmlns:v="urn:schemas-microsoft-com:vml" xmlns:pvml="urn:schemas-microsoft-com:office:powerpoint" xmlns:com="http://schemas.openxmlformats.org/drawingml/2006/compatibility" xmlns:p14="http://schemas.microsoft.com/office/powerpoint/2010/main" xmlns:p15="http://schemas.microsoft.com/office/powerpoint/2012/main" xmlns:ahyp="http://schemas.microsoft.com/office/drawing/2018/hyperlinkcolor">
+<p:notesMaster xmlns:a="http://schemas.openxmlformats.org/drawingml/2006/main" xmlns:r="http://schemas.openxmlformats.org/officeDocument/2006/relationships" xmlns:p="http://schemas.openxmlformats.org/presentationml/2006/main">
   <p:cSld>
+    <p:bg>
+      <p:bgRef idx="1001">
+        <a:schemeClr val="bg1"/>
+      </p:bgRef>
+    </p:bg>
     <p:spTree>
       <p:nvGrpSpPr>
-        <p:cNvPr id="2" name="Shape 2"/>
+        <p:cNvPr id="1" name="Shape 2"/>
         <p:cNvGrpSpPr/>
         <p:nvPr/>
       </p:nvGrpSpPr>
@@ -293,9 +298,11 @@
       <p:sp>
         <p:nvSpPr>
           <p:cNvPr id="3" name="Google Shape;3;n"/>
-          <p:cNvSpPr/>
+          <p:cNvSpPr>
+            <a:spLocks noGrp="1" noRot="1" noChangeAspect="1"/>
+          </p:cNvSpPr>
           <p:nvPr>
-            <p:ph idx="2" type="sldImg"/>
+            <p:ph type="sldImg" idx="2"/>
           </p:nvPr>
         </p:nvSpPr>
         <p:spPr>
@@ -304,9 +311,13 @@
             <a:ext cx="6096075" cy="3429000"/>
           </a:xfrm>
           <a:custGeom>
-            <a:rect b="b" l="l" r="r" t="t"/>
+            <a:avLst/>
+            <a:gdLst/>
+            <a:ahLst/>
+            <a:cxnLst/>
+            <a:rect l="l" t="t" r="r" b="b"/>
             <a:pathLst>
-              <a:path extrusionOk="0" h="120000" w="120000">
+              <a:path w="120000" h="120000" extrusionOk="0">
                 <a:moveTo>
                   <a:pt x="0" y="0"/>
                 </a:moveTo>
@@ -324,23 +335,25 @@
             </a:pathLst>
           </a:custGeom>
           <a:noFill/>
-          <a:ln cap="flat" cmpd="sng" w="9525">
+          <a:ln w="9525" cap="flat" cmpd="sng">
             <a:solidFill>
               <a:srgbClr val="000000"/>
             </a:solidFill>
             <a:prstDash val="solid"/>
             <a:round/>
-            <a:headEnd len="sm" w="sm" type="none"/>
-            <a:tailEnd len="sm" w="sm" type="none"/>
+            <a:headEnd type="none" w="sm" len="sm"/>
+            <a:tailEnd type="none" w="sm" len="sm"/>
           </a:ln>
         </p:spPr>
       </p:sp>
       <p:sp>
         <p:nvSpPr>
           <p:cNvPr id="4" name="Google Shape;4;n"/>
-          <p:cNvSpPr txBox="1"/>
+          <p:cNvSpPr txBox="1">
+            <a:spLocks noGrp="1"/>
+          </p:cNvSpPr>
           <p:nvPr>
-            <p:ph idx="1" type="body"/>
+            <p:ph type="body" idx="1"/>
           </p:nvPr>
         </p:nvSpPr>
         <p:spPr>
@@ -357,11 +370,11 @@
           </a:ln>
         </p:spPr>
         <p:txBody>
-          <a:bodyPr anchorCtr="0" anchor="t" bIns="91425" lIns="91425" spcFirstLastPara="1" rIns="91425" wrap="square" tIns="91425">
+          <a:bodyPr spcFirstLastPara="1" wrap="square" lIns="91425" tIns="91425" rIns="91425" bIns="91425" anchor="t" anchorCtr="0">
             <a:noAutofit/>
           </a:bodyPr>
           <a:lstStyle>
-            <a:lvl1pPr indent="-317500" lvl="0" marL="457200">
+            <a:lvl1pPr marL="457200" lvl="0" indent="-317500">
               <a:spcBef>
                 <a:spcPts val="0"/>
               </a:spcBef>
@@ -372,7 +385,7 @@
               <a:buChar char="●"/>
               <a:defRPr sz="1100"/>
             </a:lvl1pPr>
-            <a:lvl2pPr indent="-317500" lvl="1" marL="914400">
+            <a:lvl2pPr marL="914400" lvl="1" indent="-317500">
               <a:spcBef>
                 <a:spcPts val="0"/>
               </a:spcBef>
@@ -383,7 +396,7 @@
               <a:buChar char="○"/>
               <a:defRPr sz="1100"/>
             </a:lvl2pPr>
-            <a:lvl3pPr indent="-317500" lvl="2" marL="1371600">
+            <a:lvl3pPr marL="1371600" lvl="2" indent="-317500">
               <a:spcBef>
                 <a:spcPts val="0"/>
               </a:spcBef>
@@ -394,7 +407,7 @@
               <a:buChar char="■"/>
               <a:defRPr sz="1100"/>
             </a:lvl3pPr>
-            <a:lvl4pPr indent="-317500" lvl="3" marL="1828800">
+            <a:lvl4pPr marL="1828800" lvl="3" indent="-317500">
               <a:spcBef>
                 <a:spcPts val="0"/>
               </a:spcBef>
@@ -405,7 +418,7 @@
               <a:buChar char="●"/>
               <a:defRPr sz="1100"/>
             </a:lvl4pPr>
-            <a:lvl5pPr indent="-317500" lvl="4" marL="2286000">
+            <a:lvl5pPr marL="2286000" lvl="4" indent="-317500">
               <a:spcBef>
                 <a:spcPts val="0"/>
               </a:spcBef>
@@ -416,7 +429,7 @@
               <a:buChar char="○"/>
               <a:defRPr sz="1100"/>
             </a:lvl5pPr>
-            <a:lvl6pPr indent="-317500" lvl="5" marL="2743200">
+            <a:lvl6pPr marL="2743200" lvl="5" indent="-317500">
               <a:spcBef>
                 <a:spcPts val="0"/>
               </a:spcBef>
@@ -427,7 +440,7 @@
               <a:buChar char="■"/>
               <a:defRPr sz="1100"/>
             </a:lvl6pPr>
-            <a:lvl7pPr indent="-317500" lvl="6" marL="3200400">
+            <a:lvl7pPr marL="3200400" lvl="6" indent="-317500">
               <a:spcBef>
                 <a:spcPts val="0"/>
               </a:spcBef>
@@ -438,7 +451,7 @@
               <a:buChar char="●"/>
               <a:defRPr sz="1100"/>
             </a:lvl7pPr>
-            <a:lvl8pPr indent="-317500" lvl="7" marL="3657600">
+            <a:lvl8pPr marL="3657600" lvl="7" indent="-317500">
               <a:spcBef>
                 <a:spcPts val="0"/>
               </a:spcBef>
@@ -449,7 +462,7 @@
               <a:buChar char="○"/>
               <a:defRPr sz="1100"/>
             </a:lvl8pPr>
-            <a:lvl9pPr indent="-317500" lvl="8" marL="4114800">
+            <a:lvl9pPr marL="4114800" lvl="8" indent="-317500">
               <a:spcBef>
                 <a:spcPts val="0"/>
               </a:spcBef>
@@ -461,14 +474,21 @@
               <a:defRPr sz="1100"/>
             </a:lvl9pPr>
           </a:lstStyle>
-          <a:p/>
+          <a:p>
+            <a:endParaRPr/>
+          </a:p>
         </p:txBody>
       </p:sp>
     </p:spTree>
+    <p:extLst>
+      <p:ext uri="{BB962C8B-B14F-4D97-AF65-F5344CB8AC3E}">
+        <p14:creationId xmlns:p14="http://schemas.microsoft.com/office/powerpoint/2010/main" val="3873900520"/>
+      </p:ext>
+    </p:extLst>
   </p:cSld>
-  <p:clrMap accent1="accent1" accent2="accent2" accent3="accent3" accent4="accent4" accent5="accent5" accent6="accent6" bg1="lt1" bg2="dk2" tx1="dk1" tx2="lt2" folHlink="folHlink" hlink="hlink"/>
+  <p:clrMap bg1="lt1" tx1="dk1" bg2="dk2" tx2="lt2" accent1="accent1" accent2="accent2" accent3="accent3" accent4="accent4" accent5="accent5" accent6="accent6" hlink="hlink" folHlink="folHlink"/>
   <p:notesStyle>
-    <a:defPPr lvl="0" marR="0" rtl="0" algn="l">
+    <a:defPPr marR="0" lvl="0" algn="l" rtl="0">
       <a:lnSpc>
         <a:spcPct val="100000"/>
       </a:lnSpc>
@@ -479,7 +499,7 @@
         <a:spcPts val="0"/>
       </a:spcAft>
     </a:defPPr>
-    <a:lvl1pPr lvl="0" marR="0" rtl="0" algn="l">
+    <a:lvl1pPr marR="0" lvl="0" algn="l" rtl="0">
       <a:lnSpc>
         <a:spcPct val="100000"/>
       </a:lnSpc>
@@ -493,7 +513,7 @@
         <a:srgbClr val="000000"/>
       </a:buClr>
       <a:buFont typeface="Arial"/>
-      <a:defRPr b="0" i="0" sz="1400" u="none" cap="none" strike="noStrike">
+      <a:defRPr sz="1400" b="0" i="0" u="none" strike="noStrike" cap="none">
         <a:solidFill>
           <a:srgbClr val="000000"/>
         </a:solidFill>
@@ -503,7 +523,7 @@
         <a:sym typeface="Arial"/>
       </a:defRPr>
     </a:lvl1pPr>
-    <a:lvl2pPr lvl="1" marR="0" rtl="0" algn="l">
+    <a:lvl2pPr marR="0" lvl="1" algn="l" rtl="0">
       <a:lnSpc>
         <a:spcPct val="100000"/>
       </a:lnSpc>
@@ -517,7 +537,7 @@
         <a:srgbClr val="000000"/>
       </a:buClr>
       <a:buFont typeface="Arial"/>
-      <a:defRPr b="0" i="0" sz="1400" u="none" cap="none" strike="noStrike">
+      <a:defRPr sz="1400" b="0" i="0" u="none" strike="noStrike" cap="none">
         <a:solidFill>
           <a:srgbClr val="000000"/>
         </a:solidFill>
@@ -527,7 +547,7 @@
         <a:sym typeface="Arial"/>
       </a:defRPr>
     </a:lvl2pPr>
-    <a:lvl3pPr lvl="2" marR="0" rtl="0" algn="l">
+    <a:lvl3pPr marR="0" lvl="2" algn="l" rtl="0">
       <a:lnSpc>
         <a:spcPct val="100000"/>
       </a:lnSpc>
@@ -541,7 +561,7 @@
         <a:srgbClr val="000000"/>
       </a:buClr>
       <a:buFont typeface="Arial"/>
-      <a:defRPr b="0" i="0" sz="1400" u="none" cap="none" strike="noStrike">
+      <a:defRPr sz="1400" b="0" i="0" u="none" strike="noStrike" cap="none">
         <a:solidFill>
           <a:srgbClr val="000000"/>
         </a:solidFill>
@@ -551,7 +571,7 @@
         <a:sym typeface="Arial"/>
       </a:defRPr>
     </a:lvl3pPr>
-    <a:lvl4pPr lvl="3" marR="0" rtl="0" algn="l">
+    <a:lvl4pPr marR="0" lvl="3" algn="l" rtl="0">
       <a:lnSpc>
         <a:spcPct val="100000"/>
       </a:lnSpc>
@@ -565,7 +585,7 @@
         <a:srgbClr val="000000"/>
       </a:buClr>
       <a:buFont typeface="Arial"/>
-      <a:defRPr b="0" i="0" sz="1400" u="none" cap="none" strike="noStrike">
+      <a:defRPr sz="1400" b="0" i="0" u="none" strike="noStrike" cap="none">
         <a:solidFill>
           <a:srgbClr val="000000"/>
         </a:solidFill>
@@ -575,7 +595,7 @@
         <a:sym typeface="Arial"/>
       </a:defRPr>
     </a:lvl4pPr>
-    <a:lvl5pPr lvl="4" marR="0" rtl="0" algn="l">
+    <a:lvl5pPr marR="0" lvl="4" algn="l" rtl="0">
       <a:lnSpc>
         <a:spcPct val="100000"/>
       </a:lnSpc>
@@ -589,7 +609,7 @@
         <a:srgbClr val="000000"/>
       </a:buClr>
       <a:buFont typeface="Arial"/>
-      <a:defRPr b="0" i="0" sz="1400" u="none" cap="none" strike="noStrike">
+      <a:defRPr sz="1400" b="0" i="0" u="none" strike="noStrike" cap="none">
         <a:solidFill>
           <a:srgbClr val="000000"/>
         </a:solidFill>
@@ -599,7 +619,7 @@
         <a:sym typeface="Arial"/>
       </a:defRPr>
     </a:lvl5pPr>
-    <a:lvl6pPr lvl="5" marR="0" rtl="0" algn="l">
+    <a:lvl6pPr marR="0" lvl="5" algn="l" rtl="0">
       <a:lnSpc>
         <a:spcPct val="100000"/>
       </a:lnSpc>
@@ -613,7 +633,7 @@
         <a:srgbClr val="000000"/>
       </a:buClr>
       <a:buFont typeface="Arial"/>
-      <a:defRPr b="0" i="0" sz="1400" u="none" cap="none" strike="noStrike">
+      <a:defRPr sz="1400" b="0" i="0" u="none" strike="noStrike" cap="none">
         <a:solidFill>
           <a:srgbClr val="000000"/>
         </a:solidFill>
@@ -623,7 +643,7 @@
         <a:sym typeface="Arial"/>
       </a:defRPr>
     </a:lvl6pPr>
-    <a:lvl7pPr lvl="6" marR="0" rtl="0" algn="l">
+    <a:lvl7pPr marR="0" lvl="6" algn="l" rtl="0">
       <a:lnSpc>
         <a:spcPct val="100000"/>
       </a:lnSpc>
@@ -637,7 +657,7 @@
         <a:srgbClr val="000000"/>
       </a:buClr>
       <a:buFont typeface="Arial"/>
-      <a:defRPr b="0" i="0" sz="1400" u="none" cap="none" strike="noStrike">
+      <a:defRPr sz="1400" b="0" i="0" u="none" strike="noStrike" cap="none">
         <a:solidFill>
           <a:srgbClr val="000000"/>
         </a:solidFill>
@@ -647,7 +667,7 @@
         <a:sym typeface="Arial"/>
       </a:defRPr>
     </a:lvl7pPr>
-    <a:lvl8pPr lvl="7" marR="0" rtl="0" algn="l">
+    <a:lvl8pPr marR="0" lvl="7" algn="l" rtl="0">
       <a:lnSpc>
         <a:spcPct val="100000"/>
       </a:lnSpc>
@@ -661,7 +681,7 @@
         <a:srgbClr val="000000"/>
       </a:buClr>
       <a:buFont typeface="Arial"/>
-      <a:defRPr b="0" i="0" sz="1400" u="none" cap="none" strike="noStrike">
+      <a:defRPr sz="1400" b="0" i="0" u="none" strike="noStrike" cap="none">
         <a:solidFill>
           <a:srgbClr val="000000"/>
         </a:solidFill>
@@ -671,7 +691,7 @@
         <a:sym typeface="Arial"/>
       </a:defRPr>
     </a:lvl8pPr>
-    <a:lvl9pPr lvl="8" marR="0" rtl="0" algn="l">
+    <a:lvl9pPr marR="0" lvl="8" algn="l" rtl="0">
       <a:lnSpc>
         <a:spcPct val="100000"/>
       </a:lnSpc>
@@ -685,7 +705,7 @@
         <a:srgbClr val="000000"/>
       </a:buClr>
       <a:buFont typeface="Arial"/>
-      <a:defRPr b="0" i="0" sz="1400" u="none" cap="none" strike="noStrike">
+      <a:defRPr sz="1400" b="0" i="0" u="none" strike="noStrike" cap="none">
         <a:solidFill>
           <a:srgbClr val="000000"/>
         </a:solidFill>
@@ -700,11 +720,11 @@
 </file>
 
 <file path=ppt/notesSlides/notesSlide1.xml><?xml version="1.0" encoding="utf-8"?>
-<p:notes xmlns:a="http://schemas.openxmlformats.org/drawingml/2006/main" xmlns:r="http://schemas.openxmlformats.org/officeDocument/2006/relationships" xmlns:mc="http://schemas.openxmlformats.org/markup-compatibility/2006" xmlns:mv="urn:schemas-microsoft-com:mac:vml" xmlns:p="http://schemas.openxmlformats.org/presentationml/2006/main" xmlns:c="http://schemas.openxmlformats.org/drawingml/2006/chart" xmlns:dgm="http://schemas.openxmlformats.org/drawingml/2006/diagram" xmlns:o="urn:schemas-microsoft-com:office:office" xmlns:v="urn:schemas-microsoft-com:vml" xmlns:pvml="urn:schemas-microsoft-com:office:powerpoint" xmlns:com="http://schemas.openxmlformats.org/drawingml/2006/compatibility" xmlns:p14="http://schemas.microsoft.com/office/powerpoint/2010/main" xmlns:p15="http://schemas.microsoft.com/office/powerpoint/2012/main" xmlns:ahyp="http://schemas.microsoft.com/office/drawing/2018/hyperlinkcolor" showMasterPhAnim="0" showMasterSp="0">
+<p:notes xmlns:a="http://schemas.openxmlformats.org/drawingml/2006/main" xmlns:r="http://schemas.openxmlformats.org/officeDocument/2006/relationships" xmlns:p="http://schemas.openxmlformats.org/presentationml/2006/main" showMasterSp="0" showMasterPhAnim="0">
   <p:cSld>
     <p:spTree>
       <p:nvGrpSpPr>
-        <p:cNvPr id="81" name="Shape 81"/>
+        <p:cNvPr id="1" name="Shape 81"/>
         <p:cNvGrpSpPr/>
         <p:nvPr/>
       </p:nvGrpSpPr>
@@ -719,9 +739,11 @@
       <p:sp>
         <p:nvSpPr>
           <p:cNvPr id="82" name="Google Shape;82;gc6f9e470d_0_0:notes"/>
-          <p:cNvSpPr/>
+          <p:cNvSpPr>
+            <a:spLocks noGrp="1" noRot="1" noChangeAspect="1"/>
+          </p:cNvSpPr>
           <p:nvPr>
-            <p:ph idx="2" type="sldImg"/>
+            <p:ph type="sldImg" idx="2"/>
           </p:nvPr>
         </p:nvSpPr>
         <p:spPr>
@@ -730,9 +752,13 @@
             <a:ext cx="6096300" cy="3429000"/>
           </a:xfrm>
           <a:custGeom>
-            <a:rect b="b" l="l" r="r" t="t"/>
+            <a:avLst/>
+            <a:gdLst/>
+            <a:ahLst/>
+            <a:cxnLst/>
+            <a:rect l="l" t="t" r="r" b="b"/>
             <a:pathLst>
-              <a:path extrusionOk="0" h="120000" w="120000">
+              <a:path w="120000" h="120000" extrusionOk="0">
                 <a:moveTo>
                   <a:pt x="0" y="0"/>
                 </a:moveTo>
@@ -754,9 +780,11 @@
       <p:sp>
         <p:nvSpPr>
           <p:cNvPr id="83" name="Google Shape;83;gc6f9e470d_0_0:notes"/>
-          <p:cNvSpPr txBox="1"/>
+          <p:cNvSpPr txBox="1">
+            <a:spLocks noGrp="1"/>
+          </p:cNvSpPr>
           <p:nvPr>
-            <p:ph idx="1" type="body"/>
+            <p:ph type="body" idx="1"/>
           </p:nvPr>
         </p:nvSpPr>
         <p:spPr>
@@ -769,12 +797,12 @@
           </a:prstGeom>
         </p:spPr>
         <p:txBody>
-          <a:bodyPr anchorCtr="0" anchor="t" bIns="91425" lIns="91425" spcFirstLastPara="1" rIns="91425" wrap="square" tIns="91425">
+          <a:bodyPr spcFirstLastPara="1" wrap="square" lIns="91425" tIns="91425" rIns="91425" bIns="91425" anchor="t" anchorCtr="0">
             <a:noAutofit/>
           </a:bodyPr>
           <a:lstStyle/>
           <a:p>
-            <a:pPr indent="0" lvl="0" marL="0" rtl="0" algn="l">
+            <a:pPr marL="0" lvl="0" indent="0" algn="l" rtl="0">
               <a:spcBef>
                 <a:spcPts val="0"/>
               </a:spcBef>
@@ -783,9 +811,6 @@
               </a:spcAft>
               <a:buNone/>
             </a:pPr>
-            <a:r>
-              <a:t/>
-            </a:r>
             <a:endParaRPr/>
           </a:p>
         </p:txBody>
@@ -799,11 +824,11 @@
 </file>
 
 <file path=ppt/notesSlides/notesSlide2.xml><?xml version="1.0" encoding="utf-8"?>
-<p:notes xmlns:a="http://schemas.openxmlformats.org/drawingml/2006/main" xmlns:r="http://schemas.openxmlformats.org/officeDocument/2006/relationships" xmlns:mc="http://schemas.openxmlformats.org/markup-compatibility/2006" xmlns:mv="urn:schemas-microsoft-com:mac:vml" xmlns:p="http://schemas.openxmlformats.org/presentationml/2006/main" xmlns:c="http://schemas.openxmlformats.org/drawingml/2006/chart" xmlns:dgm="http://schemas.openxmlformats.org/drawingml/2006/diagram" xmlns:o="urn:schemas-microsoft-com:office:office" xmlns:v="urn:schemas-microsoft-com:vml" xmlns:pvml="urn:schemas-microsoft-com:office:powerpoint" xmlns:com="http://schemas.openxmlformats.org/drawingml/2006/compatibility" xmlns:p14="http://schemas.microsoft.com/office/powerpoint/2010/main" xmlns:p15="http://schemas.microsoft.com/office/powerpoint/2012/main" xmlns:ahyp="http://schemas.microsoft.com/office/drawing/2018/hyperlinkcolor" showMasterPhAnim="0" showMasterSp="0">
+<p:notes xmlns:a="http://schemas.openxmlformats.org/drawingml/2006/main" xmlns:r="http://schemas.openxmlformats.org/officeDocument/2006/relationships" xmlns:p="http://schemas.openxmlformats.org/presentationml/2006/main" showMasterSp="0" showMasterPhAnim="0">
   <p:cSld>
     <p:spTree>
       <p:nvGrpSpPr>
-        <p:cNvPr id="87" name="Shape 87"/>
+        <p:cNvPr id="1" name="Shape 87"/>
         <p:cNvGrpSpPr/>
         <p:nvPr/>
       </p:nvGrpSpPr>
@@ -818,9 +843,11 @@
       <p:sp>
         <p:nvSpPr>
           <p:cNvPr id="88" name="Google Shape;88;gc6f9e470d_0_5:notes"/>
-          <p:cNvSpPr/>
+          <p:cNvSpPr>
+            <a:spLocks noGrp="1" noRot="1" noChangeAspect="1"/>
+          </p:cNvSpPr>
           <p:nvPr>
-            <p:ph idx="2" type="sldImg"/>
+            <p:ph type="sldImg" idx="2"/>
           </p:nvPr>
         </p:nvSpPr>
         <p:spPr>
@@ -829,9 +856,13 @@
             <a:ext cx="6096300" cy="3429000"/>
           </a:xfrm>
           <a:custGeom>
-            <a:rect b="b" l="l" r="r" t="t"/>
+            <a:avLst/>
+            <a:gdLst/>
+            <a:ahLst/>
+            <a:cxnLst/>
+            <a:rect l="l" t="t" r="r" b="b"/>
             <a:pathLst>
-              <a:path extrusionOk="0" h="120000" w="120000">
+              <a:path w="120000" h="120000" extrusionOk="0">
                 <a:moveTo>
                   <a:pt x="0" y="0"/>
                 </a:moveTo>
@@ -853,9 +884,11 @@
       <p:sp>
         <p:nvSpPr>
           <p:cNvPr id="89" name="Google Shape;89;gc6f9e470d_0_5:notes"/>
-          <p:cNvSpPr txBox="1"/>
+          <p:cNvSpPr txBox="1">
+            <a:spLocks noGrp="1"/>
+          </p:cNvSpPr>
           <p:nvPr>
-            <p:ph idx="1" type="body"/>
+            <p:ph type="body" idx="1"/>
           </p:nvPr>
         </p:nvSpPr>
         <p:spPr>
@@ -868,12 +901,12 @@
           </a:prstGeom>
         </p:spPr>
         <p:txBody>
-          <a:bodyPr anchorCtr="0" anchor="t" bIns="91425" lIns="91425" spcFirstLastPara="1" rIns="91425" wrap="square" tIns="91425">
+          <a:bodyPr spcFirstLastPara="1" wrap="square" lIns="91425" tIns="91425" rIns="91425" bIns="91425" anchor="t" anchorCtr="0">
             <a:noAutofit/>
           </a:bodyPr>
           <a:lstStyle/>
           <a:p>
-            <a:pPr indent="0" lvl="0" marL="0" rtl="0" algn="l">
+            <a:pPr marL="0" lvl="0" indent="0" algn="l" rtl="0">
               <a:spcBef>
                 <a:spcPts val="0"/>
               </a:spcBef>
@@ -882,9 +915,6 @@
               </a:spcAft>
               <a:buNone/>
             </a:pPr>
-            <a:r>
-              <a:t/>
-            </a:r>
             <a:endParaRPr/>
           </a:p>
         </p:txBody>
@@ -898,11 +928,11 @@
 </file>
 
 <file path=ppt/notesSlides/notesSlide3.xml><?xml version="1.0" encoding="utf-8"?>
-<p:notes xmlns:a="http://schemas.openxmlformats.org/drawingml/2006/main" xmlns:r="http://schemas.openxmlformats.org/officeDocument/2006/relationships" xmlns:mc="http://schemas.openxmlformats.org/markup-compatibility/2006" xmlns:mv="urn:schemas-microsoft-com:mac:vml" xmlns:p="http://schemas.openxmlformats.org/presentationml/2006/main" xmlns:c="http://schemas.openxmlformats.org/drawingml/2006/chart" xmlns:dgm="http://schemas.openxmlformats.org/drawingml/2006/diagram" xmlns:o="urn:schemas-microsoft-com:office:office" xmlns:v="urn:schemas-microsoft-com:vml" xmlns:pvml="urn:schemas-microsoft-com:office:powerpoint" xmlns:com="http://schemas.openxmlformats.org/drawingml/2006/compatibility" xmlns:p14="http://schemas.microsoft.com/office/powerpoint/2010/main" xmlns:p15="http://schemas.microsoft.com/office/powerpoint/2012/main" xmlns:ahyp="http://schemas.microsoft.com/office/drawing/2018/hyperlinkcolor" showMasterPhAnim="0" showMasterSp="0">
+<p:notes xmlns:a="http://schemas.openxmlformats.org/drawingml/2006/main" xmlns:r="http://schemas.openxmlformats.org/officeDocument/2006/relationships" xmlns:p="http://schemas.openxmlformats.org/presentationml/2006/main" showMasterSp="0" showMasterPhAnim="0">
   <p:cSld>
     <p:spTree>
       <p:nvGrpSpPr>
-        <p:cNvPr id="101" name="Shape 101"/>
+        <p:cNvPr id="1" name="Shape 101"/>
         <p:cNvGrpSpPr/>
         <p:nvPr/>
       </p:nvGrpSpPr>
@@ -917,9 +947,11 @@
       <p:sp>
         <p:nvSpPr>
           <p:cNvPr id="102" name="Google Shape;102;g2180b258331_0_8:notes"/>
-          <p:cNvSpPr/>
+          <p:cNvSpPr>
+            <a:spLocks noGrp="1" noRot="1" noChangeAspect="1"/>
+          </p:cNvSpPr>
           <p:nvPr>
-            <p:ph idx="2" type="sldImg"/>
+            <p:ph type="sldImg" idx="2"/>
           </p:nvPr>
         </p:nvSpPr>
         <p:spPr>
@@ -928,9 +960,13 @@
             <a:ext cx="6096300" cy="3429000"/>
           </a:xfrm>
           <a:custGeom>
-            <a:rect b="b" l="l" r="r" t="t"/>
+            <a:avLst/>
+            <a:gdLst/>
+            <a:ahLst/>
+            <a:cxnLst/>
+            <a:rect l="l" t="t" r="r" b="b"/>
             <a:pathLst>
-              <a:path extrusionOk="0" h="120000" w="120000">
+              <a:path w="120000" h="120000" extrusionOk="0">
                 <a:moveTo>
                   <a:pt x="0" y="0"/>
                 </a:moveTo>
@@ -952,9 +988,11 @@
       <p:sp>
         <p:nvSpPr>
           <p:cNvPr id="103" name="Google Shape;103;g2180b258331_0_8:notes"/>
-          <p:cNvSpPr txBox="1"/>
+          <p:cNvSpPr txBox="1">
+            <a:spLocks noGrp="1"/>
+          </p:cNvSpPr>
           <p:nvPr>
-            <p:ph idx="1" type="body"/>
+            <p:ph type="body" idx="1"/>
           </p:nvPr>
         </p:nvSpPr>
         <p:spPr>
@@ -967,12 +1005,12 @@
           </a:prstGeom>
         </p:spPr>
         <p:txBody>
-          <a:bodyPr anchorCtr="0" anchor="t" bIns="91425" lIns="91425" spcFirstLastPara="1" rIns="91425" wrap="square" tIns="91425">
+          <a:bodyPr spcFirstLastPara="1" wrap="square" lIns="91425" tIns="91425" rIns="91425" bIns="91425" anchor="t" anchorCtr="0">
             <a:noAutofit/>
           </a:bodyPr>
           <a:lstStyle/>
           <a:p>
-            <a:pPr indent="0" lvl="0" marL="0" rtl="0" algn="l">
+            <a:pPr marL="0" lvl="0" indent="0" algn="l" rtl="0">
               <a:spcBef>
                 <a:spcPts val="0"/>
               </a:spcBef>
@@ -981,9 +1019,6 @@
               </a:spcAft>
               <a:buNone/>
             </a:pPr>
-            <a:r>
-              <a:t/>
-            </a:r>
             <a:endParaRPr/>
           </a:p>
         </p:txBody>
@@ -997,11 +1032,11 @@
 </file>
 
 <file path=ppt/notesSlides/notesSlide4.xml><?xml version="1.0" encoding="utf-8"?>
-<p:notes xmlns:a="http://schemas.openxmlformats.org/drawingml/2006/main" xmlns:r="http://schemas.openxmlformats.org/officeDocument/2006/relationships" xmlns:mc="http://schemas.openxmlformats.org/markup-compatibility/2006" xmlns:mv="urn:schemas-microsoft-com:mac:vml" xmlns:p="http://schemas.openxmlformats.org/presentationml/2006/main" xmlns:c="http://schemas.openxmlformats.org/drawingml/2006/chart" xmlns:dgm="http://schemas.openxmlformats.org/drawingml/2006/diagram" xmlns:o="urn:schemas-microsoft-com:office:office" xmlns:v="urn:schemas-microsoft-com:vml" xmlns:pvml="urn:schemas-microsoft-com:office:powerpoint" xmlns:com="http://schemas.openxmlformats.org/drawingml/2006/compatibility" xmlns:p14="http://schemas.microsoft.com/office/powerpoint/2010/main" xmlns:p15="http://schemas.microsoft.com/office/powerpoint/2012/main" xmlns:ahyp="http://schemas.microsoft.com/office/drawing/2018/hyperlinkcolor" showMasterPhAnim="0" showMasterSp="0">
+<p:notes xmlns:a="http://schemas.openxmlformats.org/drawingml/2006/main" xmlns:r="http://schemas.openxmlformats.org/officeDocument/2006/relationships" xmlns:p="http://schemas.openxmlformats.org/presentationml/2006/main" showMasterSp="0" showMasterPhAnim="0">
   <p:cSld>
     <p:spTree>
       <p:nvGrpSpPr>
-        <p:cNvPr id="109" name="Shape 109"/>
+        <p:cNvPr id="1" name="Shape 109"/>
         <p:cNvGrpSpPr/>
         <p:nvPr/>
       </p:nvGrpSpPr>
@@ -1016,20 +1051,26 @@
       <p:sp>
         <p:nvSpPr>
           <p:cNvPr id="110" name="Google Shape;110;g21f275cc837_0_0:notes"/>
-          <p:cNvSpPr/>
+          <p:cNvSpPr>
+            <a:spLocks noGrp="1" noRot="1" noChangeAspect="1"/>
+          </p:cNvSpPr>
           <p:nvPr>
-            <p:ph idx="2" type="sldImg"/>
+            <p:ph type="sldImg" idx="2"/>
           </p:nvPr>
         </p:nvSpPr>
         <p:spPr>
           <a:xfrm>
-            <a:off x="381300" y="685800"/>
+            <a:off x="381000" y="685800"/>
             <a:ext cx="6096000" cy="3429000"/>
           </a:xfrm>
           <a:custGeom>
-            <a:rect b="b" l="l" r="r" t="t"/>
+            <a:avLst/>
+            <a:gdLst/>
+            <a:ahLst/>
+            <a:cxnLst/>
+            <a:rect l="l" t="t" r="r" b="b"/>
             <a:pathLst>
-              <a:path extrusionOk="0" h="120000" w="120000">
+              <a:path w="120000" h="120000" extrusionOk="0">
                 <a:moveTo>
                   <a:pt x="0" y="0"/>
                 </a:moveTo>
@@ -1051,9 +1092,11 @@
       <p:sp>
         <p:nvSpPr>
           <p:cNvPr id="111" name="Google Shape;111;g21f275cc837_0_0:notes"/>
-          <p:cNvSpPr txBox="1"/>
+          <p:cNvSpPr txBox="1">
+            <a:spLocks noGrp="1"/>
+          </p:cNvSpPr>
           <p:nvPr>
-            <p:ph idx="1" type="body"/>
+            <p:ph type="body" idx="1"/>
           </p:nvPr>
         </p:nvSpPr>
         <p:spPr>
@@ -1066,12 +1109,12 @@
           </a:prstGeom>
         </p:spPr>
         <p:txBody>
-          <a:bodyPr anchorCtr="0" anchor="t" bIns="91425" lIns="91425" spcFirstLastPara="1" rIns="91425" wrap="square" tIns="91425">
+          <a:bodyPr spcFirstLastPara="1" wrap="square" lIns="91425" tIns="91425" rIns="91425" bIns="91425" anchor="t" anchorCtr="0">
             <a:noAutofit/>
           </a:bodyPr>
           <a:lstStyle/>
           <a:p>
-            <a:pPr indent="0" lvl="0" marL="0" rtl="0" algn="l">
+            <a:pPr marL="0" lvl="0" indent="0" algn="l" rtl="0">
               <a:spcBef>
                 <a:spcPts val="0"/>
               </a:spcBef>
@@ -1080,9 +1123,6 @@
               </a:spcAft>
               <a:buNone/>
             </a:pPr>
-            <a:r>
-              <a:t/>
-            </a:r>
             <a:endParaRPr/>
           </a:p>
         </p:txBody>
@@ -1096,11 +1136,11 @@
 </file>
 
 <file path=ppt/notesSlides/notesSlide5.xml><?xml version="1.0" encoding="utf-8"?>
-<p:notes xmlns:a="http://schemas.openxmlformats.org/drawingml/2006/main" xmlns:r="http://schemas.openxmlformats.org/officeDocument/2006/relationships" xmlns:mc="http://schemas.openxmlformats.org/markup-compatibility/2006" xmlns:mv="urn:schemas-microsoft-com:mac:vml" xmlns:p="http://schemas.openxmlformats.org/presentationml/2006/main" xmlns:c="http://schemas.openxmlformats.org/drawingml/2006/chart" xmlns:dgm="http://schemas.openxmlformats.org/drawingml/2006/diagram" xmlns:o="urn:schemas-microsoft-com:office:office" xmlns:v="urn:schemas-microsoft-com:vml" xmlns:pvml="urn:schemas-microsoft-com:office:powerpoint" xmlns:com="http://schemas.openxmlformats.org/drawingml/2006/compatibility" xmlns:p14="http://schemas.microsoft.com/office/powerpoint/2010/main" xmlns:p15="http://schemas.microsoft.com/office/powerpoint/2012/main" xmlns:ahyp="http://schemas.microsoft.com/office/drawing/2018/hyperlinkcolor" showMasterPhAnim="0" showMasterSp="0">
+<p:notes xmlns:a="http://schemas.openxmlformats.org/drawingml/2006/main" xmlns:r="http://schemas.openxmlformats.org/officeDocument/2006/relationships" xmlns:p="http://schemas.openxmlformats.org/presentationml/2006/main" showMasterSp="0" showMasterPhAnim="0">
   <p:cSld>
     <p:spTree>
       <p:nvGrpSpPr>
-        <p:cNvPr id="117" name="Shape 117"/>
+        <p:cNvPr id="1" name="Shape 117"/>
         <p:cNvGrpSpPr/>
         <p:nvPr/>
       </p:nvGrpSpPr>
@@ -1115,20 +1155,26 @@
       <p:sp>
         <p:nvSpPr>
           <p:cNvPr id="118" name="Google Shape;118;g21a2bd91824_0_8:notes"/>
-          <p:cNvSpPr/>
+          <p:cNvSpPr>
+            <a:spLocks noGrp="1" noRot="1" noChangeAspect="1"/>
+          </p:cNvSpPr>
           <p:nvPr>
-            <p:ph idx="2" type="sldImg"/>
+            <p:ph type="sldImg" idx="2"/>
           </p:nvPr>
         </p:nvSpPr>
         <p:spPr>
           <a:xfrm>
-            <a:off x="381188" y="685800"/>
-            <a:ext cx="6096300" cy="3429000"/>
+            <a:off x="381000" y="685800"/>
+            <a:ext cx="6096000" cy="3429000"/>
           </a:xfrm>
           <a:custGeom>
-            <a:rect b="b" l="l" r="r" t="t"/>
+            <a:avLst/>
+            <a:gdLst/>
+            <a:ahLst/>
+            <a:cxnLst/>
+            <a:rect l="l" t="t" r="r" b="b"/>
             <a:pathLst>
-              <a:path extrusionOk="0" h="120000" w="120000">
+              <a:path w="120000" h="120000" extrusionOk="0">
                 <a:moveTo>
                   <a:pt x="0" y="0"/>
                 </a:moveTo>
@@ -1150,9 +1196,11 @@
       <p:sp>
         <p:nvSpPr>
           <p:cNvPr id="119" name="Google Shape;119;g21a2bd91824_0_8:notes"/>
-          <p:cNvSpPr txBox="1"/>
+          <p:cNvSpPr txBox="1">
+            <a:spLocks noGrp="1"/>
+          </p:cNvSpPr>
           <p:nvPr>
-            <p:ph idx="1" type="body"/>
+            <p:ph type="body" idx="1"/>
           </p:nvPr>
         </p:nvSpPr>
         <p:spPr>
@@ -1165,12 +1213,12 @@
           </a:prstGeom>
         </p:spPr>
         <p:txBody>
-          <a:bodyPr anchorCtr="0" anchor="t" bIns="91425" lIns="91425" spcFirstLastPara="1" rIns="91425" wrap="square" tIns="91425">
+          <a:bodyPr spcFirstLastPara="1" wrap="square" lIns="91425" tIns="91425" rIns="91425" bIns="91425" anchor="t" anchorCtr="0">
             <a:noAutofit/>
           </a:bodyPr>
           <a:lstStyle/>
           <a:p>
-            <a:pPr indent="0" lvl="0" marL="0" rtl="0" algn="l">
+            <a:pPr marL="0" lvl="0" indent="0" algn="l" rtl="0">
               <a:spcBef>
                 <a:spcPts val="0"/>
               </a:spcBef>
@@ -1179,9 +1227,6 @@
               </a:spcAft>
               <a:buNone/>
             </a:pPr>
-            <a:r>
-              <a:t/>
-            </a:r>
             <a:endParaRPr/>
           </a:p>
         </p:txBody>
@@ -1195,18 +1240,19 @@
 </file>
 
 <file path=ppt/slideLayouts/slideLayout1.xml><?xml version="1.0" encoding="utf-8"?>
-<p:sldLayout xmlns:a="http://schemas.openxmlformats.org/drawingml/2006/main" xmlns:r="http://schemas.openxmlformats.org/officeDocument/2006/relationships" xmlns:mc="http://schemas.openxmlformats.org/markup-compatibility/2006" xmlns:mv="urn:schemas-microsoft-com:mac:vml" xmlns:p="http://schemas.openxmlformats.org/presentationml/2006/main" xmlns:c="http://schemas.openxmlformats.org/drawingml/2006/chart" xmlns:dgm="http://schemas.openxmlformats.org/drawingml/2006/diagram" xmlns:o="urn:schemas-microsoft-com:office:office" xmlns:v="urn:schemas-microsoft-com:vml" xmlns:pvml="urn:schemas-microsoft-com:office:powerpoint" xmlns:com="http://schemas.openxmlformats.org/drawingml/2006/compatibility" xmlns:p14="http://schemas.microsoft.com/office/powerpoint/2010/main" xmlns:p15="http://schemas.microsoft.com/office/powerpoint/2012/main" xmlns:ahyp="http://schemas.microsoft.com/office/drawing/2018/hyperlinkcolor" matchingName="Title slide" type="title">
+<p:sldLayout xmlns:a="http://schemas.openxmlformats.org/drawingml/2006/main" xmlns:r="http://schemas.openxmlformats.org/officeDocument/2006/relationships" xmlns:p="http://schemas.openxmlformats.org/presentationml/2006/main" matchingName="Title slide" type="title">
   <p:cSld name="TITLE">
     <p:bg>
       <p:bgPr>
         <a:solidFill>
           <a:schemeClr val="dk1"/>
         </a:solidFill>
+        <a:effectLst/>
       </p:bgPr>
     </p:bg>
     <p:spTree>
       <p:nvGrpSpPr>
-        <p:cNvPr id="9" name="Shape 9"/>
+        <p:cNvPr id="1" name="Shape 9"/>
         <p:cNvGrpSpPr/>
         <p:nvPr/>
       </p:nvGrpSpPr>
@@ -1254,12 +1300,12 @@
             </a:ln>
           </p:spPr>
           <p:txBody>
-            <a:bodyPr anchorCtr="0" anchor="ctr" bIns="91425" lIns="91425" spcFirstLastPara="1" rIns="91425" wrap="square" tIns="91425">
+            <a:bodyPr spcFirstLastPara="1" wrap="square" lIns="91425" tIns="91425" rIns="91425" bIns="91425" anchor="ctr" anchorCtr="0">
               <a:noAutofit/>
             </a:bodyPr>
             <a:lstStyle/>
             <a:p>
-              <a:pPr indent="0" lvl="0" marL="0" rtl="0" algn="l">
+              <a:pPr marL="0" lvl="0" indent="0" algn="l" rtl="0">
                 <a:spcBef>
                   <a:spcPts val="0"/>
                 </a:spcBef>
@@ -1268,9 +1314,6 @@
                 </a:spcAft>
                 <a:buNone/>
               </a:pPr>
-              <a:r>
-                <a:t/>
-              </a:r>
               <a:endParaRPr/>
             </a:p>
           </p:txBody>
@@ -1297,12 +1340,12 @@
             </a:ln>
           </p:spPr>
           <p:txBody>
-            <a:bodyPr anchorCtr="0" anchor="ctr" bIns="91425" lIns="91425" spcFirstLastPara="1" rIns="91425" wrap="square" tIns="91425">
+            <a:bodyPr spcFirstLastPara="1" wrap="square" lIns="91425" tIns="91425" rIns="91425" bIns="91425" anchor="ctr" anchorCtr="0">
               <a:noAutofit/>
             </a:bodyPr>
             <a:lstStyle/>
             <a:p>
-              <a:pPr indent="0" lvl="0" marL="0" rtl="0" algn="l">
+              <a:pPr marL="0" lvl="0" indent="0" algn="l" rtl="0">
                 <a:spcBef>
                   <a:spcPts val="0"/>
                 </a:spcBef>
@@ -1311,9 +1354,6 @@
                 </a:spcAft>
                 <a:buNone/>
               </a:pPr>
-              <a:r>
-                <a:t/>
-              </a:r>
               <a:endParaRPr/>
             </a:p>
           </p:txBody>
@@ -1325,7 +1365,7 @@
             <p:nvPr/>
           </p:nvSpPr>
           <p:spPr>
-            <a:xfrm flipH="1" rot="10800000">
+            <a:xfrm rot="10800000" flipH="1">
               <a:off x="7113588" y="107"/>
               <a:ext cx="1015200" cy="1015200"/>
             </a:xfrm>
@@ -1340,12 +1380,12 @@
             </a:ln>
           </p:spPr>
           <p:txBody>
-            <a:bodyPr anchorCtr="0" anchor="ctr" bIns="91425" lIns="91425" spcFirstLastPara="1" rIns="91425" wrap="square" tIns="91425">
+            <a:bodyPr spcFirstLastPara="1" wrap="square" lIns="91425" tIns="91425" rIns="91425" bIns="91425" anchor="ctr" anchorCtr="0">
               <a:noAutofit/>
             </a:bodyPr>
             <a:lstStyle/>
             <a:p>
-              <a:pPr indent="0" lvl="0" marL="0" rtl="0" algn="l">
+              <a:pPr marL="0" lvl="0" indent="0" algn="l" rtl="0">
                 <a:spcBef>
                   <a:spcPts val="0"/>
                 </a:spcBef>
@@ -1354,9 +1394,6 @@
                 </a:spcAft>
                 <a:buNone/>
               </a:pPr>
-              <a:r>
-                <a:t/>
-              </a:r>
               <a:endParaRPr/>
             </a:p>
           </p:txBody>
@@ -1383,12 +1420,12 @@
             </a:ln>
           </p:spPr>
           <p:txBody>
-            <a:bodyPr anchorCtr="0" anchor="ctr" bIns="91425" lIns="91425" spcFirstLastPara="1" rIns="91425" wrap="square" tIns="91425">
+            <a:bodyPr spcFirstLastPara="1" wrap="square" lIns="91425" tIns="91425" rIns="91425" bIns="91425" anchor="ctr" anchorCtr="0">
               <a:noAutofit/>
             </a:bodyPr>
             <a:lstStyle/>
             <a:p>
-              <a:pPr indent="0" lvl="0" marL="0" rtl="0" algn="l">
+              <a:pPr marL="0" lvl="0" indent="0" algn="l" rtl="0">
                 <a:spcBef>
                   <a:spcPts val="0"/>
                 </a:spcBef>
@@ -1397,9 +1434,6 @@
                 </a:spcAft>
                 <a:buNone/>
               </a:pPr>
-              <a:r>
-                <a:t/>
-              </a:r>
               <a:endParaRPr/>
             </a:p>
           </p:txBody>
@@ -1426,12 +1460,12 @@
             </a:ln>
           </p:spPr>
           <p:txBody>
-            <a:bodyPr anchorCtr="0" anchor="ctr" bIns="91425" lIns="91425" spcFirstLastPara="1" rIns="91425" wrap="square" tIns="91425">
+            <a:bodyPr spcFirstLastPara="1" wrap="square" lIns="91425" tIns="91425" rIns="91425" bIns="91425" anchor="ctr" anchorCtr="0">
               <a:noAutofit/>
             </a:bodyPr>
             <a:lstStyle/>
             <a:p>
-              <a:pPr indent="0" lvl="0" marL="0" rtl="0" algn="l">
+              <a:pPr marL="0" lvl="0" indent="0" algn="l" rtl="0">
                 <a:spcBef>
                   <a:spcPts val="0"/>
                 </a:spcBef>
@@ -1440,9 +1474,6 @@
                 </a:spcAft>
                 <a:buNone/>
               </a:pPr>
-              <a:r>
-                <a:t/>
-              </a:r>
               <a:endParaRPr/>
             </a:p>
           </p:txBody>
@@ -1451,7 +1482,9 @@
       <p:sp>
         <p:nvSpPr>
           <p:cNvPr id="16" name="Google Shape;16;p2"/>
-          <p:cNvSpPr txBox="1"/>
+          <p:cNvSpPr txBox="1">
+            <a:spLocks noGrp="1"/>
+          </p:cNvSpPr>
           <p:nvPr>
             <p:ph type="ctrTitle"/>
           </p:nvPr>
@@ -1466,7 +1499,7 @@
           </a:prstGeom>
         </p:spPr>
         <p:txBody>
-          <a:bodyPr anchorCtr="0" anchor="b" bIns="91425" lIns="91425" spcFirstLastPara="1" rIns="91425" wrap="square" tIns="91425">
+          <a:bodyPr spcFirstLastPara="1" wrap="square" lIns="91425" tIns="91425" rIns="91425" bIns="91425" anchor="b" anchorCtr="0">
             <a:noAutofit/>
           </a:bodyPr>
           <a:lstStyle>
@@ -1633,15 +1666,19 @@
               </a:defRPr>
             </a:lvl9pPr>
           </a:lstStyle>
-          <a:p/>
+          <a:p>
+            <a:endParaRPr/>
+          </a:p>
         </p:txBody>
       </p:sp>
       <p:sp>
         <p:nvSpPr>
           <p:cNvPr id="17" name="Google Shape;17;p2"/>
-          <p:cNvSpPr txBox="1"/>
+          <p:cNvSpPr txBox="1">
+            <a:spLocks noGrp="1"/>
+          </p:cNvSpPr>
           <p:nvPr>
-            <p:ph idx="1" type="subTitle"/>
+            <p:ph type="subTitle" idx="1"/>
           </p:nvPr>
         </p:nvSpPr>
         <p:spPr>
@@ -1654,7 +1691,7 @@
           </a:prstGeom>
         </p:spPr>
         <p:txBody>
-          <a:bodyPr anchorCtr="0" anchor="t" bIns="91425" lIns="91425" spcFirstLastPara="1" rIns="91425" wrap="square" tIns="91425">
+          <a:bodyPr spcFirstLastPara="1" wrap="square" lIns="91425" tIns="91425" rIns="91425" bIns="91425" anchor="t" anchorCtr="0">
             <a:noAutofit/>
           </a:bodyPr>
           <a:lstStyle>
@@ -1848,15 +1885,19 @@
               </a:defRPr>
             </a:lvl9pPr>
           </a:lstStyle>
-          <a:p/>
+          <a:p>
+            <a:endParaRPr/>
+          </a:p>
         </p:txBody>
       </p:sp>
       <p:sp>
         <p:nvSpPr>
           <p:cNvPr id="18" name="Google Shape;18;p2"/>
-          <p:cNvSpPr txBox="1"/>
+          <p:cNvSpPr txBox="1">
+            <a:spLocks noGrp="1"/>
+          </p:cNvSpPr>
           <p:nvPr>
-            <p:ph idx="12" type="sldNum"/>
+            <p:ph type="sldNum" idx="12"/>
           </p:nvPr>
         </p:nvSpPr>
         <p:spPr>
@@ -1869,7 +1910,7 @@
           </a:prstGeom>
         </p:spPr>
         <p:txBody>
-          <a:bodyPr anchorCtr="0" anchor="ctr" bIns="91425" lIns="91425" spcFirstLastPara="1" rIns="91425" wrap="square" tIns="91425">
+          <a:bodyPr spcFirstLastPara="1" wrap="square" lIns="91425" tIns="91425" rIns="91425" bIns="91425" anchor="ctr" anchorCtr="0">
             <a:noAutofit/>
           </a:bodyPr>
           <a:lstStyle>
@@ -1911,7 +1952,7 @@
             </a:lvl9pPr>
           </a:lstStyle>
           <a:p>
-            <a:pPr indent="0" lvl="0" marL="0" rtl="0" algn="r">
+            <a:pPr marL="0" lvl="0" indent="0" algn="r" rtl="0">
               <a:spcBef>
                 <a:spcPts val="0"/>
               </a:spcBef>
@@ -1937,18 +1978,19 @@
 </file>
 
 <file path=ppt/slideLayouts/slideLayout10.xml><?xml version="1.0" encoding="utf-8"?>
-<p:sldLayout xmlns:a="http://schemas.openxmlformats.org/drawingml/2006/main" xmlns:r="http://schemas.openxmlformats.org/officeDocument/2006/relationships" xmlns:mc="http://schemas.openxmlformats.org/markup-compatibility/2006" xmlns:mv="urn:schemas-microsoft-com:mac:vml" xmlns:p="http://schemas.openxmlformats.org/presentationml/2006/main" xmlns:c="http://schemas.openxmlformats.org/drawingml/2006/chart" xmlns:dgm="http://schemas.openxmlformats.org/drawingml/2006/diagram" xmlns:o="urn:schemas-microsoft-com:office:office" xmlns:v="urn:schemas-microsoft-com:vml" xmlns:pvml="urn:schemas-microsoft-com:office:powerpoint" xmlns:com="http://schemas.openxmlformats.org/drawingml/2006/compatibility" xmlns:p14="http://schemas.microsoft.com/office/powerpoint/2010/main" xmlns:p15="http://schemas.microsoft.com/office/powerpoint/2012/main" xmlns:ahyp="http://schemas.microsoft.com/office/drawing/2018/hyperlinkcolor" matchingName="Big number">
+<p:sldLayout xmlns:a="http://schemas.openxmlformats.org/drawingml/2006/main" xmlns:r="http://schemas.openxmlformats.org/officeDocument/2006/relationships" xmlns:p="http://schemas.openxmlformats.org/presentationml/2006/main" matchingName="Big number">
   <p:cSld name="BIG_NUMBER">
     <p:bg>
       <p:bgPr>
         <a:solidFill>
           <a:schemeClr val="dk1"/>
         </a:solidFill>
+        <a:effectLst/>
       </p:bgPr>
     </p:bg>
     <p:spTree>
       <p:nvGrpSpPr>
-        <p:cNvPr id="69" name="Shape 69"/>
+        <p:cNvPr id="1" name="Shape 69"/>
         <p:cNvGrpSpPr/>
         <p:nvPr/>
       </p:nvGrpSpPr>
@@ -1996,12 +2038,12 @@
             </a:ln>
           </p:spPr>
           <p:txBody>
-            <a:bodyPr anchorCtr="0" anchor="ctr" bIns="91425" lIns="91425" spcFirstLastPara="1" rIns="91425" wrap="square" tIns="91425">
+            <a:bodyPr spcFirstLastPara="1" wrap="square" lIns="91425" tIns="91425" rIns="91425" bIns="91425" anchor="ctr" anchorCtr="0">
               <a:noAutofit/>
             </a:bodyPr>
             <a:lstStyle/>
             <a:p>
-              <a:pPr indent="0" lvl="0" marL="0" rtl="0" algn="l">
+              <a:pPr marL="0" lvl="0" indent="0" algn="l" rtl="0">
                 <a:spcBef>
                   <a:spcPts val="0"/>
                 </a:spcBef>
@@ -2010,9 +2052,6 @@
                 </a:spcAft>
                 <a:buNone/>
               </a:pPr>
-              <a:r>
-                <a:t/>
-              </a:r>
               <a:endParaRPr/>
             </a:p>
           </p:txBody>
@@ -2039,12 +2078,12 @@
             </a:ln>
           </p:spPr>
           <p:txBody>
-            <a:bodyPr anchorCtr="0" anchor="ctr" bIns="91425" lIns="91425" spcFirstLastPara="1" rIns="91425" wrap="square" tIns="91425">
+            <a:bodyPr spcFirstLastPara="1" wrap="square" lIns="91425" tIns="91425" rIns="91425" bIns="91425" anchor="ctr" anchorCtr="0">
               <a:noAutofit/>
             </a:bodyPr>
             <a:lstStyle/>
             <a:p>
-              <a:pPr indent="0" lvl="0" marL="0" rtl="0" algn="l">
+              <a:pPr marL="0" lvl="0" indent="0" algn="l" rtl="0">
                 <a:spcBef>
                   <a:spcPts val="0"/>
                 </a:spcBef>
@@ -2053,9 +2092,6 @@
                 </a:spcAft>
                 <a:buNone/>
               </a:pPr>
-              <a:r>
-                <a:t/>
-              </a:r>
               <a:endParaRPr/>
             </a:p>
           </p:txBody>
@@ -2067,7 +2103,7 @@
             <p:nvPr/>
           </p:nvSpPr>
           <p:spPr>
-            <a:xfrm flipH="1" rot="10800000">
+            <a:xfrm rot="10800000" flipH="1">
               <a:off x="7113588" y="107"/>
               <a:ext cx="1015200" cy="1015200"/>
             </a:xfrm>
@@ -2082,12 +2118,12 @@
             </a:ln>
           </p:spPr>
           <p:txBody>
-            <a:bodyPr anchorCtr="0" anchor="ctr" bIns="91425" lIns="91425" spcFirstLastPara="1" rIns="91425" wrap="square" tIns="91425">
+            <a:bodyPr spcFirstLastPara="1" wrap="square" lIns="91425" tIns="91425" rIns="91425" bIns="91425" anchor="ctr" anchorCtr="0">
               <a:noAutofit/>
             </a:bodyPr>
             <a:lstStyle/>
             <a:p>
-              <a:pPr indent="0" lvl="0" marL="0" rtl="0" algn="l">
+              <a:pPr marL="0" lvl="0" indent="0" algn="l" rtl="0">
                 <a:spcBef>
                   <a:spcPts val="0"/>
                 </a:spcBef>
@@ -2096,9 +2132,6 @@
                 </a:spcAft>
                 <a:buNone/>
               </a:pPr>
-              <a:r>
-                <a:t/>
-              </a:r>
               <a:endParaRPr/>
             </a:p>
           </p:txBody>
@@ -2125,12 +2158,12 @@
             </a:ln>
           </p:spPr>
           <p:txBody>
-            <a:bodyPr anchorCtr="0" anchor="ctr" bIns="91425" lIns="91425" spcFirstLastPara="1" rIns="91425" wrap="square" tIns="91425">
+            <a:bodyPr spcFirstLastPara="1" wrap="square" lIns="91425" tIns="91425" rIns="91425" bIns="91425" anchor="ctr" anchorCtr="0">
               <a:noAutofit/>
             </a:bodyPr>
             <a:lstStyle/>
             <a:p>
-              <a:pPr indent="0" lvl="0" marL="0" rtl="0" algn="l">
+              <a:pPr marL="0" lvl="0" indent="0" algn="l" rtl="0">
                 <a:spcBef>
                   <a:spcPts val="0"/>
                 </a:spcBef>
@@ -2139,9 +2172,6 @@
                 </a:spcAft>
                 <a:buNone/>
               </a:pPr>
-              <a:r>
-                <a:t/>
-              </a:r>
               <a:endParaRPr/>
             </a:p>
           </p:txBody>
@@ -2168,12 +2198,12 @@
             </a:ln>
           </p:spPr>
           <p:txBody>
-            <a:bodyPr anchorCtr="0" anchor="ctr" bIns="91425" lIns="91425" spcFirstLastPara="1" rIns="91425" wrap="square" tIns="91425">
+            <a:bodyPr spcFirstLastPara="1" wrap="square" lIns="91425" tIns="91425" rIns="91425" bIns="91425" anchor="ctr" anchorCtr="0">
               <a:noAutofit/>
             </a:bodyPr>
             <a:lstStyle/>
             <a:p>
-              <a:pPr indent="0" lvl="0" marL="0" rtl="0" algn="l">
+              <a:pPr marL="0" lvl="0" indent="0" algn="l" rtl="0">
                 <a:spcBef>
                   <a:spcPts val="0"/>
                 </a:spcBef>
@@ -2182,9 +2212,6 @@
                 </a:spcAft>
                 <a:buNone/>
               </a:pPr>
-              <a:r>
-                <a:t/>
-              </a:r>
               <a:endParaRPr/>
             </a:p>
           </p:txBody>
@@ -2193,9 +2220,11 @@
       <p:sp>
         <p:nvSpPr>
           <p:cNvPr id="76" name="Google Shape;76;p11"/>
-          <p:cNvSpPr txBox="1"/>
+          <p:cNvSpPr txBox="1">
+            <a:spLocks noGrp="1"/>
+          </p:cNvSpPr>
           <p:nvPr>
-            <p:ph hasCustomPrompt="1" type="title"/>
+            <p:ph type="title" hasCustomPrompt="1"/>
           </p:nvPr>
         </p:nvSpPr>
         <p:spPr>
@@ -2208,7 +2237,7 @@
           </a:prstGeom>
         </p:spPr>
         <p:txBody>
-          <a:bodyPr anchorCtr="0" anchor="b" bIns="91425" lIns="91425" spcFirstLastPara="1" rIns="91425" wrap="square" tIns="91425">
+          <a:bodyPr spcFirstLastPara="1" wrap="square" lIns="91425" tIns="91425" rIns="91425" bIns="91425" anchor="b" anchorCtr="0">
             <a:noAutofit/>
           </a:bodyPr>
           <a:lstStyle>
@@ -2385,9 +2414,11 @@
       <p:sp>
         <p:nvSpPr>
           <p:cNvPr id="77" name="Google Shape;77;p11"/>
-          <p:cNvSpPr txBox="1"/>
+          <p:cNvSpPr txBox="1">
+            <a:spLocks noGrp="1"/>
+          </p:cNvSpPr>
           <p:nvPr>
-            <p:ph idx="1" type="body"/>
+            <p:ph type="body" idx="1"/>
           </p:nvPr>
         </p:nvSpPr>
         <p:spPr>
@@ -2400,11 +2431,11 @@
           </a:prstGeom>
         </p:spPr>
         <p:txBody>
-          <a:bodyPr anchorCtr="0" anchor="t" bIns="91425" lIns="91425" spcFirstLastPara="1" rIns="91425" wrap="square" tIns="91425">
+          <a:bodyPr spcFirstLastPara="1" wrap="square" lIns="91425" tIns="91425" rIns="91425" bIns="91425" anchor="t" anchorCtr="0">
             <a:noAutofit/>
           </a:bodyPr>
           <a:lstStyle>
-            <a:lvl1pPr indent="-342900" lvl="0" marL="457200" algn="ctr">
+            <a:lvl1pPr marL="457200" lvl="0" indent="-342900" algn="ctr">
               <a:spcBef>
                 <a:spcPts val="0"/>
               </a:spcBef>
@@ -2422,7 +2453,7 @@
                 </a:solidFill>
               </a:defRPr>
             </a:lvl1pPr>
-            <a:lvl2pPr indent="-317500" lvl="1" marL="914400" algn="ctr">
+            <a:lvl2pPr marL="914400" lvl="1" indent="-317500" algn="ctr">
               <a:spcBef>
                 <a:spcPts val="1600"/>
               </a:spcBef>
@@ -2440,7 +2471,7 @@
                 </a:solidFill>
               </a:defRPr>
             </a:lvl2pPr>
-            <a:lvl3pPr indent="-317500" lvl="2" marL="1371600" algn="ctr">
+            <a:lvl3pPr marL="1371600" lvl="2" indent="-317500" algn="ctr">
               <a:spcBef>
                 <a:spcPts val="1600"/>
               </a:spcBef>
@@ -2458,7 +2489,7 @@
                 </a:solidFill>
               </a:defRPr>
             </a:lvl3pPr>
-            <a:lvl4pPr indent="-317500" lvl="3" marL="1828800" algn="ctr">
+            <a:lvl4pPr marL="1828800" lvl="3" indent="-317500" algn="ctr">
               <a:spcBef>
                 <a:spcPts val="1600"/>
               </a:spcBef>
@@ -2476,7 +2507,7 @@
                 </a:solidFill>
               </a:defRPr>
             </a:lvl4pPr>
-            <a:lvl5pPr indent="-317500" lvl="4" marL="2286000" algn="ctr">
+            <a:lvl5pPr marL="2286000" lvl="4" indent="-317500" algn="ctr">
               <a:spcBef>
                 <a:spcPts val="1600"/>
               </a:spcBef>
@@ -2494,7 +2525,7 @@
                 </a:solidFill>
               </a:defRPr>
             </a:lvl5pPr>
-            <a:lvl6pPr indent="-317500" lvl="5" marL="2743200" algn="ctr">
+            <a:lvl6pPr marL="2743200" lvl="5" indent="-317500" algn="ctr">
               <a:spcBef>
                 <a:spcPts val="1600"/>
               </a:spcBef>
@@ -2512,7 +2543,7 @@
                 </a:solidFill>
               </a:defRPr>
             </a:lvl6pPr>
-            <a:lvl7pPr indent="-317500" lvl="6" marL="3200400" algn="ctr">
+            <a:lvl7pPr marL="3200400" lvl="6" indent="-317500" algn="ctr">
               <a:spcBef>
                 <a:spcPts val="1600"/>
               </a:spcBef>
@@ -2530,7 +2561,7 @@
                 </a:solidFill>
               </a:defRPr>
             </a:lvl7pPr>
-            <a:lvl8pPr indent="-317500" lvl="7" marL="3657600" algn="ctr">
+            <a:lvl8pPr marL="3657600" lvl="7" indent="-317500" algn="ctr">
               <a:spcBef>
                 <a:spcPts val="1600"/>
               </a:spcBef>
@@ -2548,7 +2579,7 @@
                 </a:solidFill>
               </a:defRPr>
             </a:lvl8pPr>
-            <a:lvl9pPr indent="-317500" lvl="8" marL="4114800" algn="ctr">
+            <a:lvl9pPr marL="4114800" lvl="8" indent="-317500" algn="ctr">
               <a:spcBef>
                 <a:spcPts val="1600"/>
               </a:spcBef>
@@ -2567,15 +2598,19 @@
               </a:defRPr>
             </a:lvl9pPr>
           </a:lstStyle>
-          <a:p/>
+          <a:p>
+            <a:endParaRPr/>
+          </a:p>
         </p:txBody>
       </p:sp>
       <p:sp>
         <p:nvSpPr>
           <p:cNvPr id="78" name="Google Shape;78;p11"/>
-          <p:cNvSpPr txBox="1"/>
+          <p:cNvSpPr txBox="1">
+            <a:spLocks noGrp="1"/>
+          </p:cNvSpPr>
           <p:nvPr>
-            <p:ph idx="12" type="sldNum"/>
+            <p:ph type="sldNum" idx="12"/>
           </p:nvPr>
         </p:nvSpPr>
         <p:spPr>
@@ -2588,7 +2623,7 @@
           </a:prstGeom>
         </p:spPr>
         <p:txBody>
-          <a:bodyPr anchorCtr="0" anchor="ctr" bIns="91425" lIns="91425" spcFirstLastPara="1" rIns="91425" wrap="square" tIns="91425">
+          <a:bodyPr spcFirstLastPara="1" wrap="square" lIns="91425" tIns="91425" rIns="91425" bIns="91425" anchor="ctr" anchorCtr="0">
             <a:noAutofit/>
           </a:bodyPr>
           <a:lstStyle>
@@ -2630,7 +2665,7 @@
             </a:lvl9pPr>
           </a:lstStyle>
           <a:p>
-            <a:pPr indent="0" lvl="0" marL="0" rtl="0" algn="r">
+            <a:pPr marL="0" lvl="0" indent="0" algn="r" rtl="0">
               <a:spcBef>
                 <a:spcPts val="0"/>
               </a:spcBef>
@@ -2656,11 +2691,11 @@
 </file>
 
 <file path=ppt/slideLayouts/slideLayout11.xml><?xml version="1.0" encoding="utf-8"?>
-<p:sldLayout xmlns:a="http://schemas.openxmlformats.org/drawingml/2006/main" xmlns:r="http://schemas.openxmlformats.org/officeDocument/2006/relationships" xmlns:mc="http://schemas.openxmlformats.org/markup-compatibility/2006" xmlns:mv="urn:schemas-microsoft-com:mac:vml" xmlns:p="http://schemas.openxmlformats.org/presentationml/2006/main" xmlns:c="http://schemas.openxmlformats.org/drawingml/2006/chart" xmlns:dgm="http://schemas.openxmlformats.org/drawingml/2006/diagram" xmlns:o="urn:schemas-microsoft-com:office:office" xmlns:v="urn:schemas-microsoft-com:vml" xmlns:pvml="urn:schemas-microsoft-com:office:powerpoint" xmlns:com="http://schemas.openxmlformats.org/drawingml/2006/compatibility" xmlns:p14="http://schemas.microsoft.com/office/powerpoint/2010/main" xmlns:p15="http://schemas.microsoft.com/office/powerpoint/2012/main" xmlns:ahyp="http://schemas.microsoft.com/office/drawing/2018/hyperlinkcolor" matchingName="Blank" type="blank">
+<p:sldLayout xmlns:a="http://schemas.openxmlformats.org/drawingml/2006/main" xmlns:r="http://schemas.openxmlformats.org/officeDocument/2006/relationships" xmlns:p="http://schemas.openxmlformats.org/presentationml/2006/main" matchingName="Blank" type="blank">
   <p:cSld name="BLANK">
     <p:spTree>
       <p:nvGrpSpPr>
-        <p:cNvPr id="79" name="Shape 79"/>
+        <p:cNvPr id="1" name="Shape 79"/>
         <p:cNvGrpSpPr/>
         <p:nvPr/>
       </p:nvGrpSpPr>
@@ -2675,9 +2710,11 @@
       <p:sp>
         <p:nvSpPr>
           <p:cNvPr id="80" name="Google Shape;80;p12"/>
-          <p:cNvSpPr txBox="1"/>
+          <p:cNvSpPr txBox="1">
+            <a:spLocks noGrp="1"/>
+          </p:cNvSpPr>
           <p:nvPr>
-            <p:ph idx="12" type="sldNum"/>
+            <p:ph type="sldNum" idx="12"/>
           </p:nvPr>
         </p:nvSpPr>
         <p:spPr>
@@ -2690,7 +2727,7 @@
           </a:prstGeom>
         </p:spPr>
         <p:txBody>
-          <a:bodyPr anchorCtr="0" anchor="ctr" bIns="91425" lIns="91425" spcFirstLastPara="1" rIns="91425" wrap="square" tIns="91425">
+          <a:bodyPr spcFirstLastPara="1" wrap="square" lIns="91425" tIns="91425" rIns="91425" bIns="91425" anchor="ctr" anchorCtr="0">
             <a:noAutofit/>
           </a:bodyPr>
           <a:lstStyle>
@@ -2768,7 +2805,7 @@
             </a:lvl9pPr>
           </a:lstStyle>
           <a:p>
-            <a:pPr indent="0" lvl="0" marL="0" rtl="0" algn="r">
+            <a:pPr marL="0" lvl="0" indent="0" algn="r" rtl="0">
               <a:spcBef>
                 <a:spcPts val="0"/>
               </a:spcBef>
@@ -2794,18 +2831,19 @@
 </file>
 
 <file path=ppt/slideLayouts/slideLayout2.xml><?xml version="1.0" encoding="utf-8"?>
-<p:sldLayout xmlns:a="http://schemas.openxmlformats.org/drawingml/2006/main" xmlns:r="http://schemas.openxmlformats.org/officeDocument/2006/relationships" xmlns:mc="http://schemas.openxmlformats.org/markup-compatibility/2006" xmlns:mv="urn:schemas-microsoft-com:mac:vml" xmlns:p="http://schemas.openxmlformats.org/presentationml/2006/main" xmlns:c="http://schemas.openxmlformats.org/drawingml/2006/chart" xmlns:dgm="http://schemas.openxmlformats.org/drawingml/2006/diagram" xmlns:o="urn:schemas-microsoft-com:office:office" xmlns:v="urn:schemas-microsoft-com:vml" xmlns:pvml="urn:schemas-microsoft-com:office:powerpoint" xmlns:com="http://schemas.openxmlformats.org/drawingml/2006/compatibility" xmlns:p14="http://schemas.microsoft.com/office/powerpoint/2010/main" xmlns:p15="http://schemas.microsoft.com/office/powerpoint/2012/main" xmlns:ahyp="http://schemas.microsoft.com/office/drawing/2018/hyperlinkcolor" matchingName="Section header" type="secHead">
+<p:sldLayout xmlns:a="http://schemas.openxmlformats.org/drawingml/2006/main" xmlns:r="http://schemas.openxmlformats.org/officeDocument/2006/relationships" xmlns:p="http://schemas.openxmlformats.org/presentationml/2006/main" matchingName="Section header" type="secHead">
   <p:cSld name="SECTION_HEADER">
     <p:bg>
       <p:bgPr>
         <a:solidFill>
           <a:schemeClr val="dk1"/>
         </a:solidFill>
+        <a:effectLst/>
       </p:bgPr>
     </p:bg>
     <p:spTree>
       <p:nvGrpSpPr>
-        <p:cNvPr id="19" name="Shape 19"/>
+        <p:cNvPr id="1" name="Shape 19"/>
         <p:cNvGrpSpPr/>
         <p:nvPr/>
       </p:nvGrpSpPr>
@@ -2853,12 +2891,12 @@
             </a:ln>
           </p:spPr>
           <p:txBody>
-            <a:bodyPr anchorCtr="0" anchor="ctr" bIns="91425" lIns="91425" spcFirstLastPara="1" rIns="91425" wrap="square" tIns="91425">
+            <a:bodyPr spcFirstLastPara="1" wrap="square" lIns="91425" tIns="91425" rIns="91425" bIns="91425" anchor="ctr" anchorCtr="0">
               <a:noAutofit/>
             </a:bodyPr>
             <a:lstStyle/>
             <a:p>
-              <a:pPr indent="0" lvl="0" marL="0" rtl="0" algn="l">
+              <a:pPr marL="0" lvl="0" indent="0" algn="l" rtl="0">
                 <a:spcBef>
                   <a:spcPts val="0"/>
                 </a:spcBef>
@@ -2867,9 +2905,6 @@
                 </a:spcAft>
                 <a:buNone/>
               </a:pPr>
-              <a:r>
-                <a:t/>
-              </a:r>
               <a:endParaRPr/>
             </a:p>
           </p:txBody>
@@ -2896,12 +2931,12 @@
             </a:ln>
           </p:spPr>
           <p:txBody>
-            <a:bodyPr anchorCtr="0" anchor="ctr" bIns="91425" lIns="91425" spcFirstLastPara="1" rIns="91425" wrap="square" tIns="91425">
+            <a:bodyPr spcFirstLastPara="1" wrap="square" lIns="91425" tIns="91425" rIns="91425" bIns="91425" anchor="ctr" anchorCtr="0">
               <a:noAutofit/>
             </a:bodyPr>
             <a:lstStyle/>
             <a:p>
-              <a:pPr indent="0" lvl="0" marL="0" rtl="0" algn="l">
+              <a:pPr marL="0" lvl="0" indent="0" algn="l" rtl="0">
                 <a:spcBef>
                   <a:spcPts val="0"/>
                 </a:spcBef>
@@ -2910,9 +2945,6 @@
                 </a:spcAft>
                 <a:buNone/>
               </a:pPr>
-              <a:r>
-                <a:t/>
-              </a:r>
               <a:endParaRPr/>
             </a:p>
           </p:txBody>
@@ -2924,7 +2956,7 @@
             <p:nvPr/>
           </p:nvSpPr>
           <p:spPr>
-            <a:xfrm flipH="1" rot="10800000">
+            <a:xfrm rot="10800000" flipH="1">
               <a:off x="7113588" y="107"/>
               <a:ext cx="1015200" cy="1015200"/>
             </a:xfrm>
@@ -2939,12 +2971,12 @@
             </a:ln>
           </p:spPr>
           <p:txBody>
-            <a:bodyPr anchorCtr="0" anchor="ctr" bIns="91425" lIns="91425" spcFirstLastPara="1" rIns="91425" wrap="square" tIns="91425">
+            <a:bodyPr spcFirstLastPara="1" wrap="square" lIns="91425" tIns="91425" rIns="91425" bIns="91425" anchor="ctr" anchorCtr="0">
               <a:noAutofit/>
             </a:bodyPr>
             <a:lstStyle/>
             <a:p>
-              <a:pPr indent="0" lvl="0" marL="0" rtl="0" algn="l">
+              <a:pPr marL="0" lvl="0" indent="0" algn="l" rtl="0">
                 <a:spcBef>
                   <a:spcPts val="0"/>
                 </a:spcBef>
@@ -2953,9 +2985,6 @@
                 </a:spcAft>
                 <a:buNone/>
               </a:pPr>
-              <a:r>
-                <a:t/>
-              </a:r>
               <a:endParaRPr/>
             </a:p>
           </p:txBody>
@@ -2982,12 +3011,12 @@
             </a:ln>
           </p:spPr>
           <p:txBody>
-            <a:bodyPr anchorCtr="0" anchor="ctr" bIns="91425" lIns="91425" spcFirstLastPara="1" rIns="91425" wrap="square" tIns="91425">
+            <a:bodyPr spcFirstLastPara="1" wrap="square" lIns="91425" tIns="91425" rIns="91425" bIns="91425" anchor="ctr" anchorCtr="0">
               <a:noAutofit/>
             </a:bodyPr>
             <a:lstStyle/>
             <a:p>
-              <a:pPr indent="0" lvl="0" marL="0" rtl="0" algn="l">
+              <a:pPr marL="0" lvl="0" indent="0" algn="l" rtl="0">
                 <a:spcBef>
                   <a:spcPts val="0"/>
                 </a:spcBef>
@@ -2996,9 +3025,6 @@
                 </a:spcAft>
                 <a:buNone/>
               </a:pPr>
-              <a:r>
-                <a:t/>
-              </a:r>
               <a:endParaRPr/>
             </a:p>
           </p:txBody>
@@ -3025,12 +3051,12 @@
             </a:ln>
           </p:spPr>
           <p:txBody>
-            <a:bodyPr anchorCtr="0" anchor="ctr" bIns="91425" lIns="91425" spcFirstLastPara="1" rIns="91425" wrap="square" tIns="91425">
+            <a:bodyPr spcFirstLastPara="1" wrap="square" lIns="91425" tIns="91425" rIns="91425" bIns="91425" anchor="ctr" anchorCtr="0">
               <a:noAutofit/>
             </a:bodyPr>
             <a:lstStyle/>
             <a:p>
-              <a:pPr indent="0" lvl="0" marL="0" rtl="0" algn="l">
+              <a:pPr marL="0" lvl="0" indent="0" algn="l" rtl="0">
                 <a:spcBef>
                   <a:spcPts val="0"/>
                 </a:spcBef>
@@ -3039,9 +3065,6 @@
                 </a:spcAft>
                 <a:buNone/>
               </a:pPr>
-              <a:r>
-                <a:t/>
-              </a:r>
               <a:endParaRPr/>
             </a:p>
           </p:txBody>
@@ -3050,7 +3073,9 @@
       <p:sp>
         <p:nvSpPr>
           <p:cNvPr id="26" name="Google Shape;26;p3"/>
-          <p:cNvSpPr txBox="1"/>
+          <p:cNvSpPr txBox="1">
+            <a:spLocks noGrp="1"/>
+          </p:cNvSpPr>
           <p:nvPr>
             <p:ph type="title"/>
           </p:nvPr>
@@ -3065,7 +3090,7 @@
           </a:prstGeom>
         </p:spPr>
         <p:txBody>
-          <a:bodyPr anchorCtr="0" anchor="ctr" bIns="91425" lIns="91425" spcFirstLastPara="1" rIns="91425" wrap="square" tIns="91425">
+          <a:bodyPr spcFirstLastPara="1" wrap="square" lIns="91425" tIns="91425" rIns="91425" bIns="91425" anchor="ctr" anchorCtr="0">
             <a:noAutofit/>
           </a:bodyPr>
           <a:lstStyle>
@@ -3232,15 +3257,19 @@
               </a:defRPr>
             </a:lvl9pPr>
           </a:lstStyle>
-          <a:p/>
+          <a:p>
+            <a:endParaRPr/>
+          </a:p>
         </p:txBody>
       </p:sp>
       <p:sp>
         <p:nvSpPr>
           <p:cNvPr id="27" name="Google Shape;27;p3"/>
-          <p:cNvSpPr txBox="1"/>
+          <p:cNvSpPr txBox="1">
+            <a:spLocks noGrp="1"/>
+          </p:cNvSpPr>
           <p:nvPr>
-            <p:ph idx="12" type="sldNum"/>
+            <p:ph type="sldNum" idx="12"/>
           </p:nvPr>
         </p:nvSpPr>
         <p:spPr>
@@ -3253,7 +3282,7 @@
           </a:prstGeom>
         </p:spPr>
         <p:txBody>
-          <a:bodyPr anchorCtr="0" anchor="ctr" bIns="91425" lIns="91425" spcFirstLastPara="1" rIns="91425" wrap="square" tIns="91425">
+          <a:bodyPr spcFirstLastPara="1" wrap="square" lIns="91425" tIns="91425" rIns="91425" bIns="91425" anchor="ctr" anchorCtr="0">
             <a:noAutofit/>
           </a:bodyPr>
           <a:lstStyle>
@@ -3295,7 +3324,7 @@
             </a:lvl9pPr>
           </a:lstStyle>
           <a:p>
-            <a:pPr indent="0" lvl="0" marL="0" rtl="0" algn="r">
+            <a:pPr marL="0" lvl="0" indent="0" algn="r" rtl="0">
               <a:spcBef>
                 <a:spcPts val="0"/>
               </a:spcBef>
@@ -3321,11 +3350,11 @@
 </file>
 
 <file path=ppt/slideLayouts/slideLayout3.xml><?xml version="1.0" encoding="utf-8"?>
-<p:sldLayout xmlns:a="http://schemas.openxmlformats.org/drawingml/2006/main" xmlns:r="http://schemas.openxmlformats.org/officeDocument/2006/relationships" xmlns:mc="http://schemas.openxmlformats.org/markup-compatibility/2006" xmlns:mv="urn:schemas-microsoft-com:mac:vml" xmlns:p="http://schemas.openxmlformats.org/presentationml/2006/main" xmlns:c="http://schemas.openxmlformats.org/drawingml/2006/chart" xmlns:dgm="http://schemas.openxmlformats.org/drawingml/2006/diagram" xmlns:o="urn:schemas-microsoft-com:office:office" xmlns:v="urn:schemas-microsoft-com:vml" xmlns:pvml="urn:schemas-microsoft-com:office:powerpoint" xmlns:com="http://schemas.openxmlformats.org/drawingml/2006/compatibility" xmlns:p14="http://schemas.microsoft.com/office/powerpoint/2010/main" xmlns:p15="http://schemas.microsoft.com/office/powerpoint/2012/main" xmlns:ahyp="http://schemas.microsoft.com/office/drawing/2018/hyperlinkcolor" matchingName="Title and body" type="tx">
+<p:sldLayout xmlns:a="http://schemas.openxmlformats.org/drawingml/2006/main" xmlns:r="http://schemas.openxmlformats.org/officeDocument/2006/relationships" xmlns:p="http://schemas.openxmlformats.org/presentationml/2006/main" matchingName="Title and body" type="tx">
   <p:cSld name="TITLE_AND_BODY">
     <p:spTree>
       <p:nvGrpSpPr>
-        <p:cNvPr id="28" name="Shape 28"/>
+        <p:cNvPr id="1" name="Shape 28"/>
         <p:cNvGrpSpPr/>
         <p:nvPr/>
       </p:nvGrpSpPr>
@@ -3373,12 +3402,12 @@
             </a:ln>
           </p:spPr>
           <p:txBody>
-            <a:bodyPr anchorCtr="0" anchor="ctr" bIns="91425" lIns="91425" spcFirstLastPara="1" rIns="91425" wrap="square" tIns="91425">
+            <a:bodyPr spcFirstLastPara="1" wrap="square" lIns="91425" tIns="91425" rIns="91425" bIns="91425" anchor="ctr" anchorCtr="0">
               <a:noAutofit/>
             </a:bodyPr>
             <a:lstStyle/>
             <a:p>
-              <a:pPr indent="0" lvl="0" marL="0" rtl="0" algn="l">
+              <a:pPr marL="0" lvl="0" indent="0" algn="l" rtl="0">
                 <a:spcBef>
                   <a:spcPts val="0"/>
                 </a:spcBef>
@@ -3387,9 +3416,6 @@
                 </a:spcAft>
                 <a:buNone/>
               </a:pPr>
-              <a:r>
-                <a:t/>
-              </a:r>
               <a:endParaRPr/>
             </a:p>
           </p:txBody>
@@ -3416,12 +3442,12 @@
             </a:ln>
           </p:spPr>
           <p:txBody>
-            <a:bodyPr anchorCtr="0" anchor="ctr" bIns="91425" lIns="91425" spcFirstLastPara="1" rIns="91425" wrap="square" tIns="91425">
+            <a:bodyPr spcFirstLastPara="1" wrap="square" lIns="91425" tIns="91425" rIns="91425" bIns="91425" anchor="ctr" anchorCtr="0">
               <a:noAutofit/>
             </a:bodyPr>
             <a:lstStyle/>
             <a:p>
-              <a:pPr indent="0" lvl="0" marL="0" rtl="0" algn="l">
+              <a:pPr marL="0" lvl="0" indent="0" algn="l" rtl="0">
                 <a:spcBef>
                   <a:spcPts val="0"/>
                 </a:spcBef>
@@ -3430,9 +3456,6 @@
                 </a:spcAft>
                 <a:buNone/>
               </a:pPr>
-              <a:r>
-                <a:t/>
-              </a:r>
               <a:endParaRPr/>
             </a:p>
           </p:txBody>
@@ -3459,12 +3482,12 @@
             </a:ln>
           </p:spPr>
           <p:txBody>
-            <a:bodyPr anchorCtr="0" anchor="ctr" bIns="91425" lIns="91425" spcFirstLastPara="1" rIns="91425" wrap="square" tIns="91425">
+            <a:bodyPr spcFirstLastPara="1" wrap="square" lIns="91425" tIns="91425" rIns="91425" bIns="91425" anchor="ctr" anchorCtr="0">
               <a:noAutofit/>
             </a:bodyPr>
             <a:lstStyle/>
             <a:p>
-              <a:pPr indent="0" lvl="0" marL="0" rtl="0" algn="l">
+              <a:pPr marL="0" lvl="0" indent="0" algn="l" rtl="0">
                 <a:spcBef>
                   <a:spcPts val="0"/>
                 </a:spcBef>
@@ -3473,9 +3496,6 @@
                 </a:spcAft>
                 <a:buNone/>
               </a:pPr>
-              <a:r>
-                <a:t/>
-              </a:r>
               <a:endParaRPr/>
             </a:p>
           </p:txBody>
@@ -3502,12 +3522,12 @@
             </a:ln>
           </p:spPr>
           <p:txBody>
-            <a:bodyPr anchorCtr="0" anchor="ctr" bIns="91425" lIns="91425" spcFirstLastPara="1" rIns="91425" wrap="square" tIns="91425">
+            <a:bodyPr spcFirstLastPara="1" wrap="square" lIns="91425" tIns="91425" rIns="91425" bIns="91425" anchor="ctr" anchorCtr="0">
               <a:noAutofit/>
             </a:bodyPr>
             <a:lstStyle/>
             <a:p>
-              <a:pPr indent="0" lvl="0" marL="0" rtl="0" algn="l">
+              <a:pPr marL="0" lvl="0" indent="0" algn="l" rtl="0">
                 <a:spcBef>
                   <a:spcPts val="0"/>
                 </a:spcBef>
@@ -3516,9 +3536,6 @@
                 </a:spcAft>
                 <a:buNone/>
               </a:pPr>
-              <a:r>
-                <a:t/>
-              </a:r>
               <a:endParaRPr/>
             </a:p>
           </p:txBody>
@@ -3545,12 +3562,12 @@
             </a:ln>
           </p:spPr>
           <p:txBody>
-            <a:bodyPr anchorCtr="0" anchor="ctr" bIns="91425" lIns="91425" spcFirstLastPara="1" rIns="91425" wrap="square" tIns="91425">
+            <a:bodyPr spcFirstLastPara="1" wrap="square" lIns="91425" tIns="91425" rIns="91425" bIns="91425" anchor="ctr" anchorCtr="0">
               <a:noAutofit/>
             </a:bodyPr>
             <a:lstStyle/>
             <a:p>
-              <a:pPr indent="0" lvl="0" marL="0" rtl="0" algn="l">
+              <a:pPr marL="0" lvl="0" indent="0" algn="l" rtl="0">
                 <a:spcBef>
                   <a:spcPts val="0"/>
                 </a:spcBef>
@@ -3559,9 +3576,6 @@
                 </a:spcAft>
                 <a:buNone/>
               </a:pPr>
-              <a:r>
-                <a:t/>
-              </a:r>
               <a:endParaRPr/>
             </a:p>
           </p:txBody>
@@ -3570,7 +3584,9 @@
       <p:sp>
         <p:nvSpPr>
           <p:cNvPr id="35" name="Google Shape;35;p4"/>
-          <p:cNvSpPr txBox="1"/>
+          <p:cNvSpPr txBox="1">
+            <a:spLocks noGrp="1"/>
+          </p:cNvSpPr>
           <p:nvPr>
             <p:ph type="title"/>
           </p:nvPr>
@@ -3585,7 +3601,7 @@
           </a:prstGeom>
         </p:spPr>
         <p:txBody>
-          <a:bodyPr anchorCtr="0" anchor="t" bIns="91425" lIns="91425" spcFirstLastPara="1" rIns="91425" wrap="square" tIns="91425">
+          <a:bodyPr spcFirstLastPara="1" wrap="square" lIns="91425" tIns="91425" rIns="91425" bIns="91425" anchor="t" anchorCtr="0">
             <a:noAutofit/>
           </a:bodyPr>
           <a:lstStyle>
@@ -3689,15 +3705,19 @@
               <a:defRPr/>
             </a:lvl9pPr>
           </a:lstStyle>
-          <a:p/>
+          <a:p>
+            <a:endParaRPr/>
+          </a:p>
         </p:txBody>
       </p:sp>
       <p:sp>
         <p:nvSpPr>
           <p:cNvPr id="36" name="Google Shape;36;p4"/>
-          <p:cNvSpPr txBox="1"/>
+          <p:cNvSpPr txBox="1">
+            <a:spLocks noGrp="1"/>
+          </p:cNvSpPr>
           <p:nvPr>
-            <p:ph idx="1" type="body"/>
+            <p:ph type="body" idx="1"/>
           </p:nvPr>
         </p:nvSpPr>
         <p:spPr>
@@ -3710,11 +3730,11 @@
           </a:prstGeom>
         </p:spPr>
         <p:txBody>
-          <a:bodyPr anchorCtr="0" anchor="t" bIns="91425" lIns="91425" spcFirstLastPara="1" rIns="91425" wrap="square" tIns="91425">
+          <a:bodyPr spcFirstLastPara="1" wrap="square" lIns="91425" tIns="91425" rIns="91425" bIns="91425" anchor="t" anchorCtr="0">
             <a:noAutofit/>
           </a:bodyPr>
           <a:lstStyle>
-            <a:lvl1pPr indent="-342900" lvl="0" marL="457200">
+            <a:lvl1pPr marL="457200" lvl="0" indent="-342900">
               <a:spcBef>
                 <a:spcPts val="0"/>
               </a:spcBef>
@@ -3725,7 +3745,7 @@
               <a:buChar char="●"/>
               <a:defRPr/>
             </a:lvl1pPr>
-            <a:lvl2pPr indent="-317500" lvl="1" marL="914400">
+            <a:lvl2pPr marL="914400" lvl="1" indent="-317500">
               <a:spcBef>
                 <a:spcPts val="1600"/>
               </a:spcBef>
@@ -3736,7 +3756,7 @@
               <a:buChar char="○"/>
               <a:defRPr/>
             </a:lvl2pPr>
-            <a:lvl3pPr indent="-317500" lvl="2" marL="1371600">
+            <a:lvl3pPr marL="1371600" lvl="2" indent="-317500">
               <a:spcBef>
                 <a:spcPts val="1600"/>
               </a:spcBef>
@@ -3747,7 +3767,7 @@
               <a:buChar char="■"/>
               <a:defRPr/>
             </a:lvl3pPr>
-            <a:lvl4pPr indent="-317500" lvl="3" marL="1828800">
+            <a:lvl4pPr marL="1828800" lvl="3" indent="-317500">
               <a:spcBef>
                 <a:spcPts val="1600"/>
               </a:spcBef>
@@ -3758,7 +3778,7 @@
               <a:buChar char="●"/>
               <a:defRPr/>
             </a:lvl4pPr>
-            <a:lvl5pPr indent="-317500" lvl="4" marL="2286000">
+            <a:lvl5pPr marL="2286000" lvl="4" indent="-317500">
               <a:spcBef>
                 <a:spcPts val="1600"/>
               </a:spcBef>
@@ -3769,7 +3789,7 @@
               <a:buChar char="○"/>
               <a:defRPr/>
             </a:lvl5pPr>
-            <a:lvl6pPr indent="-317500" lvl="5" marL="2743200">
+            <a:lvl6pPr marL="2743200" lvl="5" indent="-317500">
               <a:spcBef>
                 <a:spcPts val="1600"/>
               </a:spcBef>
@@ -3780,7 +3800,7 @@
               <a:buChar char="■"/>
               <a:defRPr/>
             </a:lvl6pPr>
-            <a:lvl7pPr indent="-317500" lvl="6" marL="3200400">
+            <a:lvl7pPr marL="3200400" lvl="6" indent="-317500">
               <a:spcBef>
                 <a:spcPts val="1600"/>
               </a:spcBef>
@@ -3791,7 +3811,7 @@
               <a:buChar char="●"/>
               <a:defRPr/>
             </a:lvl7pPr>
-            <a:lvl8pPr indent="-317500" lvl="7" marL="3657600">
+            <a:lvl8pPr marL="3657600" lvl="7" indent="-317500">
               <a:spcBef>
                 <a:spcPts val="1600"/>
               </a:spcBef>
@@ -3802,7 +3822,7 @@
               <a:buChar char="○"/>
               <a:defRPr/>
             </a:lvl8pPr>
-            <a:lvl9pPr indent="-317500" lvl="8" marL="4114800">
+            <a:lvl9pPr marL="4114800" lvl="8" indent="-317500">
               <a:spcBef>
                 <a:spcPts val="1600"/>
               </a:spcBef>
@@ -3814,15 +3834,19 @@
               <a:defRPr/>
             </a:lvl9pPr>
           </a:lstStyle>
-          <a:p/>
+          <a:p>
+            <a:endParaRPr/>
+          </a:p>
         </p:txBody>
       </p:sp>
       <p:sp>
         <p:nvSpPr>
           <p:cNvPr id="37" name="Google Shape;37;p4"/>
-          <p:cNvSpPr txBox="1"/>
+          <p:cNvSpPr txBox="1">
+            <a:spLocks noGrp="1"/>
+          </p:cNvSpPr>
           <p:nvPr>
-            <p:ph idx="12" type="sldNum"/>
+            <p:ph type="sldNum" idx="12"/>
           </p:nvPr>
         </p:nvSpPr>
         <p:spPr>
@@ -3835,7 +3859,7 @@
           </a:prstGeom>
         </p:spPr>
         <p:txBody>
-          <a:bodyPr anchorCtr="0" anchor="ctr" bIns="91425" lIns="91425" spcFirstLastPara="1" rIns="91425" wrap="square" tIns="91425">
+          <a:bodyPr spcFirstLastPara="1" wrap="square" lIns="91425" tIns="91425" rIns="91425" bIns="91425" anchor="ctr" anchorCtr="0">
             <a:noAutofit/>
           </a:bodyPr>
           <a:lstStyle>
@@ -3877,7 +3901,7 @@
             </a:lvl9pPr>
           </a:lstStyle>
           <a:p>
-            <a:pPr indent="0" lvl="0" marL="0" rtl="0" algn="r">
+            <a:pPr marL="0" lvl="0" indent="0" algn="r" rtl="0">
               <a:spcBef>
                 <a:spcPts val="0"/>
               </a:spcBef>
@@ -3903,11 +3927,11 @@
 </file>
 
 <file path=ppt/slideLayouts/slideLayout4.xml><?xml version="1.0" encoding="utf-8"?>
-<p:sldLayout xmlns:a="http://schemas.openxmlformats.org/drawingml/2006/main" xmlns:r="http://schemas.openxmlformats.org/officeDocument/2006/relationships" xmlns:mc="http://schemas.openxmlformats.org/markup-compatibility/2006" xmlns:mv="urn:schemas-microsoft-com:mac:vml" xmlns:p="http://schemas.openxmlformats.org/presentationml/2006/main" xmlns:c="http://schemas.openxmlformats.org/drawingml/2006/chart" xmlns:dgm="http://schemas.openxmlformats.org/drawingml/2006/diagram" xmlns:o="urn:schemas-microsoft-com:office:office" xmlns:v="urn:schemas-microsoft-com:vml" xmlns:pvml="urn:schemas-microsoft-com:office:powerpoint" xmlns:com="http://schemas.openxmlformats.org/drawingml/2006/compatibility" xmlns:p14="http://schemas.microsoft.com/office/powerpoint/2010/main" xmlns:p15="http://schemas.microsoft.com/office/powerpoint/2012/main" xmlns:ahyp="http://schemas.microsoft.com/office/drawing/2018/hyperlinkcolor" matchingName="Title and two columns" type="twoColTx">
+<p:sldLayout xmlns:a="http://schemas.openxmlformats.org/drawingml/2006/main" xmlns:r="http://schemas.openxmlformats.org/officeDocument/2006/relationships" xmlns:p="http://schemas.openxmlformats.org/presentationml/2006/main" matchingName="Title and two columns" type="twoColTx">
   <p:cSld name="TITLE_AND_TWO_COLUMNS">
     <p:spTree>
       <p:nvGrpSpPr>
-        <p:cNvPr id="38" name="Shape 38"/>
+        <p:cNvPr id="1" name="Shape 38"/>
         <p:cNvGrpSpPr/>
         <p:nvPr/>
       </p:nvGrpSpPr>
@@ -3922,7 +3946,9 @@
       <p:sp>
         <p:nvSpPr>
           <p:cNvPr id="39" name="Google Shape;39;p5"/>
-          <p:cNvSpPr txBox="1"/>
+          <p:cNvSpPr txBox="1">
+            <a:spLocks noGrp="1"/>
+          </p:cNvSpPr>
           <p:nvPr>
             <p:ph type="title"/>
           </p:nvPr>
@@ -3937,7 +3963,7 @@
           </a:prstGeom>
         </p:spPr>
         <p:txBody>
-          <a:bodyPr anchorCtr="0" anchor="t" bIns="91425" lIns="91425" spcFirstLastPara="1" rIns="91425" wrap="square" tIns="91425">
+          <a:bodyPr spcFirstLastPara="1" wrap="square" lIns="91425" tIns="91425" rIns="91425" bIns="91425" anchor="t" anchorCtr="0">
             <a:noAutofit/>
           </a:bodyPr>
           <a:lstStyle>
@@ -4041,15 +4067,19 @@
               <a:defRPr/>
             </a:lvl9pPr>
           </a:lstStyle>
-          <a:p/>
+          <a:p>
+            <a:endParaRPr/>
+          </a:p>
         </p:txBody>
       </p:sp>
       <p:sp>
         <p:nvSpPr>
           <p:cNvPr id="40" name="Google Shape;40;p5"/>
-          <p:cNvSpPr txBox="1"/>
+          <p:cNvSpPr txBox="1">
+            <a:spLocks noGrp="1"/>
+          </p:cNvSpPr>
           <p:nvPr>
-            <p:ph idx="1" type="body"/>
+            <p:ph type="body" idx="1"/>
           </p:nvPr>
         </p:nvSpPr>
         <p:spPr>
@@ -4062,11 +4092,11 @@
           </a:prstGeom>
         </p:spPr>
         <p:txBody>
-          <a:bodyPr anchorCtr="0" anchor="t" bIns="91425" lIns="91425" spcFirstLastPara="1" rIns="91425" wrap="square" tIns="91425">
+          <a:bodyPr spcFirstLastPara="1" wrap="square" lIns="91425" tIns="91425" rIns="91425" bIns="91425" anchor="t" anchorCtr="0">
             <a:noAutofit/>
           </a:bodyPr>
           <a:lstStyle>
-            <a:lvl1pPr indent="-317500" lvl="0" marL="457200">
+            <a:lvl1pPr marL="457200" lvl="0" indent="-317500">
               <a:spcBef>
                 <a:spcPts val="0"/>
               </a:spcBef>
@@ -4077,7 +4107,7 @@
               <a:buChar char="●"/>
               <a:defRPr sz="1400"/>
             </a:lvl1pPr>
-            <a:lvl2pPr indent="-304800" lvl="1" marL="914400">
+            <a:lvl2pPr marL="914400" lvl="1" indent="-304800">
               <a:spcBef>
                 <a:spcPts val="1600"/>
               </a:spcBef>
@@ -4088,7 +4118,7 @@
               <a:buChar char="○"/>
               <a:defRPr sz="1200"/>
             </a:lvl2pPr>
-            <a:lvl3pPr indent="-304800" lvl="2" marL="1371600">
+            <a:lvl3pPr marL="1371600" lvl="2" indent="-304800">
               <a:spcBef>
                 <a:spcPts val="1600"/>
               </a:spcBef>
@@ -4099,7 +4129,7 @@
               <a:buChar char="■"/>
               <a:defRPr sz="1200"/>
             </a:lvl3pPr>
-            <a:lvl4pPr indent="-304800" lvl="3" marL="1828800">
+            <a:lvl4pPr marL="1828800" lvl="3" indent="-304800">
               <a:spcBef>
                 <a:spcPts val="1600"/>
               </a:spcBef>
@@ -4110,7 +4140,7 @@
               <a:buChar char="●"/>
               <a:defRPr sz="1200"/>
             </a:lvl4pPr>
-            <a:lvl5pPr indent="-304800" lvl="4" marL="2286000">
+            <a:lvl5pPr marL="2286000" lvl="4" indent="-304800">
               <a:spcBef>
                 <a:spcPts val="1600"/>
               </a:spcBef>
@@ -4121,7 +4151,7 @@
               <a:buChar char="○"/>
               <a:defRPr sz="1200"/>
             </a:lvl5pPr>
-            <a:lvl6pPr indent="-304800" lvl="5" marL="2743200">
+            <a:lvl6pPr marL="2743200" lvl="5" indent="-304800">
               <a:spcBef>
                 <a:spcPts val="1600"/>
               </a:spcBef>
@@ -4132,7 +4162,7 @@
               <a:buChar char="■"/>
               <a:defRPr sz="1200"/>
             </a:lvl6pPr>
-            <a:lvl7pPr indent="-304800" lvl="6" marL="3200400">
+            <a:lvl7pPr marL="3200400" lvl="6" indent="-304800">
               <a:spcBef>
                 <a:spcPts val="1600"/>
               </a:spcBef>
@@ -4143,7 +4173,7 @@
               <a:buChar char="●"/>
               <a:defRPr sz="1200"/>
             </a:lvl7pPr>
-            <a:lvl8pPr indent="-304800" lvl="7" marL="3657600">
+            <a:lvl8pPr marL="3657600" lvl="7" indent="-304800">
               <a:spcBef>
                 <a:spcPts val="1600"/>
               </a:spcBef>
@@ -4154,7 +4184,7 @@
               <a:buChar char="○"/>
               <a:defRPr sz="1200"/>
             </a:lvl8pPr>
-            <a:lvl9pPr indent="-304800" lvl="8" marL="4114800">
+            <a:lvl9pPr marL="4114800" lvl="8" indent="-304800">
               <a:spcBef>
                 <a:spcPts val="1600"/>
               </a:spcBef>
@@ -4166,15 +4196,19 @@
               <a:defRPr sz="1200"/>
             </a:lvl9pPr>
           </a:lstStyle>
-          <a:p/>
+          <a:p>
+            <a:endParaRPr/>
+          </a:p>
         </p:txBody>
       </p:sp>
       <p:sp>
         <p:nvSpPr>
           <p:cNvPr id="41" name="Google Shape;41;p5"/>
-          <p:cNvSpPr txBox="1"/>
+          <p:cNvSpPr txBox="1">
+            <a:spLocks noGrp="1"/>
+          </p:cNvSpPr>
           <p:nvPr>
-            <p:ph idx="2" type="body"/>
+            <p:ph type="body" idx="2"/>
           </p:nvPr>
         </p:nvSpPr>
         <p:spPr>
@@ -4187,11 +4221,11 @@
           </a:prstGeom>
         </p:spPr>
         <p:txBody>
-          <a:bodyPr anchorCtr="0" anchor="t" bIns="91425" lIns="91425" spcFirstLastPara="1" rIns="91425" wrap="square" tIns="91425">
+          <a:bodyPr spcFirstLastPara="1" wrap="square" lIns="91425" tIns="91425" rIns="91425" bIns="91425" anchor="t" anchorCtr="0">
             <a:noAutofit/>
           </a:bodyPr>
           <a:lstStyle>
-            <a:lvl1pPr indent="-317500" lvl="0" marL="457200">
+            <a:lvl1pPr marL="457200" lvl="0" indent="-317500">
               <a:spcBef>
                 <a:spcPts val="0"/>
               </a:spcBef>
@@ -4202,7 +4236,7 @@
               <a:buChar char="●"/>
               <a:defRPr sz="1400"/>
             </a:lvl1pPr>
-            <a:lvl2pPr indent="-304800" lvl="1" marL="914400">
+            <a:lvl2pPr marL="914400" lvl="1" indent="-304800">
               <a:spcBef>
                 <a:spcPts val="1600"/>
               </a:spcBef>
@@ -4213,7 +4247,7 @@
               <a:buChar char="○"/>
               <a:defRPr sz="1200"/>
             </a:lvl2pPr>
-            <a:lvl3pPr indent="-304800" lvl="2" marL="1371600">
+            <a:lvl3pPr marL="1371600" lvl="2" indent="-304800">
               <a:spcBef>
                 <a:spcPts val="1600"/>
               </a:spcBef>
@@ -4224,7 +4258,7 @@
               <a:buChar char="■"/>
               <a:defRPr sz="1200"/>
             </a:lvl3pPr>
-            <a:lvl4pPr indent="-304800" lvl="3" marL="1828800">
+            <a:lvl4pPr marL="1828800" lvl="3" indent="-304800">
               <a:spcBef>
                 <a:spcPts val="1600"/>
               </a:spcBef>
@@ -4235,7 +4269,7 @@
               <a:buChar char="●"/>
               <a:defRPr sz="1200"/>
             </a:lvl4pPr>
-            <a:lvl5pPr indent="-304800" lvl="4" marL="2286000">
+            <a:lvl5pPr marL="2286000" lvl="4" indent="-304800">
               <a:spcBef>
                 <a:spcPts val="1600"/>
               </a:spcBef>
@@ -4246,7 +4280,7 @@
               <a:buChar char="○"/>
               <a:defRPr sz="1200"/>
             </a:lvl5pPr>
-            <a:lvl6pPr indent="-304800" lvl="5" marL="2743200">
+            <a:lvl6pPr marL="2743200" lvl="5" indent="-304800">
               <a:spcBef>
                 <a:spcPts val="1600"/>
               </a:spcBef>
@@ -4257,7 +4291,7 @@
               <a:buChar char="■"/>
               <a:defRPr sz="1200"/>
             </a:lvl6pPr>
-            <a:lvl7pPr indent="-304800" lvl="6" marL="3200400">
+            <a:lvl7pPr marL="3200400" lvl="6" indent="-304800">
               <a:spcBef>
                 <a:spcPts val="1600"/>
               </a:spcBef>
@@ -4268,7 +4302,7 @@
               <a:buChar char="●"/>
               <a:defRPr sz="1200"/>
             </a:lvl7pPr>
-            <a:lvl8pPr indent="-304800" lvl="7" marL="3657600">
+            <a:lvl8pPr marL="3657600" lvl="7" indent="-304800">
               <a:spcBef>
                 <a:spcPts val="1600"/>
               </a:spcBef>
@@ -4279,7 +4313,7 @@
               <a:buChar char="○"/>
               <a:defRPr sz="1200"/>
             </a:lvl8pPr>
-            <a:lvl9pPr indent="-304800" lvl="8" marL="4114800">
+            <a:lvl9pPr marL="4114800" lvl="8" indent="-304800">
               <a:spcBef>
                 <a:spcPts val="1600"/>
               </a:spcBef>
@@ -4291,15 +4325,19 @@
               <a:defRPr sz="1200"/>
             </a:lvl9pPr>
           </a:lstStyle>
-          <a:p/>
+          <a:p>
+            <a:endParaRPr/>
+          </a:p>
         </p:txBody>
       </p:sp>
       <p:sp>
         <p:nvSpPr>
           <p:cNvPr id="42" name="Google Shape;42;p5"/>
-          <p:cNvSpPr txBox="1"/>
+          <p:cNvSpPr txBox="1">
+            <a:spLocks noGrp="1"/>
+          </p:cNvSpPr>
           <p:nvPr>
-            <p:ph idx="12" type="sldNum"/>
+            <p:ph type="sldNum" idx="12"/>
           </p:nvPr>
         </p:nvSpPr>
         <p:spPr>
@@ -4312,7 +4350,7 @@
           </a:prstGeom>
         </p:spPr>
         <p:txBody>
-          <a:bodyPr anchorCtr="0" anchor="ctr" bIns="91425" lIns="91425" spcFirstLastPara="1" rIns="91425" wrap="square" tIns="91425">
+          <a:bodyPr spcFirstLastPara="1" wrap="square" lIns="91425" tIns="91425" rIns="91425" bIns="91425" anchor="ctr" anchorCtr="0">
             <a:noAutofit/>
           </a:bodyPr>
           <a:lstStyle>
@@ -4390,7 +4428,7 @@
             </a:lvl9pPr>
           </a:lstStyle>
           <a:p>
-            <a:pPr indent="0" lvl="0" marL="0" rtl="0" algn="r">
+            <a:pPr marL="0" lvl="0" indent="0" algn="r" rtl="0">
               <a:spcBef>
                 <a:spcPts val="0"/>
               </a:spcBef>
@@ -4416,11 +4454,11 @@
 </file>
 
 <file path=ppt/slideLayouts/slideLayout5.xml><?xml version="1.0" encoding="utf-8"?>
-<p:sldLayout xmlns:a="http://schemas.openxmlformats.org/drawingml/2006/main" xmlns:r="http://schemas.openxmlformats.org/officeDocument/2006/relationships" xmlns:mc="http://schemas.openxmlformats.org/markup-compatibility/2006" xmlns:mv="urn:schemas-microsoft-com:mac:vml" xmlns:p="http://schemas.openxmlformats.org/presentationml/2006/main" xmlns:c="http://schemas.openxmlformats.org/drawingml/2006/chart" xmlns:dgm="http://schemas.openxmlformats.org/drawingml/2006/diagram" xmlns:o="urn:schemas-microsoft-com:office:office" xmlns:v="urn:schemas-microsoft-com:vml" xmlns:pvml="urn:schemas-microsoft-com:office:powerpoint" xmlns:com="http://schemas.openxmlformats.org/drawingml/2006/compatibility" xmlns:p14="http://schemas.microsoft.com/office/powerpoint/2010/main" xmlns:p15="http://schemas.microsoft.com/office/powerpoint/2012/main" xmlns:ahyp="http://schemas.microsoft.com/office/drawing/2018/hyperlinkcolor" matchingName="Title only" type="titleOnly">
+<p:sldLayout xmlns:a="http://schemas.openxmlformats.org/drawingml/2006/main" xmlns:r="http://schemas.openxmlformats.org/officeDocument/2006/relationships" xmlns:p="http://schemas.openxmlformats.org/presentationml/2006/main" matchingName="Title only" type="titleOnly">
   <p:cSld name="TITLE_ONLY">
     <p:spTree>
       <p:nvGrpSpPr>
-        <p:cNvPr id="43" name="Shape 43"/>
+        <p:cNvPr id="1" name="Shape 43"/>
         <p:cNvGrpSpPr/>
         <p:nvPr/>
       </p:nvGrpSpPr>
@@ -4435,7 +4473,9 @@
       <p:sp>
         <p:nvSpPr>
           <p:cNvPr id="44" name="Google Shape;44;p6"/>
-          <p:cNvSpPr txBox="1"/>
+          <p:cNvSpPr txBox="1">
+            <a:spLocks noGrp="1"/>
+          </p:cNvSpPr>
           <p:nvPr>
             <p:ph type="title"/>
           </p:nvPr>
@@ -4450,7 +4490,7 @@
           </a:prstGeom>
         </p:spPr>
         <p:txBody>
-          <a:bodyPr anchorCtr="0" anchor="t" bIns="91425" lIns="91425" spcFirstLastPara="1" rIns="91425" wrap="square" tIns="91425">
+          <a:bodyPr spcFirstLastPara="1" wrap="square" lIns="91425" tIns="91425" rIns="91425" bIns="91425" anchor="t" anchorCtr="0">
             <a:noAutofit/>
           </a:bodyPr>
           <a:lstStyle>
@@ -4554,15 +4594,19 @@
               <a:defRPr/>
             </a:lvl9pPr>
           </a:lstStyle>
-          <a:p/>
+          <a:p>
+            <a:endParaRPr/>
+          </a:p>
         </p:txBody>
       </p:sp>
       <p:sp>
         <p:nvSpPr>
           <p:cNvPr id="45" name="Google Shape;45;p6"/>
-          <p:cNvSpPr txBox="1"/>
+          <p:cNvSpPr txBox="1">
+            <a:spLocks noGrp="1"/>
+          </p:cNvSpPr>
           <p:nvPr>
-            <p:ph idx="12" type="sldNum"/>
+            <p:ph type="sldNum" idx="12"/>
           </p:nvPr>
         </p:nvSpPr>
         <p:spPr>
@@ -4575,7 +4619,7 @@
           </a:prstGeom>
         </p:spPr>
         <p:txBody>
-          <a:bodyPr anchorCtr="0" anchor="ctr" bIns="91425" lIns="91425" spcFirstLastPara="1" rIns="91425" wrap="square" tIns="91425">
+          <a:bodyPr spcFirstLastPara="1" wrap="square" lIns="91425" tIns="91425" rIns="91425" bIns="91425" anchor="ctr" anchorCtr="0">
             <a:noAutofit/>
           </a:bodyPr>
           <a:lstStyle>
@@ -4653,7 +4697,7 @@
             </a:lvl9pPr>
           </a:lstStyle>
           <a:p>
-            <a:pPr indent="0" lvl="0" marL="0" rtl="0" algn="r">
+            <a:pPr marL="0" lvl="0" indent="0" algn="r" rtl="0">
               <a:spcBef>
                 <a:spcPts val="0"/>
               </a:spcBef>
@@ -4679,11 +4723,11 @@
 </file>
 
 <file path=ppt/slideLayouts/slideLayout6.xml><?xml version="1.0" encoding="utf-8"?>
-<p:sldLayout xmlns:a="http://schemas.openxmlformats.org/drawingml/2006/main" xmlns:r="http://schemas.openxmlformats.org/officeDocument/2006/relationships" xmlns:mc="http://schemas.openxmlformats.org/markup-compatibility/2006" xmlns:mv="urn:schemas-microsoft-com:mac:vml" xmlns:p="http://schemas.openxmlformats.org/presentationml/2006/main" xmlns:c="http://schemas.openxmlformats.org/drawingml/2006/chart" xmlns:dgm="http://schemas.openxmlformats.org/drawingml/2006/diagram" xmlns:o="urn:schemas-microsoft-com:office:office" xmlns:v="urn:schemas-microsoft-com:vml" xmlns:pvml="urn:schemas-microsoft-com:office:powerpoint" xmlns:com="http://schemas.openxmlformats.org/drawingml/2006/compatibility" xmlns:p14="http://schemas.microsoft.com/office/powerpoint/2010/main" xmlns:p15="http://schemas.microsoft.com/office/powerpoint/2012/main" xmlns:ahyp="http://schemas.microsoft.com/office/drawing/2018/hyperlinkcolor" matchingName="One column text">
+<p:sldLayout xmlns:a="http://schemas.openxmlformats.org/drawingml/2006/main" xmlns:r="http://schemas.openxmlformats.org/officeDocument/2006/relationships" xmlns:p="http://schemas.openxmlformats.org/presentationml/2006/main" matchingName="One column text">
   <p:cSld name="ONE_COLUMN_TEXT">
     <p:spTree>
       <p:nvGrpSpPr>
-        <p:cNvPr id="46" name="Shape 46"/>
+        <p:cNvPr id="1" name="Shape 46"/>
         <p:cNvGrpSpPr/>
         <p:nvPr/>
       </p:nvGrpSpPr>
@@ -4698,7 +4742,9 @@
       <p:sp>
         <p:nvSpPr>
           <p:cNvPr id="47" name="Google Shape;47;p7"/>
-          <p:cNvSpPr txBox="1"/>
+          <p:cNvSpPr txBox="1">
+            <a:spLocks noGrp="1"/>
+          </p:cNvSpPr>
           <p:nvPr>
             <p:ph type="title"/>
           </p:nvPr>
@@ -4713,7 +4759,7 @@
           </a:prstGeom>
         </p:spPr>
         <p:txBody>
-          <a:bodyPr anchorCtr="0" anchor="b" bIns="91425" lIns="91425" spcFirstLastPara="1" rIns="91425" wrap="square" tIns="91425">
+          <a:bodyPr spcFirstLastPara="1" wrap="square" lIns="91425" tIns="91425" rIns="91425" bIns="91425" anchor="b" anchorCtr="0">
             <a:noAutofit/>
           </a:bodyPr>
           <a:lstStyle>
@@ -4817,15 +4863,19 @@
               <a:defRPr sz="2400"/>
             </a:lvl9pPr>
           </a:lstStyle>
-          <a:p/>
+          <a:p>
+            <a:endParaRPr/>
+          </a:p>
         </p:txBody>
       </p:sp>
       <p:sp>
         <p:nvSpPr>
           <p:cNvPr id="48" name="Google Shape;48;p7"/>
-          <p:cNvSpPr txBox="1"/>
+          <p:cNvSpPr txBox="1">
+            <a:spLocks noGrp="1"/>
+          </p:cNvSpPr>
           <p:nvPr>
-            <p:ph idx="1" type="body"/>
+            <p:ph type="body" idx="1"/>
           </p:nvPr>
         </p:nvSpPr>
         <p:spPr>
@@ -4838,11 +4888,11 @@
           </a:prstGeom>
         </p:spPr>
         <p:txBody>
-          <a:bodyPr anchorCtr="0" anchor="t" bIns="91425" lIns="91425" spcFirstLastPara="1" rIns="91425" wrap="square" tIns="91425">
+          <a:bodyPr spcFirstLastPara="1" wrap="square" lIns="91425" tIns="91425" rIns="91425" bIns="91425" anchor="t" anchorCtr="0">
             <a:noAutofit/>
           </a:bodyPr>
           <a:lstStyle>
-            <a:lvl1pPr indent="-304800" lvl="0" marL="457200">
+            <a:lvl1pPr marL="457200" lvl="0" indent="-304800">
               <a:spcBef>
                 <a:spcPts val="0"/>
               </a:spcBef>
@@ -4853,7 +4903,7 @@
               <a:buChar char="●"/>
               <a:defRPr sz="1200"/>
             </a:lvl1pPr>
-            <a:lvl2pPr indent="-304800" lvl="1" marL="914400">
+            <a:lvl2pPr marL="914400" lvl="1" indent="-304800">
               <a:spcBef>
                 <a:spcPts val="1600"/>
               </a:spcBef>
@@ -4864,7 +4914,7 @@
               <a:buChar char="○"/>
               <a:defRPr sz="1200"/>
             </a:lvl2pPr>
-            <a:lvl3pPr indent="-304800" lvl="2" marL="1371600">
+            <a:lvl3pPr marL="1371600" lvl="2" indent="-304800">
               <a:spcBef>
                 <a:spcPts val="1600"/>
               </a:spcBef>
@@ -4875,7 +4925,7 @@
               <a:buChar char="■"/>
               <a:defRPr sz="1200"/>
             </a:lvl3pPr>
-            <a:lvl4pPr indent="-304800" lvl="3" marL="1828800">
+            <a:lvl4pPr marL="1828800" lvl="3" indent="-304800">
               <a:spcBef>
                 <a:spcPts val="1600"/>
               </a:spcBef>
@@ -4886,7 +4936,7 @@
               <a:buChar char="●"/>
               <a:defRPr sz="1200"/>
             </a:lvl4pPr>
-            <a:lvl5pPr indent="-304800" lvl="4" marL="2286000">
+            <a:lvl5pPr marL="2286000" lvl="4" indent="-304800">
               <a:spcBef>
                 <a:spcPts val="1600"/>
               </a:spcBef>
@@ -4897,7 +4947,7 @@
               <a:buChar char="○"/>
               <a:defRPr sz="1200"/>
             </a:lvl5pPr>
-            <a:lvl6pPr indent="-304800" lvl="5" marL="2743200">
+            <a:lvl6pPr marL="2743200" lvl="5" indent="-304800">
               <a:spcBef>
                 <a:spcPts val="1600"/>
               </a:spcBef>
@@ -4908,7 +4958,7 @@
               <a:buChar char="■"/>
               <a:defRPr sz="1200"/>
             </a:lvl6pPr>
-            <a:lvl7pPr indent="-304800" lvl="6" marL="3200400">
+            <a:lvl7pPr marL="3200400" lvl="6" indent="-304800">
               <a:spcBef>
                 <a:spcPts val="1600"/>
               </a:spcBef>
@@ -4919,7 +4969,7 @@
               <a:buChar char="●"/>
               <a:defRPr sz="1200"/>
             </a:lvl7pPr>
-            <a:lvl8pPr indent="-304800" lvl="7" marL="3657600">
+            <a:lvl8pPr marL="3657600" lvl="7" indent="-304800">
               <a:spcBef>
                 <a:spcPts val="1600"/>
               </a:spcBef>
@@ -4930,7 +4980,7 @@
               <a:buChar char="○"/>
               <a:defRPr sz="1200"/>
             </a:lvl8pPr>
-            <a:lvl9pPr indent="-304800" lvl="8" marL="4114800">
+            <a:lvl9pPr marL="4114800" lvl="8" indent="-304800">
               <a:spcBef>
                 <a:spcPts val="1600"/>
               </a:spcBef>
@@ -4942,15 +4992,19 @@
               <a:defRPr sz="1200"/>
             </a:lvl9pPr>
           </a:lstStyle>
-          <a:p/>
+          <a:p>
+            <a:endParaRPr/>
+          </a:p>
         </p:txBody>
       </p:sp>
       <p:sp>
         <p:nvSpPr>
           <p:cNvPr id="49" name="Google Shape;49;p7"/>
-          <p:cNvSpPr txBox="1"/>
+          <p:cNvSpPr txBox="1">
+            <a:spLocks noGrp="1"/>
+          </p:cNvSpPr>
           <p:nvPr>
-            <p:ph idx="12" type="sldNum"/>
+            <p:ph type="sldNum" idx="12"/>
           </p:nvPr>
         </p:nvSpPr>
         <p:spPr>
@@ -4963,7 +5017,7 @@
           </a:prstGeom>
         </p:spPr>
         <p:txBody>
-          <a:bodyPr anchorCtr="0" anchor="ctr" bIns="91425" lIns="91425" spcFirstLastPara="1" rIns="91425" wrap="square" tIns="91425">
+          <a:bodyPr spcFirstLastPara="1" wrap="square" lIns="91425" tIns="91425" rIns="91425" bIns="91425" anchor="ctr" anchorCtr="0">
             <a:noAutofit/>
           </a:bodyPr>
           <a:lstStyle>
@@ -5041,7 +5095,7 @@
             </a:lvl9pPr>
           </a:lstStyle>
           <a:p>
-            <a:pPr indent="0" lvl="0" marL="0" rtl="0" algn="r">
+            <a:pPr marL="0" lvl="0" indent="0" algn="r" rtl="0">
               <a:spcBef>
                 <a:spcPts val="0"/>
               </a:spcBef>
@@ -5067,18 +5121,19 @@
 </file>
 
 <file path=ppt/slideLayouts/slideLayout7.xml><?xml version="1.0" encoding="utf-8"?>
-<p:sldLayout xmlns:a="http://schemas.openxmlformats.org/drawingml/2006/main" xmlns:r="http://schemas.openxmlformats.org/officeDocument/2006/relationships" xmlns:mc="http://schemas.openxmlformats.org/markup-compatibility/2006" xmlns:mv="urn:schemas-microsoft-com:mac:vml" xmlns:p="http://schemas.openxmlformats.org/presentationml/2006/main" xmlns:c="http://schemas.openxmlformats.org/drawingml/2006/chart" xmlns:dgm="http://schemas.openxmlformats.org/drawingml/2006/diagram" xmlns:o="urn:schemas-microsoft-com:office:office" xmlns:v="urn:schemas-microsoft-com:vml" xmlns:pvml="urn:schemas-microsoft-com:office:powerpoint" xmlns:com="http://schemas.openxmlformats.org/drawingml/2006/compatibility" xmlns:p14="http://schemas.microsoft.com/office/powerpoint/2010/main" xmlns:p15="http://schemas.microsoft.com/office/powerpoint/2012/main" xmlns:ahyp="http://schemas.microsoft.com/office/drawing/2018/hyperlinkcolor" matchingName="Main point">
+<p:sldLayout xmlns:a="http://schemas.openxmlformats.org/drawingml/2006/main" xmlns:r="http://schemas.openxmlformats.org/officeDocument/2006/relationships" xmlns:p="http://schemas.openxmlformats.org/presentationml/2006/main" matchingName="Main point">
   <p:cSld name="MAIN_POINT">
     <p:bg>
       <p:bgPr>
         <a:solidFill>
           <a:schemeClr val="accent4"/>
         </a:solidFill>
+        <a:effectLst/>
       </p:bgPr>
     </p:bg>
     <p:spTree>
       <p:nvGrpSpPr>
-        <p:cNvPr id="50" name="Shape 50"/>
+        <p:cNvPr id="1" name="Shape 50"/>
         <p:cNvGrpSpPr/>
         <p:nvPr/>
       </p:nvGrpSpPr>
@@ -5126,12 +5181,12 @@
             </a:ln>
           </p:spPr>
           <p:txBody>
-            <a:bodyPr anchorCtr="0" anchor="ctr" bIns="91425" lIns="91425" spcFirstLastPara="1" rIns="91425" wrap="square" tIns="91425">
+            <a:bodyPr spcFirstLastPara="1" wrap="square" lIns="91425" tIns="91425" rIns="91425" bIns="91425" anchor="ctr" anchorCtr="0">
               <a:noAutofit/>
             </a:bodyPr>
             <a:lstStyle/>
             <a:p>
-              <a:pPr indent="0" lvl="0" marL="0" rtl="0" algn="l">
+              <a:pPr marL="0" lvl="0" indent="0" algn="l" rtl="0">
                 <a:spcBef>
                   <a:spcPts val="0"/>
                 </a:spcBef>
@@ -5140,9 +5195,6 @@
                 </a:spcAft>
                 <a:buNone/>
               </a:pPr>
-              <a:r>
-                <a:t/>
-              </a:r>
               <a:endParaRPr/>
             </a:p>
           </p:txBody>
@@ -5169,12 +5221,12 @@
             </a:ln>
           </p:spPr>
           <p:txBody>
-            <a:bodyPr anchorCtr="0" anchor="ctr" bIns="91425" lIns="91425" spcFirstLastPara="1" rIns="91425" wrap="square" tIns="91425">
+            <a:bodyPr spcFirstLastPara="1" wrap="square" lIns="91425" tIns="91425" rIns="91425" bIns="91425" anchor="ctr" anchorCtr="0">
               <a:noAutofit/>
             </a:bodyPr>
             <a:lstStyle/>
             <a:p>
-              <a:pPr indent="0" lvl="0" marL="0" rtl="0" algn="l">
+              <a:pPr marL="0" lvl="0" indent="0" algn="l" rtl="0">
                 <a:spcBef>
                   <a:spcPts val="0"/>
                 </a:spcBef>
@@ -5183,9 +5235,6 @@
                 </a:spcAft>
                 <a:buNone/>
               </a:pPr>
-              <a:r>
-                <a:t/>
-              </a:r>
               <a:endParaRPr/>
             </a:p>
           </p:txBody>
@@ -5197,7 +5246,7 @@
             <p:nvPr/>
           </p:nvSpPr>
           <p:spPr>
-            <a:xfrm flipH="1" rot="10800000">
+            <a:xfrm rot="10800000" flipH="1">
               <a:off x="7113588" y="107"/>
               <a:ext cx="1015200" cy="1015200"/>
             </a:xfrm>
@@ -5212,12 +5261,12 @@
             </a:ln>
           </p:spPr>
           <p:txBody>
-            <a:bodyPr anchorCtr="0" anchor="ctr" bIns="91425" lIns="91425" spcFirstLastPara="1" rIns="91425" wrap="square" tIns="91425">
+            <a:bodyPr spcFirstLastPara="1" wrap="square" lIns="91425" tIns="91425" rIns="91425" bIns="91425" anchor="ctr" anchorCtr="0">
               <a:noAutofit/>
             </a:bodyPr>
             <a:lstStyle/>
             <a:p>
-              <a:pPr indent="0" lvl="0" marL="0" rtl="0" algn="l">
+              <a:pPr marL="0" lvl="0" indent="0" algn="l" rtl="0">
                 <a:spcBef>
                   <a:spcPts val="0"/>
                 </a:spcBef>
@@ -5226,9 +5275,6 @@
                 </a:spcAft>
                 <a:buNone/>
               </a:pPr>
-              <a:r>
-                <a:t/>
-              </a:r>
               <a:endParaRPr/>
             </a:p>
           </p:txBody>
@@ -5255,12 +5301,12 @@
             </a:ln>
           </p:spPr>
           <p:txBody>
-            <a:bodyPr anchorCtr="0" anchor="ctr" bIns="91425" lIns="91425" spcFirstLastPara="1" rIns="91425" wrap="square" tIns="91425">
+            <a:bodyPr spcFirstLastPara="1" wrap="square" lIns="91425" tIns="91425" rIns="91425" bIns="91425" anchor="ctr" anchorCtr="0">
               <a:noAutofit/>
             </a:bodyPr>
             <a:lstStyle/>
             <a:p>
-              <a:pPr indent="0" lvl="0" marL="0" rtl="0" algn="l">
+              <a:pPr marL="0" lvl="0" indent="0" algn="l" rtl="0">
                 <a:spcBef>
                   <a:spcPts val="0"/>
                 </a:spcBef>
@@ -5269,9 +5315,6 @@
                 </a:spcAft>
                 <a:buNone/>
               </a:pPr>
-              <a:r>
-                <a:t/>
-              </a:r>
               <a:endParaRPr/>
             </a:p>
           </p:txBody>
@@ -5298,12 +5341,12 @@
             </a:ln>
           </p:spPr>
           <p:txBody>
-            <a:bodyPr anchorCtr="0" anchor="ctr" bIns="91425" lIns="91425" spcFirstLastPara="1" rIns="91425" wrap="square" tIns="91425">
+            <a:bodyPr spcFirstLastPara="1" wrap="square" lIns="91425" tIns="91425" rIns="91425" bIns="91425" anchor="ctr" anchorCtr="0">
               <a:noAutofit/>
             </a:bodyPr>
             <a:lstStyle/>
             <a:p>
-              <a:pPr indent="0" lvl="0" marL="0" rtl="0" algn="l">
+              <a:pPr marL="0" lvl="0" indent="0" algn="l" rtl="0">
                 <a:spcBef>
                   <a:spcPts val="0"/>
                 </a:spcBef>
@@ -5312,9 +5355,6 @@
                 </a:spcAft>
                 <a:buNone/>
               </a:pPr>
-              <a:r>
-                <a:t/>
-              </a:r>
               <a:endParaRPr/>
             </a:p>
           </p:txBody>
@@ -5323,7 +5363,9 @@
       <p:sp>
         <p:nvSpPr>
           <p:cNvPr id="57" name="Google Shape;57;p8"/>
-          <p:cNvSpPr txBox="1"/>
+          <p:cNvSpPr txBox="1">
+            <a:spLocks noGrp="1"/>
+          </p:cNvSpPr>
           <p:nvPr>
             <p:ph type="title"/>
           </p:nvPr>
@@ -5338,7 +5380,7 @@
           </a:prstGeom>
         </p:spPr>
         <p:txBody>
-          <a:bodyPr anchorCtr="0" anchor="ctr" bIns="91425" lIns="91425" spcFirstLastPara="1" rIns="91425" wrap="square" tIns="91425">
+          <a:bodyPr spcFirstLastPara="1" wrap="square" lIns="91425" tIns="91425" rIns="91425" bIns="91425" anchor="ctr" anchorCtr="0">
             <a:noAutofit/>
           </a:bodyPr>
           <a:lstStyle>
@@ -5505,15 +5547,19 @@
               </a:defRPr>
             </a:lvl9pPr>
           </a:lstStyle>
-          <a:p/>
+          <a:p>
+            <a:endParaRPr/>
+          </a:p>
         </p:txBody>
       </p:sp>
       <p:sp>
         <p:nvSpPr>
           <p:cNvPr id="58" name="Google Shape;58;p8"/>
-          <p:cNvSpPr txBox="1"/>
+          <p:cNvSpPr txBox="1">
+            <a:spLocks noGrp="1"/>
+          </p:cNvSpPr>
           <p:nvPr>
-            <p:ph idx="12" type="sldNum"/>
+            <p:ph type="sldNum" idx="12"/>
           </p:nvPr>
         </p:nvSpPr>
         <p:spPr>
@@ -5526,7 +5572,7 @@
           </a:prstGeom>
         </p:spPr>
         <p:txBody>
-          <a:bodyPr anchorCtr="0" anchor="ctr" bIns="91425" lIns="91425" spcFirstLastPara="1" rIns="91425" wrap="square" tIns="91425">
+          <a:bodyPr spcFirstLastPara="1" wrap="square" lIns="91425" tIns="91425" rIns="91425" bIns="91425" anchor="ctr" anchorCtr="0">
             <a:noAutofit/>
           </a:bodyPr>
           <a:lstStyle>
@@ -5568,7 +5614,7 @@
             </a:lvl9pPr>
           </a:lstStyle>
           <a:p>
-            <a:pPr indent="0" lvl="0" marL="0" rtl="0" algn="r">
+            <a:pPr marL="0" lvl="0" indent="0" algn="r" rtl="0">
               <a:spcBef>
                 <a:spcPts val="0"/>
               </a:spcBef>
@@ -5594,11 +5640,11 @@
 </file>
 
 <file path=ppt/slideLayouts/slideLayout8.xml><?xml version="1.0" encoding="utf-8"?>
-<p:sldLayout xmlns:a="http://schemas.openxmlformats.org/drawingml/2006/main" xmlns:r="http://schemas.openxmlformats.org/officeDocument/2006/relationships" xmlns:mc="http://schemas.openxmlformats.org/markup-compatibility/2006" xmlns:mv="urn:schemas-microsoft-com:mac:vml" xmlns:p="http://schemas.openxmlformats.org/presentationml/2006/main" xmlns:c="http://schemas.openxmlformats.org/drawingml/2006/chart" xmlns:dgm="http://schemas.openxmlformats.org/drawingml/2006/diagram" xmlns:o="urn:schemas-microsoft-com:office:office" xmlns:v="urn:schemas-microsoft-com:vml" xmlns:pvml="urn:schemas-microsoft-com:office:powerpoint" xmlns:com="http://schemas.openxmlformats.org/drawingml/2006/compatibility" xmlns:p14="http://schemas.microsoft.com/office/powerpoint/2010/main" xmlns:p15="http://schemas.microsoft.com/office/powerpoint/2012/main" xmlns:ahyp="http://schemas.microsoft.com/office/drawing/2018/hyperlinkcolor" matchingName="Section title and description">
+<p:sldLayout xmlns:a="http://schemas.openxmlformats.org/drawingml/2006/main" xmlns:r="http://schemas.openxmlformats.org/officeDocument/2006/relationships" xmlns:p="http://schemas.openxmlformats.org/presentationml/2006/main" matchingName="Section title and description">
   <p:cSld name="SECTION_TITLE_AND_DESCRIPTION">
     <p:spTree>
       <p:nvGrpSpPr>
-        <p:cNvPr id="59" name="Shape 59"/>
+        <p:cNvPr id="1" name="Shape 59"/>
         <p:cNvGrpSpPr/>
         <p:nvPr/>
       </p:nvGrpSpPr>
@@ -5632,12 +5678,12 @@
           </a:ln>
         </p:spPr>
         <p:txBody>
-          <a:bodyPr anchorCtr="0" anchor="ctr" bIns="91425" lIns="91425" spcFirstLastPara="1" rIns="91425" wrap="square" tIns="91425">
+          <a:bodyPr spcFirstLastPara="1" wrap="square" lIns="91425" tIns="91425" rIns="91425" bIns="91425" anchor="ctr" anchorCtr="0">
             <a:noAutofit/>
           </a:bodyPr>
           <a:lstStyle/>
           <a:p>
-            <a:pPr indent="0" lvl="0" marL="0" rtl="0" algn="l">
+            <a:pPr marL="0" lvl="0" indent="0" algn="l" rtl="0">
               <a:spcBef>
                 <a:spcPts val="0"/>
               </a:spcBef>
@@ -5646,9 +5692,6 @@
               </a:spcAft>
               <a:buNone/>
             </a:pPr>
-            <a:r>
-              <a:t/>
-            </a:r>
             <a:endParaRPr/>
           </a:p>
         </p:txBody>
@@ -5668,21 +5711,23 @@
             <a:avLst/>
           </a:prstGeom>
           <a:noFill/>
-          <a:ln cap="flat" cmpd="sng" w="19050">
+          <a:ln w="19050" cap="flat" cmpd="sng">
             <a:solidFill>
               <a:schemeClr val="lt1"/>
             </a:solidFill>
             <a:prstDash val="solid"/>
             <a:round/>
-            <a:headEnd len="sm" w="sm" type="none"/>
-            <a:tailEnd len="sm" w="sm" type="none"/>
+            <a:headEnd type="none" w="sm" len="sm"/>
+            <a:tailEnd type="none" w="sm" len="sm"/>
           </a:ln>
         </p:spPr>
       </p:cxnSp>
       <p:sp>
         <p:nvSpPr>
           <p:cNvPr id="62" name="Google Shape;62;p9"/>
-          <p:cNvSpPr txBox="1"/>
+          <p:cNvSpPr txBox="1">
+            <a:spLocks noGrp="1"/>
+          </p:cNvSpPr>
           <p:nvPr>
             <p:ph type="title"/>
           </p:nvPr>
@@ -5697,7 +5742,7 @@
           </a:prstGeom>
         </p:spPr>
         <p:txBody>
-          <a:bodyPr anchorCtr="0" anchor="b" bIns="91425" lIns="91425" spcFirstLastPara="1" rIns="91425" wrap="square" tIns="91425">
+          <a:bodyPr spcFirstLastPara="1" wrap="square" lIns="91425" tIns="91425" rIns="91425" bIns="91425" anchor="b" anchorCtr="0">
             <a:noAutofit/>
           </a:bodyPr>
           <a:lstStyle>
@@ -5801,15 +5846,19 @@
               <a:defRPr sz="4200"/>
             </a:lvl9pPr>
           </a:lstStyle>
-          <a:p/>
+          <a:p>
+            <a:endParaRPr/>
+          </a:p>
         </p:txBody>
       </p:sp>
       <p:sp>
         <p:nvSpPr>
           <p:cNvPr id="63" name="Google Shape;63;p9"/>
-          <p:cNvSpPr txBox="1"/>
+          <p:cNvSpPr txBox="1">
+            <a:spLocks noGrp="1"/>
+          </p:cNvSpPr>
           <p:nvPr>
-            <p:ph idx="1" type="subTitle"/>
+            <p:ph type="subTitle" idx="1"/>
           </p:nvPr>
         </p:nvSpPr>
         <p:spPr>
@@ -5822,7 +5871,7 @@
           </a:prstGeom>
         </p:spPr>
         <p:txBody>
-          <a:bodyPr anchorCtr="0" anchor="t" bIns="91425" lIns="91425" spcFirstLastPara="1" rIns="91425" wrap="square" tIns="91425">
+          <a:bodyPr spcFirstLastPara="1" wrap="square" lIns="91425" tIns="91425" rIns="91425" bIns="91425" anchor="t" anchorCtr="0">
             <a:noAutofit/>
           </a:bodyPr>
           <a:lstStyle>
@@ -5953,15 +6002,19 @@
               <a:defRPr sz="2100"/>
             </a:lvl9pPr>
           </a:lstStyle>
-          <a:p/>
+          <a:p>
+            <a:endParaRPr/>
+          </a:p>
         </p:txBody>
       </p:sp>
       <p:sp>
         <p:nvSpPr>
           <p:cNvPr id="64" name="Google Shape;64;p9"/>
-          <p:cNvSpPr txBox="1"/>
+          <p:cNvSpPr txBox="1">
+            <a:spLocks noGrp="1"/>
+          </p:cNvSpPr>
           <p:nvPr>
-            <p:ph idx="2" type="body"/>
+            <p:ph type="body" idx="2"/>
           </p:nvPr>
         </p:nvSpPr>
         <p:spPr>
@@ -5974,11 +6027,11 @@
           </a:prstGeom>
         </p:spPr>
         <p:txBody>
-          <a:bodyPr anchorCtr="0" anchor="ctr" bIns="91425" lIns="91425" spcFirstLastPara="1" rIns="91425" wrap="square" tIns="91425">
+          <a:bodyPr spcFirstLastPara="1" wrap="square" lIns="91425" tIns="91425" rIns="91425" bIns="91425" anchor="ctr" anchorCtr="0">
             <a:noAutofit/>
           </a:bodyPr>
           <a:lstStyle>
-            <a:lvl1pPr indent="-342900" lvl="0" marL="457200">
+            <a:lvl1pPr marL="457200" lvl="0" indent="-342900">
               <a:spcBef>
                 <a:spcPts val="0"/>
               </a:spcBef>
@@ -5996,7 +6049,7 @@
                 </a:solidFill>
               </a:defRPr>
             </a:lvl1pPr>
-            <a:lvl2pPr indent="-317500" lvl="1" marL="914400">
+            <a:lvl2pPr marL="914400" lvl="1" indent="-317500">
               <a:spcBef>
                 <a:spcPts val="1600"/>
               </a:spcBef>
@@ -6014,7 +6067,7 @@
                 </a:solidFill>
               </a:defRPr>
             </a:lvl2pPr>
-            <a:lvl3pPr indent="-317500" lvl="2" marL="1371600">
+            <a:lvl3pPr marL="1371600" lvl="2" indent="-317500">
               <a:spcBef>
                 <a:spcPts val="1600"/>
               </a:spcBef>
@@ -6032,7 +6085,7 @@
                 </a:solidFill>
               </a:defRPr>
             </a:lvl3pPr>
-            <a:lvl4pPr indent="-317500" lvl="3" marL="1828800">
+            <a:lvl4pPr marL="1828800" lvl="3" indent="-317500">
               <a:spcBef>
                 <a:spcPts val="1600"/>
               </a:spcBef>
@@ -6050,7 +6103,7 @@
                 </a:solidFill>
               </a:defRPr>
             </a:lvl4pPr>
-            <a:lvl5pPr indent="-317500" lvl="4" marL="2286000">
+            <a:lvl5pPr marL="2286000" lvl="4" indent="-317500">
               <a:spcBef>
                 <a:spcPts val="1600"/>
               </a:spcBef>
@@ -6068,7 +6121,7 @@
                 </a:solidFill>
               </a:defRPr>
             </a:lvl5pPr>
-            <a:lvl6pPr indent="-317500" lvl="5" marL="2743200">
+            <a:lvl6pPr marL="2743200" lvl="5" indent="-317500">
               <a:spcBef>
                 <a:spcPts val="1600"/>
               </a:spcBef>
@@ -6086,7 +6139,7 @@
                 </a:solidFill>
               </a:defRPr>
             </a:lvl6pPr>
-            <a:lvl7pPr indent="-317500" lvl="6" marL="3200400">
+            <a:lvl7pPr marL="3200400" lvl="6" indent="-317500">
               <a:spcBef>
                 <a:spcPts val="1600"/>
               </a:spcBef>
@@ -6104,7 +6157,7 @@
                 </a:solidFill>
               </a:defRPr>
             </a:lvl7pPr>
-            <a:lvl8pPr indent="-317500" lvl="7" marL="3657600">
+            <a:lvl8pPr marL="3657600" lvl="7" indent="-317500">
               <a:spcBef>
                 <a:spcPts val="1600"/>
               </a:spcBef>
@@ -6122,7 +6175,7 @@
                 </a:solidFill>
               </a:defRPr>
             </a:lvl8pPr>
-            <a:lvl9pPr indent="-317500" lvl="8" marL="4114800">
+            <a:lvl9pPr marL="4114800" lvl="8" indent="-317500">
               <a:spcBef>
                 <a:spcPts val="1600"/>
               </a:spcBef>
@@ -6141,15 +6194,19 @@
               </a:defRPr>
             </a:lvl9pPr>
           </a:lstStyle>
-          <a:p/>
+          <a:p>
+            <a:endParaRPr/>
+          </a:p>
         </p:txBody>
       </p:sp>
       <p:sp>
         <p:nvSpPr>
           <p:cNvPr id="65" name="Google Shape;65;p9"/>
-          <p:cNvSpPr txBox="1"/>
+          <p:cNvSpPr txBox="1">
+            <a:spLocks noGrp="1"/>
+          </p:cNvSpPr>
           <p:nvPr>
-            <p:ph idx="12" type="sldNum"/>
+            <p:ph type="sldNum" idx="12"/>
           </p:nvPr>
         </p:nvSpPr>
         <p:spPr>
@@ -6162,7 +6219,7 @@
           </a:prstGeom>
         </p:spPr>
         <p:txBody>
-          <a:bodyPr anchorCtr="0" anchor="ctr" bIns="91425" lIns="91425" spcFirstLastPara="1" rIns="91425" wrap="square" tIns="91425">
+          <a:bodyPr spcFirstLastPara="1" wrap="square" lIns="91425" tIns="91425" rIns="91425" bIns="91425" anchor="ctr" anchorCtr="0">
             <a:noAutofit/>
           </a:bodyPr>
           <a:lstStyle>
@@ -6204,7 +6261,7 @@
             </a:lvl9pPr>
           </a:lstStyle>
           <a:p>
-            <a:pPr indent="0" lvl="0" marL="0" rtl="0" algn="r">
+            <a:pPr marL="0" lvl="0" indent="0" algn="r" rtl="0">
               <a:spcBef>
                 <a:spcPts val="0"/>
               </a:spcBef>
@@ -6230,11 +6287,11 @@
 </file>
 
 <file path=ppt/slideLayouts/slideLayout9.xml><?xml version="1.0" encoding="utf-8"?>
-<p:sldLayout xmlns:a="http://schemas.openxmlformats.org/drawingml/2006/main" xmlns:r="http://schemas.openxmlformats.org/officeDocument/2006/relationships" xmlns:mc="http://schemas.openxmlformats.org/markup-compatibility/2006" xmlns:mv="urn:schemas-microsoft-com:mac:vml" xmlns:p="http://schemas.openxmlformats.org/presentationml/2006/main" xmlns:c="http://schemas.openxmlformats.org/drawingml/2006/chart" xmlns:dgm="http://schemas.openxmlformats.org/drawingml/2006/diagram" xmlns:o="urn:schemas-microsoft-com:office:office" xmlns:v="urn:schemas-microsoft-com:vml" xmlns:pvml="urn:schemas-microsoft-com:office:powerpoint" xmlns:com="http://schemas.openxmlformats.org/drawingml/2006/compatibility" xmlns:p14="http://schemas.microsoft.com/office/powerpoint/2010/main" xmlns:p15="http://schemas.microsoft.com/office/powerpoint/2012/main" xmlns:ahyp="http://schemas.microsoft.com/office/drawing/2018/hyperlinkcolor" matchingName="Caption">
+<p:sldLayout xmlns:a="http://schemas.openxmlformats.org/drawingml/2006/main" xmlns:r="http://schemas.openxmlformats.org/officeDocument/2006/relationships" xmlns:p="http://schemas.openxmlformats.org/presentationml/2006/main" matchingName="Caption">
   <p:cSld name="CAPTION_ONLY">
     <p:spTree>
       <p:nvGrpSpPr>
-        <p:cNvPr id="66" name="Shape 66"/>
+        <p:cNvPr id="1" name="Shape 66"/>
         <p:cNvGrpSpPr/>
         <p:nvPr/>
       </p:nvGrpSpPr>
@@ -6249,9 +6306,11 @@
       <p:sp>
         <p:nvSpPr>
           <p:cNvPr id="67" name="Google Shape;67;p10"/>
-          <p:cNvSpPr txBox="1"/>
+          <p:cNvSpPr txBox="1">
+            <a:spLocks noGrp="1"/>
+          </p:cNvSpPr>
           <p:nvPr>
-            <p:ph idx="1" type="body"/>
+            <p:ph type="body" idx="1"/>
           </p:nvPr>
         </p:nvSpPr>
         <p:spPr>
@@ -6264,11 +6323,11 @@
           </a:prstGeom>
         </p:spPr>
         <p:txBody>
-          <a:bodyPr anchorCtr="0" anchor="ctr" bIns="91425" lIns="91425" spcFirstLastPara="1" rIns="91425" wrap="square" tIns="91425">
+          <a:bodyPr spcFirstLastPara="1" wrap="square" lIns="91425" tIns="91425" rIns="91425" bIns="91425" anchor="ctr" anchorCtr="0">
             <a:noAutofit/>
           </a:bodyPr>
           <a:lstStyle>
-            <a:lvl1pPr indent="-228600" lvl="0" marL="457200">
+            <a:lvl1pPr marL="457200" lvl="0" indent="-228600">
               <a:lnSpc>
                 <a:spcPct val="100000"/>
               </a:lnSpc>
@@ -6283,15 +6342,19 @@
               <a:defRPr/>
             </a:lvl1pPr>
           </a:lstStyle>
-          <a:p/>
+          <a:p>
+            <a:endParaRPr/>
+          </a:p>
         </p:txBody>
       </p:sp>
       <p:sp>
         <p:nvSpPr>
           <p:cNvPr id="68" name="Google Shape;68;p10"/>
-          <p:cNvSpPr txBox="1"/>
+          <p:cNvSpPr txBox="1">
+            <a:spLocks noGrp="1"/>
+          </p:cNvSpPr>
           <p:nvPr>
-            <p:ph idx="12" type="sldNum"/>
+            <p:ph type="sldNum" idx="12"/>
           </p:nvPr>
         </p:nvSpPr>
         <p:spPr>
@@ -6304,7 +6367,7 @@
           </a:prstGeom>
         </p:spPr>
         <p:txBody>
-          <a:bodyPr anchorCtr="0" anchor="ctr" bIns="91425" lIns="91425" spcFirstLastPara="1" rIns="91425" wrap="square" tIns="91425">
+          <a:bodyPr spcFirstLastPara="1" wrap="square" lIns="91425" tIns="91425" rIns="91425" bIns="91425" anchor="ctr" anchorCtr="0">
             <a:noAutofit/>
           </a:bodyPr>
           <a:lstStyle>
@@ -6382,7 +6445,7 @@
             </a:lvl9pPr>
           </a:lstStyle>
           <a:p>
-            <a:pPr indent="0" lvl="0" marL="0" rtl="0" algn="r">
+            <a:pPr marL="0" lvl="0" indent="0" algn="r" rtl="0">
               <a:spcBef>
                 <a:spcPts val="0"/>
               </a:spcBef>
@@ -6408,18 +6471,19 @@
 </file>
 
 <file path=ppt/slideMasters/slideMaster1.xml><?xml version="1.0" encoding="utf-8"?>
-<p:sldMaster xmlns:a="http://schemas.openxmlformats.org/drawingml/2006/main" xmlns:r="http://schemas.openxmlformats.org/officeDocument/2006/relationships" xmlns:mc="http://schemas.openxmlformats.org/markup-compatibility/2006" xmlns:mv="urn:schemas-microsoft-com:mac:vml" xmlns:p="http://schemas.openxmlformats.org/presentationml/2006/main" xmlns:c="http://schemas.openxmlformats.org/drawingml/2006/chart" xmlns:dgm="http://schemas.openxmlformats.org/drawingml/2006/diagram" xmlns:o="urn:schemas-microsoft-com:office:office" xmlns:v="urn:schemas-microsoft-com:vml" xmlns:pvml="urn:schemas-microsoft-com:office:powerpoint" xmlns:com="http://schemas.openxmlformats.org/drawingml/2006/compatibility" xmlns:p14="http://schemas.microsoft.com/office/powerpoint/2010/main" xmlns:p15="http://schemas.microsoft.com/office/powerpoint/2012/main" xmlns:ahyp="http://schemas.microsoft.com/office/drawing/2018/hyperlinkcolor">
+<p:sldMaster xmlns:a="http://schemas.openxmlformats.org/drawingml/2006/main" xmlns:r="http://schemas.openxmlformats.org/officeDocument/2006/relationships" xmlns:p="http://schemas.openxmlformats.org/presentationml/2006/main">
   <p:cSld name="geometric">
     <p:bg>
       <p:bgPr>
         <a:solidFill>
           <a:schemeClr val="lt1"/>
         </a:solidFill>
+        <a:effectLst/>
       </p:bgPr>
     </p:bg>
     <p:spTree>
       <p:nvGrpSpPr>
-        <p:cNvPr id="5" name="Shape 5"/>
+        <p:cNvPr id="1" name="Shape 5"/>
         <p:cNvGrpSpPr/>
         <p:nvPr/>
       </p:nvGrpSpPr>
@@ -6434,7 +6498,9 @@
       <p:sp>
         <p:nvSpPr>
           <p:cNvPr id="6" name="Google Shape;6;p1"/>
-          <p:cNvSpPr txBox="1"/>
+          <p:cNvSpPr txBox="1">
+            <a:spLocks noGrp="1"/>
+          </p:cNvSpPr>
           <p:nvPr>
             <p:ph type="title"/>
           </p:nvPr>
@@ -6453,7 +6519,7 @@
           </a:ln>
         </p:spPr>
         <p:txBody>
-          <a:bodyPr anchorCtr="0" anchor="t" bIns="91425" lIns="91425" spcFirstLastPara="1" rIns="91425" wrap="square" tIns="91425">
+          <a:bodyPr spcFirstLastPara="1" wrap="square" lIns="91425" tIns="91425" rIns="91425" bIns="91425" anchor="t" anchorCtr="0">
             <a:noAutofit/>
           </a:bodyPr>
           <a:lstStyle>
@@ -6665,15 +6731,19 @@
               </a:defRPr>
             </a:lvl9pPr>
           </a:lstStyle>
-          <a:p/>
+          <a:p>
+            <a:endParaRPr/>
+          </a:p>
         </p:txBody>
       </p:sp>
       <p:sp>
         <p:nvSpPr>
           <p:cNvPr id="7" name="Google Shape;7;p1"/>
-          <p:cNvSpPr txBox="1"/>
+          <p:cNvSpPr txBox="1">
+            <a:spLocks noGrp="1"/>
+          </p:cNvSpPr>
           <p:nvPr>
-            <p:ph idx="1" type="body"/>
+            <p:ph type="body" idx="1"/>
           </p:nvPr>
         </p:nvSpPr>
         <p:spPr>
@@ -6690,11 +6760,11 @@
           </a:ln>
         </p:spPr>
         <p:txBody>
-          <a:bodyPr anchorCtr="0" anchor="t" bIns="91425" lIns="91425" spcFirstLastPara="1" rIns="91425" wrap="square" tIns="91425">
+          <a:bodyPr spcFirstLastPara="1" wrap="square" lIns="91425" tIns="91425" rIns="91425" bIns="91425" anchor="t" anchorCtr="0">
             <a:noAutofit/>
           </a:bodyPr>
           <a:lstStyle>
-            <a:lvl1pPr indent="-342900" lvl="0" marL="457200">
+            <a:lvl1pPr marL="457200" lvl="0" indent="-342900">
               <a:lnSpc>
                 <a:spcPct val="115000"/>
               </a:lnSpc>
@@ -6720,7 +6790,7 @@
                 <a:sym typeface="Roboto"/>
               </a:defRPr>
             </a:lvl1pPr>
-            <a:lvl2pPr indent="-317500" lvl="1" marL="914400">
+            <a:lvl2pPr marL="914400" lvl="1" indent="-317500">
               <a:lnSpc>
                 <a:spcPct val="115000"/>
               </a:lnSpc>
@@ -6746,7 +6816,7 @@
                 <a:sym typeface="Roboto"/>
               </a:defRPr>
             </a:lvl2pPr>
-            <a:lvl3pPr indent="-317500" lvl="2" marL="1371600">
+            <a:lvl3pPr marL="1371600" lvl="2" indent="-317500">
               <a:lnSpc>
                 <a:spcPct val="115000"/>
               </a:lnSpc>
@@ -6772,7 +6842,7 @@
                 <a:sym typeface="Roboto"/>
               </a:defRPr>
             </a:lvl3pPr>
-            <a:lvl4pPr indent="-317500" lvl="3" marL="1828800">
+            <a:lvl4pPr marL="1828800" lvl="3" indent="-317500">
               <a:lnSpc>
                 <a:spcPct val="115000"/>
               </a:lnSpc>
@@ -6798,7 +6868,7 @@
                 <a:sym typeface="Roboto"/>
               </a:defRPr>
             </a:lvl4pPr>
-            <a:lvl5pPr indent="-317500" lvl="4" marL="2286000">
+            <a:lvl5pPr marL="2286000" lvl="4" indent="-317500">
               <a:lnSpc>
                 <a:spcPct val="115000"/>
               </a:lnSpc>
@@ -6824,7 +6894,7 @@
                 <a:sym typeface="Roboto"/>
               </a:defRPr>
             </a:lvl5pPr>
-            <a:lvl6pPr indent="-317500" lvl="5" marL="2743200">
+            <a:lvl6pPr marL="2743200" lvl="5" indent="-317500">
               <a:lnSpc>
                 <a:spcPct val="115000"/>
               </a:lnSpc>
@@ -6850,7 +6920,7 @@
                 <a:sym typeface="Roboto"/>
               </a:defRPr>
             </a:lvl6pPr>
-            <a:lvl7pPr indent="-317500" lvl="6" marL="3200400">
+            <a:lvl7pPr marL="3200400" lvl="6" indent="-317500">
               <a:lnSpc>
                 <a:spcPct val="115000"/>
               </a:lnSpc>
@@ -6876,7 +6946,7 @@
                 <a:sym typeface="Roboto"/>
               </a:defRPr>
             </a:lvl7pPr>
-            <a:lvl8pPr indent="-317500" lvl="7" marL="3657600">
+            <a:lvl8pPr marL="3657600" lvl="7" indent="-317500">
               <a:lnSpc>
                 <a:spcPct val="115000"/>
               </a:lnSpc>
@@ -6902,7 +6972,7 @@
                 <a:sym typeface="Roboto"/>
               </a:defRPr>
             </a:lvl8pPr>
-            <a:lvl9pPr indent="-317500" lvl="8" marL="4114800">
+            <a:lvl9pPr marL="4114800" lvl="8" indent="-317500">
               <a:lnSpc>
                 <a:spcPct val="115000"/>
               </a:lnSpc>
@@ -6929,15 +6999,19 @@
               </a:defRPr>
             </a:lvl9pPr>
           </a:lstStyle>
-          <a:p/>
+          <a:p>
+            <a:endParaRPr/>
+          </a:p>
         </p:txBody>
       </p:sp>
       <p:sp>
         <p:nvSpPr>
           <p:cNvPr id="8" name="Google Shape;8;p1"/>
-          <p:cNvSpPr txBox="1"/>
+          <p:cNvSpPr txBox="1">
+            <a:spLocks noGrp="1"/>
+          </p:cNvSpPr>
           <p:nvPr>
-            <p:ph idx="12" type="sldNum"/>
+            <p:ph type="sldNum" idx="12"/>
           </p:nvPr>
         </p:nvSpPr>
         <p:spPr>
@@ -6954,7 +7028,7 @@
           </a:ln>
         </p:spPr>
         <p:txBody>
-          <a:bodyPr anchorCtr="0" anchor="ctr" bIns="91425" lIns="91425" spcFirstLastPara="1" rIns="91425" wrap="square" tIns="91425">
+          <a:bodyPr spcFirstLastPara="1" wrap="square" lIns="91425" tIns="91425" rIns="91425" bIns="91425" anchor="ctr" anchorCtr="0">
             <a:noAutofit/>
           </a:bodyPr>
           <a:lstStyle>
@@ -7068,7 +7142,7 @@
             </a:lvl9pPr>
           </a:lstStyle>
           <a:p>
-            <a:pPr indent="0" lvl="0" marL="0" rtl="0" algn="r">
+            <a:pPr marL="0" lvl="0" indent="0" algn="r" rtl="0">
               <a:spcBef>
                 <a:spcPts val="0"/>
               </a:spcBef>
@@ -7087,7 +7161,7 @@
       </p:sp>
     </p:spTree>
   </p:cSld>
-  <p:clrMap accent1="accent1" accent2="accent2" accent3="accent3" accent4="accent4" accent5="accent5" accent6="accent6" bg1="lt1" bg2="dk2" tx1="dk1" tx2="lt2" folHlink="folHlink" hlink="hlink"/>
+  <p:clrMap bg1="lt1" tx1="dk1" bg2="dk2" tx2="lt2" accent1="accent1" accent2="accent2" accent3="accent3" accent4="accent4" accent5="accent5" accent6="accent6" hlink="hlink" folHlink="folHlink"/>
   <p:sldLayoutIdLst>
     <p:sldLayoutId id="2147483648" r:id="rId1"/>
     <p:sldLayoutId id="2147483649" r:id="rId2"/>
@@ -7101,10 +7175,10 @@
     <p:sldLayoutId id="2147483657" r:id="rId10"/>
     <p:sldLayoutId id="2147483658" r:id="rId11"/>
   </p:sldLayoutIdLst>
-  <p:hf dt="0" ftr="0" hdr="0" sldNum="0"/>
+  <p:hf sldNum="0" hdr="0" ftr="0" dt="0"/>
   <p:txStyles>
     <p:titleStyle>
-      <a:defPPr lvl="0" marR="0" rtl="0" algn="l">
+      <a:defPPr marR="0" lvl="0" algn="l" rtl="0">
         <a:lnSpc>
           <a:spcPct val="100000"/>
         </a:lnSpc>
@@ -7115,7 +7189,7 @@
           <a:spcPts val="0"/>
         </a:spcAft>
       </a:defPPr>
-      <a:lvl1pPr lvl="0" marR="0" rtl="0" algn="l">
+      <a:lvl1pPr marR="0" lvl="0" algn="l" rtl="0">
         <a:lnSpc>
           <a:spcPct val="100000"/>
         </a:lnSpc>
@@ -7129,7 +7203,7 @@
           <a:srgbClr val="000000"/>
         </a:buClr>
         <a:buFont typeface="Arial"/>
-        <a:defRPr b="0" i="0" sz="1400" u="none" cap="none" strike="noStrike">
+        <a:defRPr sz="1400" b="0" i="0" u="none" strike="noStrike" cap="none">
           <a:solidFill>
             <a:srgbClr val="000000"/>
           </a:solidFill>
@@ -7139,7 +7213,7 @@
           <a:sym typeface="Arial"/>
         </a:defRPr>
       </a:lvl1pPr>
-      <a:lvl2pPr lvl="1" marR="0" rtl="0" algn="l">
+      <a:lvl2pPr marR="0" lvl="1" algn="l" rtl="0">
         <a:lnSpc>
           <a:spcPct val="100000"/>
         </a:lnSpc>
@@ -7153,7 +7227,7 @@
           <a:srgbClr val="000000"/>
         </a:buClr>
         <a:buFont typeface="Arial"/>
-        <a:defRPr b="0" i="0" sz="1400" u="none" cap="none" strike="noStrike">
+        <a:defRPr sz="1400" b="0" i="0" u="none" strike="noStrike" cap="none">
           <a:solidFill>
             <a:srgbClr val="000000"/>
           </a:solidFill>
@@ -7163,7 +7237,7 @@
           <a:sym typeface="Arial"/>
         </a:defRPr>
       </a:lvl2pPr>
-      <a:lvl3pPr lvl="2" marR="0" rtl="0" algn="l">
+      <a:lvl3pPr marR="0" lvl="2" algn="l" rtl="0">
         <a:lnSpc>
           <a:spcPct val="100000"/>
         </a:lnSpc>
@@ -7177,7 +7251,7 @@
           <a:srgbClr val="000000"/>
         </a:buClr>
         <a:buFont typeface="Arial"/>
-        <a:defRPr b="0" i="0" sz="1400" u="none" cap="none" strike="noStrike">
+        <a:defRPr sz="1400" b="0" i="0" u="none" strike="noStrike" cap="none">
           <a:solidFill>
             <a:srgbClr val="000000"/>
           </a:solidFill>
@@ -7187,7 +7261,7 @@
           <a:sym typeface="Arial"/>
         </a:defRPr>
       </a:lvl3pPr>
-      <a:lvl4pPr lvl="3" marR="0" rtl="0" algn="l">
+      <a:lvl4pPr marR="0" lvl="3" algn="l" rtl="0">
         <a:lnSpc>
           <a:spcPct val="100000"/>
         </a:lnSpc>
@@ -7201,7 +7275,7 @@
           <a:srgbClr val="000000"/>
         </a:buClr>
         <a:buFont typeface="Arial"/>
-        <a:defRPr b="0" i="0" sz="1400" u="none" cap="none" strike="noStrike">
+        <a:defRPr sz="1400" b="0" i="0" u="none" strike="noStrike" cap="none">
           <a:solidFill>
             <a:srgbClr val="000000"/>
           </a:solidFill>
@@ -7211,7 +7285,7 @@
           <a:sym typeface="Arial"/>
         </a:defRPr>
       </a:lvl4pPr>
-      <a:lvl5pPr lvl="4" marR="0" rtl="0" algn="l">
+      <a:lvl5pPr marR="0" lvl="4" algn="l" rtl="0">
         <a:lnSpc>
           <a:spcPct val="100000"/>
         </a:lnSpc>
@@ -7225,7 +7299,7 @@
           <a:srgbClr val="000000"/>
         </a:buClr>
         <a:buFont typeface="Arial"/>
-        <a:defRPr b="0" i="0" sz="1400" u="none" cap="none" strike="noStrike">
+        <a:defRPr sz="1400" b="0" i="0" u="none" strike="noStrike" cap="none">
           <a:solidFill>
             <a:srgbClr val="000000"/>
           </a:solidFill>
@@ -7235,7 +7309,7 @@
           <a:sym typeface="Arial"/>
         </a:defRPr>
       </a:lvl5pPr>
-      <a:lvl6pPr lvl="5" marR="0" rtl="0" algn="l">
+      <a:lvl6pPr marR="0" lvl="5" algn="l" rtl="0">
         <a:lnSpc>
           <a:spcPct val="100000"/>
         </a:lnSpc>
@@ -7249,7 +7323,7 @@
           <a:srgbClr val="000000"/>
         </a:buClr>
         <a:buFont typeface="Arial"/>
-        <a:defRPr b="0" i="0" sz="1400" u="none" cap="none" strike="noStrike">
+        <a:defRPr sz="1400" b="0" i="0" u="none" strike="noStrike" cap="none">
           <a:solidFill>
             <a:srgbClr val="000000"/>
           </a:solidFill>
@@ -7259,7 +7333,7 @@
           <a:sym typeface="Arial"/>
         </a:defRPr>
       </a:lvl6pPr>
-      <a:lvl7pPr lvl="6" marR="0" rtl="0" algn="l">
+      <a:lvl7pPr marR="0" lvl="6" algn="l" rtl="0">
         <a:lnSpc>
           <a:spcPct val="100000"/>
         </a:lnSpc>
@@ -7273,7 +7347,7 @@
           <a:srgbClr val="000000"/>
         </a:buClr>
         <a:buFont typeface="Arial"/>
-        <a:defRPr b="0" i="0" sz="1400" u="none" cap="none" strike="noStrike">
+        <a:defRPr sz="1400" b="0" i="0" u="none" strike="noStrike" cap="none">
           <a:solidFill>
             <a:srgbClr val="000000"/>
           </a:solidFill>
@@ -7283,7 +7357,7 @@
           <a:sym typeface="Arial"/>
         </a:defRPr>
       </a:lvl7pPr>
-      <a:lvl8pPr lvl="7" marR="0" rtl="0" algn="l">
+      <a:lvl8pPr marR="0" lvl="7" algn="l" rtl="0">
         <a:lnSpc>
           <a:spcPct val="100000"/>
         </a:lnSpc>
@@ -7297,7 +7371,7 @@
           <a:srgbClr val="000000"/>
         </a:buClr>
         <a:buFont typeface="Arial"/>
-        <a:defRPr b="0" i="0" sz="1400" u="none" cap="none" strike="noStrike">
+        <a:defRPr sz="1400" b="0" i="0" u="none" strike="noStrike" cap="none">
           <a:solidFill>
             <a:srgbClr val="000000"/>
           </a:solidFill>
@@ -7307,7 +7381,7 @@
           <a:sym typeface="Arial"/>
         </a:defRPr>
       </a:lvl8pPr>
-      <a:lvl9pPr lvl="8" marR="0" rtl="0" algn="l">
+      <a:lvl9pPr marR="0" lvl="8" algn="l" rtl="0">
         <a:lnSpc>
           <a:spcPct val="100000"/>
         </a:lnSpc>
@@ -7321,7 +7395,7 @@
           <a:srgbClr val="000000"/>
         </a:buClr>
         <a:buFont typeface="Arial"/>
-        <a:defRPr b="0" i="0" sz="1400" u="none" cap="none" strike="noStrike">
+        <a:defRPr sz="1400" b="0" i="0" u="none" strike="noStrike" cap="none">
           <a:solidFill>
             <a:srgbClr val="000000"/>
           </a:solidFill>
@@ -7333,7 +7407,7 @@
       </a:lvl9pPr>
     </p:titleStyle>
     <p:bodyStyle>
-      <a:defPPr lvl="0" marR="0" rtl="0" algn="l">
+      <a:defPPr marR="0" lvl="0" algn="l" rtl="0">
         <a:lnSpc>
           <a:spcPct val="100000"/>
         </a:lnSpc>
@@ -7344,7 +7418,7 @@
           <a:spcPts val="0"/>
         </a:spcAft>
       </a:defPPr>
-      <a:lvl1pPr lvl="0" marR="0" rtl="0" algn="l">
+      <a:lvl1pPr marR="0" lvl="0" algn="l" rtl="0">
         <a:lnSpc>
           <a:spcPct val="100000"/>
         </a:lnSpc>
@@ -7358,7 +7432,7 @@
           <a:srgbClr val="000000"/>
         </a:buClr>
         <a:buFont typeface="Arial"/>
-        <a:defRPr b="0" i="0" sz="1400" u="none" cap="none" strike="noStrike">
+        <a:defRPr sz="1400" b="0" i="0" u="none" strike="noStrike" cap="none">
           <a:solidFill>
             <a:srgbClr val="000000"/>
           </a:solidFill>
@@ -7368,7 +7442,7 @@
           <a:sym typeface="Arial"/>
         </a:defRPr>
       </a:lvl1pPr>
-      <a:lvl2pPr lvl="1" marR="0" rtl="0" algn="l">
+      <a:lvl2pPr marR="0" lvl="1" algn="l" rtl="0">
         <a:lnSpc>
           <a:spcPct val="100000"/>
         </a:lnSpc>
@@ -7382,7 +7456,7 @@
           <a:srgbClr val="000000"/>
         </a:buClr>
         <a:buFont typeface="Arial"/>
-        <a:defRPr b="0" i="0" sz="1400" u="none" cap="none" strike="noStrike">
+        <a:defRPr sz="1400" b="0" i="0" u="none" strike="noStrike" cap="none">
           <a:solidFill>
             <a:srgbClr val="000000"/>
           </a:solidFill>
@@ -7392,7 +7466,7 @@
           <a:sym typeface="Arial"/>
         </a:defRPr>
       </a:lvl2pPr>
-      <a:lvl3pPr lvl="2" marR="0" rtl="0" algn="l">
+      <a:lvl3pPr marR="0" lvl="2" algn="l" rtl="0">
         <a:lnSpc>
           <a:spcPct val="100000"/>
         </a:lnSpc>
@@ -7406,7 +7480,7 @@
           <a:srgbClr val="000000"/>
         </a:buClr>
         <a:buFont typeface="Arial"/>
-        <a:defRPr b="0" i="0" sz="1400" u="none" cap="none" strike="noStrike">
+        <a:defRPr sz="1400" b="0" i="0" u="none" strike="noStrike" cap="none">
           <a:solidFill>
             <a:srgbClr val="000000"/>
           </a:solidFill>
@@ -7416,7 +7490,7 @@
           <a:sym typeface="Arial"/>
         </a:defRPr>
       </a:lvl3pPr>
-      <a:lvl4pPr lvl="3" marR="0" rtl="0" algn="l">
+      <a:lvl4pPr marR="0" lvl="3" algn="l" rtl="0">
         <a:lnSpc>
           <a:spcPct val="100000"/>
         </a:lnSpc>
@@ -7430,7 +7504,7 @@
           <a:srgbClr val="000000"/>
         </a:buClr>
         <a:buFont typeface="Arial"/>
-        <a:defRPr b="0" i="0" sz="1400" u="none" cap="none" strike="noStrike">
+        <a:defRPr sz="1400" b="0" i="0" u="none" strike="noStrike" cap="none">
           <a:solidFill>
             <a:srgbClr val="000000"/>
           </a:solidFill>
@@ -7440,7 +7514,7 @@
           <a:sym typeface="Arial"/>
         </a:defRPr>
       </a:lvl4pPr>
-      <a:lvl5pPr lvl="4" marR="0" rtl="0" algn="l">
+      <a:lvl5pPr marR="0" lvl="4" algn="l" rtl="0">
         <a:lnSpc>
           <a:spcPct val="100000"/>
         </a:lnSpc>
@@ -7454,7 +7528,7 @@
           <a:srgbClr val="000000"/>
         </a:buClr>
         <a:buFont typeface="Arial"/>
-        <a:defRPr b="0" i="0" sz="1400" u="none" cap="none" strike="noStrike">
+        <a:defRPr sz="1400" b="0" i="0" u="none" strike="noStrike" cap="none">
           <a:solidFill>
             <a:srgbClr val="000000"/>
           </a:solidFill>
@@ -7464,7 +7538,7 @@
           <a:sym typeface="Arial"/>
         </a:defRPr>
       </a:lvl5pPr>
-      <a:lvl6pPr lvl="5" marR="0" rtl="0" algn="l">
+      <a:lvl6pPr marR="0" lvl="5" algn="l" rtl="0">
         <a:lnSpc>
           <a:spcPct val="100000"/>
         </a:lnSpc>
@@ -7478,7 +7552,7 @@
           <a:srgbClr val="000000"/>
         </a:buClr>
         <a:buFont typeface="Arial"/>
-        <a:defRPr b="0" i="0" sz="1400" u="none" cap="none" strike="noStrike">
+        <a:defRPr sz="1400" b="0" i="0" u="none" strike="noStrike" cap="none">
           <a:solidFill>
             <a:srgbClr val="000000"/>
           </a:solidFill>
@@ -7488,7 +7562,7 @@
           <a:sym typeface="Arial"/>
         </a:defRPr>
       </a:lvl6pPr>
-      <a:lvl7pPr lvl="6" marR="0" rtl="0" algn="l">
+      <a:lvl7pPr marR="0" lvl="6" algn="l" rtl="0">
         <a:lnSpc>
           <a:spcPct val="100000"/>
         </a:lnSpc>
@@ -7502,7 +7576,7 @@
           <a:srgbClr val="000000"/>
         </a:buClr>
         <a:buFont typeface="Arial"/>
-        <a:defRPr b="0" i="0" sz="1400" u="none" cap="none" strike="noStrike">
+        <a:defRPr sz="1400" b="0" i="0" u="none" strike="noStrike" cap="none">
           <a:solidFill>
             <a:srgbClr val="000000"/>
           </a:solidFill>
@@ -7512,7 +7586,7 @@
           <a:sym typeface="Arial"/>
         </a:defRPr>
       </a:lvl7pPr>
-      <a:lvl8pPr lvl="7" marR="0" rtl="0" algn="l">
+      <a:lvl8pPr marR="0" lvl="7" algn="l" rtl="0">
         <a:lnSpc>
           <a:spcPct val="100000"/>
         </a:lnSpc>
@@ -7526,7 +7600,7 @@
           <a:srgbClr val="000000"/>
         </a:buClr>
         <a:buFont typeface="Arial"/>
-        <a:defRPr b="0" i="0" sz="1400" u="none" cap="none" strike="noStrike">
+        <a:defRPr sz="1400" b="0" i="0" u="none" strike="noStrike" cap="none">
           <a:solidFill>
             <a:srgbClr val="000000"/>
           </a:solidFill>
@@ -7536,7 +7610,7 @@
           <a:sym typeface="Arial"/>
         </a:defRPr>
       </a:lvl8pPr>
-      <a:lvl9pPr lvl="8" marR="0" rtl="0" algn="l">
+      <a:lvl9pPr marR="0" lvl="8" algn="l" rtl="0">
         <a:lnSpc>
           <a:spcPct val="100000"/>
         </a:lnSpc>
@@ -7550,7 +7624,7 @@
           <a:srgbClr val="000000"/>
         </a:buClr>
         <a:buFont typeface="Arial"/>
-        <a:defRPr b="0" i="0" sz="1400" u="none" cap="none" strike="noStrike">
+        <a:defRPr sz="1400" b="0" i="0" u="none" strike="noStrike" cap="none">
           <a:solidFill>
             <a:srgbClr val="000000"/>
           </a:solidFill>
@@ -7562,7 +7636,7 @@
       </a:lvl9pPr>
     </p:bodyStyle>
     <p:otherStyle>
-      <a:defPPr lvl="0" marR="0" rtl="0" algn="l">
+      <a:defPPr marR="0" lvl="0" algn="l" rtl="0">
         <a:lnSpc>
           <a:spcPct val="100000"/>
         </a:lnSpc>
@@ -7573,7 +7647,7 @@
           <a:spcPts val="0"/>
         </a:spcAft>
       </a:defPPr>
-      <a:lvl1pPr lvl="0" marR="0" rtl="0" algn="l">
+      <a:lvl1pPr marR="0" lvl="0" algn="l" rtl="0">
         <a:lnSpc>
           <a:spcPct val="100000"/>
         </a:lnSpc>
@@ -7587,7 +7661,7 @@
           <a:srgbClr val="000000"/>
         </a:buClr>
         <a:buFont typeface="Arial"/>
-        <a:defRPr b="0" i="0" sz="1400" u="none" cap="none" strike="noStrike">
+        <a:defRPr sz="1400" b="0" i="0" u="none" strike="noStrike" cap="none">
           <a:solidFill>
             <a:srgbClr val="000000"/>
           </a:solidFill>
@@ -7597,7 +7671,7 @@
           <a:sym typeface="Arial"/>
         </a:defRPr>
       </a:lvl1pPr>
-      <a:lvl2pPr lvl="1" marR="0" rtl="0" algn="l">
+      <a:lvl2pPr marR="0" lvl="1" algn="l" rtl="0">
         <a:lnSpc>
           <a:spcPct val="100000"/>
         </a:lnSpc>
@@ -7611,7 +7685,7 @@
           <a:srgbClr val="000000"/>
         </a:buClr>
         <a:buFont typeface="Arial"/>
-        <a:defRPr b="0" i="0" sz="1400" u="none" cap="none" strike="noStrike">
+        <a:defRPr sz="1400" b="0" i="0" u="none" strike="noStrike" cap="none">
           <a:solidFill>
             <a:srgbClr val="000000"/>
           </a:solidFill>
@@ -7621,7 +7695,7 @@
           <a:sym typeface="Arial"/>
         </a:defRPr>
       </a:lvl2pPr>
-      <a:lvl3pPr lvl="2" marR="0" rtl="0" algn="l">
+      <a:lvl3pPr marR="0" lvl="2" algn="l" rtl="0">
         <a:lnSpc>
           <a:spcPct val="100000"/>
         </a:lnSpc>
@@ -7635,7 +7709,7 @@
           <a:srgbClr val="000000"/>
         </a:buClr>
         <a:buFont typeface="Arial"/>
-        <a:defRPr b="0" i="0" sz="1400" u="none" cap="none" strike="noStrike">
+        <a:defRPr sz="1400" b="0" i="0" u="none" strike="noStrike" cap="none">
           <a:solidFill>
             <a:srgbClr val="000000"/>
           </a:solidFill>
@@ -7645,7 +7719,7 @@
           <a:sym typeface="Arial"/>
         </a:defRPr>
       </a:lvl3pPr>
-      <a:lvl4pPr lvl="3" marR="0" rtl="0" algn="l">
+      <a:lvl4pPr marR="0" lvl="3" algn="l" rtl="0">
         <a:lnSpc>
           <a:spcPct val="100000"/>
         </a:lnSpc>
@@ -7659,7 +7733,7 @@
           <a:srgbClr val="000000"/>
         </a:buClr>
         <a:buFont typeface="Arial"/>
-        <a:defRPr b="0" i="0" sz="1400" u="none" cap="none" strike="noStrike">
+        <a:defRPr sz="1400" b="0" i="0" u="none" strike="noStrike" cap="none">
           <a:solidFill>
             <a:srgbClr val="000000"/>
           </a:solidFill>
@@ -7669,7 +7743,7 @@
           <a:sym typeface="Arial"/>
         </a:defRPr>
       </a:lvl4pPr>
-      <a:lvl5pPr lvl="4" marR="0" rtl="0" algn="l">
+      <a:lvl5pPr marR="0" lvl="4" algn="l" rtl="0">
         <a:lnSpc>
           <a:spcPct val="100000"/>
         </a:lnSpc>
@@ -7683,7 +7757,7 @@
           <a:srgbClr val="000000"/>
         </a:buClr>
         <a:buFont typeface="Arial"/>
-        <a:defRPr b="0" i="0" sz="1400" u="none" cap="none" strike="noStrike">
+        <a:defRPr sz="1400" b="0" i="0" u="none" strike="noStrike" cap="none">
           <a:solidFill>
             <a:srgbClr val="000000"/>
           </a:solidFill>
@@ -7693,7 +7767,7 @@
           <a:sym typeface="Arial"/>
         </a:defRPr>
       </a:lvl5pPr>
-      <a:lvl6pPr lvl="5" marR="0" rtl="0" algn="l">
+      <a:lvl6pPr marR="0" lvl="5" algn="l" rtl="0">
         <a:lnSpc>
           <a:spcPct val="100000"/>
         </a:lnSpc>
@@ -7707,7 +7781,7 @@
           <a:srgbClr val="000000"/>
         </a:buClr>
         <a:buFont typeface="Arial"/>
-        <a:defRPr b="0" i="0" sz="1400" u="none" cap="none" strike="noStrike">
+        <a:defRPr sz="1400" b="0" i="0" u="none" strike="noStrike" cap="none">
           <a:solidFill>
             <a:srgbClr val="000000"/>
           </a:solidFill>
@@ -7717,7 +7791,7 @@
           <a:sym typeface="Arial"/>
         </a:defRPr>
       </a:lvl6pPr>
-      <a:lvl7pPr lvl="6" marR="0" rtl="0" algn="l">
+      <a:lvl7pPr marR="0" lvl="6" algn="l" rtl="0">
         <a:lnSpc>
           <a:spcPct val="100000"/>
         </a:lnSpc>
@@ -7731,7 +7805,7 @@
           <a:srgbClr val="000000"/>
         </a:buClr>
         <a:buFont typeface="Arial"/>
-        <a:defRPr b="0" i="0" sz="1400" u="none" cap="none" strike="noStrike">
+        <a:defRPr sz="1400" b="0" i="0" u="none" strike="noStrike" cap="none">
           <a:solidFill>
             <a:srgbClr val="000000"/>
           </a:solidFill>
@@ -7741,7 +7815,7 @@
           <a:sym typeface="Arial"/>
         </a:defRPr>
       </a:lvl7pPr>
-      <a:lvl8pPr lvl="7" marR="0" rtl="0" algn="l">
+      <a:lvl8pPr marR="0" lvl="7" algn="l" rtl="0">
         <a:lnSpc>
           <a:spcPct val="100000"/>
         </a:lnSpc>
@@ -7755,7 +7829,7 @@
           <a:srgbClr val="000000"/>
         </a:buClr>
         <a:buFont typeface="Arial"/>
-        <a:defRPr b="0" i="0" sz="1400" u="none" cap="none" strike="noStrike">
+        <a:defRPr sz="1400" b="0" i="0" u="none" strike="noStrike" cap="none">
           <a:solidFill>
             <a:srgbClr val="000000"/>
           </a:solidFill>
@@ -7765,7 +7839,7 @@
           <a:sym typeface="Arial"/>
         </a:defRPr>
       </a:lvl8pPr>
-      <a:lvl9pPr lvl="8" marR="0" rtl="0" algn="l">
+      <a:lvl9pPr marR="0" lvl="8" algn="l" rtl="0">
         <a:lnSpc>
           <a:spcPct val="100000"/>
         </a:lnSpc>
@@ -7779,7 +7853,7 @@
           <a:srgbClr val="000000"/>
         </a:buClr>
         <a:buFont typeface="Arial"/>
-        <a:defRPr b="0" i="0" sz="1400" u="none" cap="none" strike="noStrike">
+        <a:defRPr sz="1400" b="0" i="0" u="none" strike="noStrike" cap="none">
           <a:solidFill>
             <a:srgbClr val="000000"/>
           </a:solidFill>
@@ -7795,11 +7869,11 @@
 </file>
 
 <file path=ppt/slides/slide1.xml><?xml version="1.0" encoding="utf-8"?>
-<p:sld xmlns:a="http://schemas.openxmlformats.org/drawingml/2006/main" xmlns:r="http://schemas.openxmlformats.org/officeDocument/2006/relationships" xmlns:mc="http://schemas.openxmlformats.org/markup-compatibility/2006" xmlns:mv="urn:schemas-microsoft-com:mac:vml" xmlns:p="http://schemas.openxmlformats.org/presentationml/2006/main" xmlns:c="http://schemas.openxmlformats.org/drawingml/2006/chart" xmlns:dgm="http://schemas.openxmlformats.org/drawingml/2006/diagram" xmlns:o="urn:schemas-microsoft-com:office:office" xmlns:v="urn:schemas-microsoft-com:vml" xmlns:pvml="urn:schemas-microsoft-com:office:powerpoint" xmlns:com="http://schemas.openxmlformats.org/drawingml/2006/compatibility" xmlns:p14="http://schemas.microsoft.com/office/powerpoint/2010/main" xmlns:p15="http://schemas.microsoft.com/office/powerpoint/2012/main" xmlns:ahyp="http://schemas.microsoft.com/office/drawing/2018/hyperlinkcolor">
+<p:sld xmlns:a="http://schemas.openxmlformats.org/drawingml/2006/main" xmlns:r="http://schemas.openxmlformats.org/officeDocument/2006/relationships" xmlns:p="http://schemas.openxmlformats.org/presentationml/2006/main">
   <p:cSld>
     <p:spTree>
       <p:nvGrpSpPr>
-        <p:cNvPr id="84" name="Shape 84"/>
+        <p:cNvPr id="1" name="Shape 84"/>
         <p:cNvGrpSpPr/>
         <p:nvPr/>
       </p:nvGrpSpPr>
@@ -7814,7 +7888,9 @@
       <p:sp>
         <p:nvSpPr>
           <p:cNvPr id="85" name="Google Shape;85;p13"/>
-          <p:cNvSpPr txBox="1"/>
+          <p:cNvSpPr txBox="1">
+            <a:spLocks noGrp="1"/>
+          </p:cNvSpPr>
           <p:nvPr>
             <p:ph type="ctrTitle"/>
           </p:nvPr>
@@ -7829,12 +7905,12 @@
           </a:prstGeom>
         </p:spPr>
         <p:txBody>
-          <a:bodyPr anchorCtr="0" anchor="b" bIns="91425" lIns="91425" spcFirstLastPara="1" rIns="91425" wrap="square" tIns="91425">
+          <a:bodyPr spcFirstLastPara="1" wrap="square" lIns="91425" tIns="91425" rIns="91425" bIns="91425" anchor="b" anchorCtr="0">
             <a:noAutofit/>
           </a:bodyPr>
           <a:lstStyle/>
           <a:p>
-            <a:pPr indent="0" lvl="0" marL="0" rtl="0" algn="l">
+            <a:pPr marL="0" lvl="0" indent="0" algn="l" rtl="0">
               <a:spcBef>
                 <a:spcPts val="0"/>
               </a:spcBef>
@@ -7854,9 +7930,11 @@
       <p:sp>
         <p:nvSpPr>
           <p:cNvPr id="86" name="Google Shape;86;p13"/>
-          <p:cNvSpPr txBox="1"/>
+          <p:cNvSpPr txBox="1">
+            <a:spLocks noGrp="1"/>
+          </p:cNvSpPr>
           <p:nvPr>
-            <p:ph idx="1" type="subTitle"/>
+            <p:ph type="subTitle" idx="1"/>
           </p:nvPr>
         </p:nvSpPr>
         <p:spPr>
@@ -7869,12 +7947,12 @@
           </a:prstGeom>
         </p:spPr>
         <p:txBody>
-          <a:bodyPr anchorCtr="0" anchor="t" bIns="91425" lIns="91425" spcFirstLastPara="1" rIns="91425" wrap="square" tIns="91425">
+          <a:bodyPr spcFirstLastPara="1" wrap="square" lIns="91425" tIns="91425" rIns="91425" bIns="91425" anchor="t" anchorCtr="0">
             <a:noAutofit/>
           </a:bodyPr>
           <a:lstStyle/>
           <a:p>
-            <a:pPr indent="0" lvl="0" marL="0" rtl="0" algn="l">
+            <a:pPr marL="0" lvl="0" indent="0" algn="l" rtl="0">
               <a:spcBef>
                 <a:spcPts val="0"/>
               </a:spcBef>
@@ -7890,7 +7968,7 @@
             <a:endParaRPr/>
           </a:p>
           <a:p>
-            <a:pPr indent="0" lvl="0" marL="0" rtl="0" algn="l">
+            <a:pPr marL="0" lvl="0" indent="0" algn="l" rtl="0">
               <a:spcBef>
                 <a:spcPts val="0"/>
               </a:spcBef>
@@ -7916,11 +7994,11 @@
 </file>
 
 <file path=ppt/slides/slide2.xml><?xml version="1.0" encoding="utf-8"?>
-<p:sld xmlns:a="http://schemas.openxmlformats.org/drawingml/2006/main" xmlns:r="http://schemas.openxmlformats.org/officeDocument/2006/relationships" xmlns:mc="http://schemas.openxmlformats.org/markup-compatibility/2006" xmlns:mv="urn:schemas-microsoft-com:mac:vml" xmlns:p="http://schemas.openxmlformats.org/presentationml/2006/main" xmlns:c="http://schemas.openxmlformats.org/drawingml/2006/chart" xmlns:dgm="http://schemas.openxmlformats.org/drawingml/2006/diagram" xmlns:o="urn:schemas-microsoft-com:office:office" xmlns:v="urn:schemas-microsoft-com:vml" xmlns:pvml="urn:schemas-microsoft-com:office:powerpoint" xmlns:com="http://schemas.openxmlformats.org/drawingml/2006/compatibility" xmlns:p14="http://schemas.microsoft.com/office/powerpoint/2010/main" xmlns:p15="http://schemas.microsoft.com/office/powerpoint/2012/main" xmlns:ahyp="http://schemas.microsoft.com/office/drawing/2018/hyperlinkcolor">
+<p:sld xmlns:a="http://schemas.openxmlformats.org/drawingml/2006/main" xmlns:r="http://schemas.openxmlformats.org/officeDocument/2006/relationships" xmlns:p="http://schemas.openxmlformats.org/presentationml/2006/main">
   <p:cSld>
     <p:spTree>
       <p:nvGrpSpPr>
-        <p:cNvPr id="90" name="Shape 90"/>
+        <p:cNvPr id="1" name="Shape 90"/>
         <p:cNvGrpSpPr/>
         <p:nvPr/>
       </p:nvGrpSpPr>
@@ -7947,23 +8025,23 @@
             <a:avLst/>
           </a:prstGeom>
           <a:noFill/>
-          <a:ln cap="flat" cmpd="sng" w="9525">
+          <a:ln w="9525" cap="flat" cmpd="sng">
             <a:solidFill>
               <a:schemeClr val="dk1"/>
             </a:solidFill>
             <a:prstDash val="solid"/>
             <a:round/>
-            <a:headEnd len="sm" w="sm" type="none"/>
-            <a:tailEnd len="sm" w="sm" type="none"/>
+            <a:headEnd type="none" w="sm" len="sm"/>
+            <a:tailEnd type="none" w="sm" len="sm"/>
           </a:ln>
         </p:spPr>
         <p:txBody>
-          <a:bodyPr anchorCtr="0" anchor="ctr" bIns="91425" lIns="91425" spcFirstLastPara="1" rIns="91425" wrap="square" tIns="91425">
+          <a:bodyPr spcFirstLastPara="1" wrap="square" lIns="91425" tIns="91425" rIns="91425" bIns="91425" anchor="ctr" anchorCtr="0">
             <a:noAutofit/>
           </a:bodyPr>
           <a:lstStyle/>
           <a:p>
-            <a:pPr indent="0" lvl="0" marL="0" rtl="0" algn="l">
+            <a:pPr marL="0" lvl="0" indent="0" algn="l" rtl="0">
               <a:spcBef>
                 <a:spcPts val="0"/>
               </a:spcBef>
@@ -7972,9 +8050,6 @@
               </a:spcAft>
               <a:buNone/>
             </a:pPr>
-            <a:r>
-              <a:t/>
-            </a:r>
             <a:endParaRPr/>
           </a:p>
         </p:txBody>
@@ -8001,12 +8076,12 @@
           </a:ln>
         </p:spPr>
         <p:txBody>
-          <a:bodyPr anchorCtr="0" anchor="ctr" bIns="91425" lIns="91425" spcFirstLastPara="1" rIns="91425" wrap="square" tIns="91425">
+          <a:bodyPr spcFirstLastPara="1" wrap="square" lIns="91425" tIns="91425" rIns="91425" bIns="91425" anchor="ctr" anchorCtr="0">
             <a:noAutofit/>
           </a:bodyPr>
           <a:lstStyle/>
           <a:p>
-            <a:pPr indent="0" lvl="0" marL="0" rtl="0" algn="l">
+            <a:pPr marL="0" lvl="0" indent="0" algn="l" rtl="0">
               <a:spcBef>
                 <a:spcPts val="0"/>
               </a:spcBef>
@@ -8015,9 +8090,6 @@
               </a:spcAft>
               <a:buNone/>
             </a:pPr>
-            <a:r>
-              <a:t/>
-            </a:r>
             <a:endParaRPr/>
           </a:p>
         </p:txBody>
@@ -8025,9 +8097,11 @@
       <p:sp>
         <p:nvSpPr>
           <p:cNvPr id="93" name="Google Shape;93;p14"/>
-          <p:cNvSpPr txBox="1"/>
+          <p:cNvSpPr txBox="1">
+            <a:spLocks noGrp="1"/>
+          </p:cNvSpPr>
           <p:nvPr>
-            <p:ph idx="4294967295" type="body"/>
+            <p:ph type="body" idx="4294967295"/>
           </p:nvPr>
         </p:nvSpPr>
         <p:spPr>
@@ -8040,12 +8114,12 @@
           </a:prstGeom>
         </p:spPr>
         <p:txBody>
-          <a:bodyPr anchorCtr="0" anchor="t" bIns="91425" lIns="91425" spcFirstLastPara="1" rIns="91425" wrap="square" tIns="91425">
+          <a:bodyPr spcFirstLastPara="1" wrap="square" lIns="91425" tIns="91425" rIns="91425" bIns="91425" anchor="t" anchorCtr="0">
             <a:noAutofit/>
           </a:bodyPr>
           <a:lstStyle/>
           <a:p>
-            <a:pPr indent="0" lvl="0" marL="0" rtl="0" algn="l">
+            <a:pPr marL="0" lvl="0" indent="0" algn="l" rtl="0">
               <a:spcBef>
                 <a:spcPts val="0"/>
               </a:spcBef>
@@ -8055,14 +8129,14 @@
               <a:buNone/>
             </a:pPr>
             <a:r>
-              <a:rPr b="1" lang="ru" sz="2000">
+              <a:rPr lang="ru" sz="2000" b="1">
                 <a:solidFill>
                   <a:schemeClr val="lt1"/>
                 </a:solidFill>
               </a:rPr>
               <a:t>ЗАДАЧА</a:t>
             </a:r>
-            <a:endParaRPr b="1" sz="2000">
+            <a:endParaRPr sz="2000" b="1">
               <a:solidFill>
                 <a:schemeClr val="lt1"/>
               </a:solidFill>
@@ -8073,9 +8147,11 @@
       <p:sp>
         <p:nvSpPr>
           <p:cNvPr id="94" name="Google Shape;94;p14"/>
-          <p:cNvSpPr txBox="1"/>
+          <p:cNvSpPr txBox="1">
+            <a:spLocks noGrp="1"/>
+          </p:cNvSpPr>
           <p:nvPr>
-            <p:ph idx="4294967295" type="body"/>
+            <p:ph type="body" idx="4294967295"/>
           </p:nvPr>
         </p:nvSpPr>
         <p:spPr>
@@ -8089,12 +8165,12 @@
           <a:noFill/>
         </p:spPr>
         <p:txBody>
-          <a:bodyPr anchorCtr="0" anchor="t" bIns="91425" lIns="91425" spcFirstLastPara="1" rIns="91425" wrap="square" tIns="91425">
+          <a:bodyPr spcFirstLastPara="1" wrap="square" lIns="91425" tIns="91425" rIns="91425" bIns="91425" anchor="t" anchorCtr="0">
             <a:noAutofit/>
           </a:bodyPr>
           <a:lstStyle/>
           <a:p>
-            <a:pPr indent="0" lvl="0" marL="0" rtl="0" algn="l">
+            <a:pPr marL="0" lvl="0" indent="0" algn="l" rtl="0">
               <a:lnSpc>
                 <a:spcPct val="90000"/>
               </a:lnSpc>
@@ -8122,9 +8198,11 @@
       <p:sp>
         <p:nvSpPr>
           <p:cNvPr id="95" name="Google Shape;95;p14"/>
-          <p:cNvSpPr txBox="1"/>
+          <p:cNvSpPr txBox="1">
+            <a:spLocks noGrp="1"/>
+          </p:cNvSpPr>
           <p:nvPr>
-            <p:ph idx="4294967295" type="subTitle"/>
+            <p:ph type="subTitle" idx="4294967295"/>
           </p:nvPr>
         </p:nvSpPr>
         <p:spPr>
@@ -8137,12 +8215,12 @@
           </a:prstGeom>
         </p:spPr>
         <p:txBody>
-          <a:bodyPr anchorCtr="0" anchor="t" bIns="91425" lIns="91425" spcFirstLastPara="1" rIns="91425" wrap="square" tIns="91425">
+          <a:bodyPr spcFirstLastPara="1" wrap="square" lIns="91425" tIns="91425" rIns="91425" bIns="91425" anchor="t" anchorCtr="0">
             <a:noAutofit/>
           </a:bodyPr>
           <a:lstStyle/>
           <a:p>
-            <a:pPr indent="0" lvl="0" marL="0" rtl="0" algn="l">
+            <a:pPr marL="0" lvl="0" indent="0" algn="l" rtl="0">
               <a:spcBef>
                 <a:spcPts val="0"/>
               </a:spcBef>
@@ -8181,12 +8259,12 @@
           </a:ln>
         </p:spPr>
         <p:txBody>
-          <a:bodyPr anchorCtr="0" anchor="ctr" bIns="91425" lIns="91425" spcFirstLastPara="1" rIns="91425" wrap="square" tIns="91425">
+          <a:bodyPr spcFirstLastPara="1" wrap="square" lIns="91425" tIns="91425" rIns="91425" bIns="91425" anchor="ctr" anchorCtr="0">
             <a:noAutofit/>
           </a:bodyPr>
           <a:lstStyle/>
           <a:p>
-            <a:pPr indent="0" lvl="0" marL="0" rtl="0" algn="l">
+            <a:pPr marL="0" lvl="0" indent="0" algn="l" rtl="0">
               <a:spcBef>
                 <a:spcPts val="0"/>
               </a:spcBef>
@@ -8195,9 +8273,6 @@
               </a:spcAft>
               <a:buNone/>
             </a:pPr>
-            <a:r>
-              <a:t/>
-            </a:r>
             <a:endParaRPr/>
           </a:p>
         </p:txBody>
@@ -8205,9 +8280,11 @@
       <p:sp>
         <p:nvSpPr>
           <p:cNvPr id="97" name="Google Shape;97;p14"/>
-          <p:cNvSpPr txBox="1"/>
+          <p:cNvSpPr txBox="1">
+            <a:spLocks noGrp="1"/>
+          </p:cNvSpPr>
           <p:nvPr>
-            <p:ph idx="4294967295" type="body"/>
+            <p:ph type="body" idx="4294967295"/>
           </p:nvPr>
         </p:nvSpPr>
         <p:spPr>
@@ -8220,12 +8297,12 @@
           </a:prstGeom>
         </p:spPr>
         <p:txBody>
-          <a:bodyPr anchorCtr="0" anchor="t" bIns="91425" lIns="91425" spcFirstLastPara="1" rIns="91425" wrap="square" tIns="91425">
+          <a:bodyPr spcFirstLastPara="1" wrap="square" lIns="91425" tIns="91425" rIns="91425" bIns="91425" anchor="t" anchorCtr="0">
             <a:noAutofit/>
           </a:bodyPr>
           <a:lstStyle/>
           <a:p>
-            <a:pPr indent="-342900" lvl="0" marL="457200" rtl="0" algn="l">
+            <a:pPr marL="457200" lvl="0" indent="-342900" algn="l" rtl="0">
               <a:lnSpc>
                 <a:spcPct val="90000"/>
               </a:lnSpc>
@@ -8265,7 +8342,7 @@
             </a:endParaRPr>
           </a:p>
           <a:p>
-            <a:pPr indent="0" lvl="0" marL="457200" rtl="0" algn="l">
+            <a:pPr marL="457200" lvl="0" indent="0" algn="l" rtl="0">
               <a:lnSpc>
                 <a:spcPct val="90000"/>
               </a:lnSpc>
@@ -8277,9 +8354,6 @@
               </a:spcAft>
               <a:buNone/>
             </a:pPr>
-            <a:r>
-              <a:t/>
-            </a:r>
             <a:endParaRPr sz="300">
               <a:solidFill>
                 <a:schemeClr val="lt1"/>
@@ -8291,7 +8365,7 @@
             </a:endParaRPr>
           </a:p>
           <a:p>
-            <a:pPr indent="-342900" lvl="0" marL="457200" rtl="0" algn="l">
+            <a:pPr marL="457200" lvl="0" indent="-342900" algn="l" rtl="0">
               <a:lnSpc>
                 <a:spcPct val="90000"/>
               </a:lnSpc>
@@ -8321,7 +8395,7 @@
               <a:t>бизнес-метрика - </a:t>
             </a:r>
             <a:r>
-              <a:rPr b="1" lang="ru">
+              <a:rPr lang="ru" b="1">
                 <a:solidFill>
                   <a:schemeClr val="lt1"/>
                 </a:solidFill>
@@ -8343,7 +8417,7 @@
             </a:endParaRPr>
           </a:p>
           <a:p>
-            <a:pPr indent="0" lvl="0" marL="457200" rtl="0" algn="l">
+            <a:pPr marL="457200" lvl="0" indent="0" algn="l" rtl="0">
               <a:lnSpc>
                 <a:spcPct val="90000"/>
               </a:lnSpc>
@@ -8355,9 +8429,6 @@
               </a:spcAft>
               <a:buNone/>
             </a:pPr>
-            <a:r>
-              <a:t/>
-            </a:r>
             <a:endParaRPr b="1">
               <a:solidFill>
                 <a:schemeClr val="lt1"/>
@@ -8369,7 +8440,7 @@
             </a:endParaRPr>
           </a:p>
           <a:p>
-            <a:pPr indent="0" lvl="0" marL="457200" rtl="0" algn="l">
+            <a:pPr marL="457200" lvl="0" indent="0" algn="l" rtl="0">
               <a:lnSpc>
                 <a:spcPct val="90000"/>
               </a:lnSpc>
@@ -8381,9 +8452,6 @@
               </a:spcAft>
               <a:buNone/>
             </a:pPr>
-            <a:r>
-              <a:t/>
-            </a:r>
             <a:endParaRPr>
               <a:solidFill>
                 <a:schemeClr val="lt1"/>
@@ -8407,23 +8475,23 @@
             <a:avLst/>
           </a:prstGeom>
           <a:noFill/>
-          <a:ln cap="flat" cmpd="sng" w="9525">
+          <a:ln w="9525" cap="flat" cmpd="sng">
             <a:solidFill>
               <a:schemeClr val="dk1"/>
             </a:solidFill>
             <a:prstDash val="solid"/>
             <a:round/>
-            <a:headEnd len="sm" w="sm" type="none"/>
-            <a:tailEnd len="sm" w="sm" type="none"/>
+            <a:headEnd type="none" w="sm" len="sm"/>
+            <a:tailEnd type="none" w="sm" len="sm"/>
           </a:ln>
         </p:spPr>
         <p:txBody>
-          <a:bodyPr anchorCtr="0" anchor="ctr" bIns="91425" lIns="91425" spcFirstLastPara="1" rIns="91425" wrap="square" tIns="91425">
+          <a:bodyPr spcFirstLastPara="1" wrap="square" lIns="91425" tIns="91425" rIns="91425" bIns="91425" anchor="ctr" anchorCtr="0">
             <a:noAutofit/>
           </a:bodyPr>
           <a:lstStyle/>
           <a:p>
-            <a:pPr indent="0" lvl="0" marL="0" rtl="0" algn="l">
+            <a:pPr marL="0" lvl="0" indent="0" algn="l" rtl="0">
               <a:spcBef>
                 <a:spcPts val="0"/>
               </a:spcBef>
@@ -8432,9 +8500,6 @@
               </a:spcAft>
               <a:buNone/>
             </a:pPr>
-            <a:r>
-              <a:t/>
-            </a:r>
             <a:endParaRPr/>
           </a:p>
         </p:txBody>
@@ -8461,12 +8526,12 @@
           </a:ln>
         </p:spPr>
         <p:txBody>
-          <a:bodyPr anchorCtr="0" anchor="ctr" bIns="91425" lIns="91425" spcFirstLastPara="1" rIns="91425" wrap="square" tIns="91425">
+          <a:bodyPr spcFirstLastPara="1" wrap="square" lIns="91425" tIns="91425" rIns="91425" bIns="91425" anchor="ctr" anchorCtr="0">
             <a:noAutofit/>
           </a:bodyPr>
           <a:lstStyle/>
           <a:p>
-            <a:pPr indent="0" lvl="0" marL="0" rtl="0" algn="l">
+            <a:pPr marL="0" lvl="0" indent="0" algn="l" rtl="0">
               <a:spcBef>
                 <a:spcPts val="0"/>
               </a:spcBef>
@@ -8475,9 +8540,6 @@
               </a:spcAft>
               <a:buNone/>
             </a:pPr>
-            <a:r>
-              <a:t/>
-            </a:r>
             <a:endParaRPr/>
           </a:p>
         </p:txBody>
@@ -8485,7 +8547,9 @@
       <p:sp>
         <p:nvSpPr>
           <p:cNvPr id="100" name="Google Shape;100;p14"/>
-          <p:cNvSpPr txBox="1"/>
+          <p:cNvSpPr txBox="1">
+            <a:spLocks noGrp="1"/>
+          </p:cNvSpPr>
           <p:nvPr>
             <p:ph type="title"/>
           </p:nvPr>
@@ -8500,12 +8564,12 @@
           </a:prstGeom>
         </p:spPr>
         <p:txBody>
-          <a:bodyPr anchorCtr="0" anchor="t" bIns="91425" lIns="91425" spcFirstLastPara="1" rIns="91425" wrap="square" tIns="91425">
+          <a:bodyPr spcFirstLastPara="1" wrap="square" lIns="91425" tIns="91425" rIns="91425" bIns="91425" anchor="t" anchorCtr="0">
             <a:noAutofit/>
           </a:bodyPr>
           <a:lstStyle/>
           <a:p>
-            <a:pPr indent="0" lvl="0" marL="0" rtl="0" algn="l">
+            <a:pPr marL="0" lvl="0" indent="0" algn="l" rtl="0">
               <a:spcBef>
                 <a:spcPts val="0"/>
               </a:spcBef>
@@ -8515,14 +8579,14 @@
               <a:buNone/>
             </a:pPr>
             <a:r>
-              <a:rPr b="1" lang="ru" sz="2000">
+              <a:rPr lang="ru" sz="2000" b="1">
                 <a:solidFill>
                   <a:schemeClr val="lt1"/>
                 </a:solidFill>
               </a:rPr>
               <a:t>РЕШЕНИЕ</a:t>
             </a:r>
-            <a:endParaRPr b="1" sz="2000">
+            <a:endParaRPr sz="2000" b="1">
               <a:solidFill>
                 <a:schemeClr val="lt1"/>
               </a:solidFill>
@@ -8539,11 +8603,11 @@
 </file>
 
 <file path=ppt/slides/slide3.xml><?xml version="1.0" encoding="utf-8"?>
-<p:sld xmlns:a="http://schemas.openxmlformats.org/drawingml/2006/main" xmlns:r="http://schemas.openxmlformats.org/officeDocument/2006/relationships" xmlns:mc="http://schemas.openxmlformats.org/markup-compatibility/2006" xmlns:mv="urn:schemas-microsoft-com:mac:vml" xmlns:p="http://schemas.openxmlformats.org/presentationml/2006/main" xmlns:c="http://schemas.openxmlformats.org/drawingml/2006/chart" xmlns:dgm="http://schemas.openxmlformats.org/drawingml/2006/diagram" xmlns:o="urn:schemas-microsoft-com:office:office" xmlns:v="urn:schemas-microsoft-com:vml" xmlns:pvml="urn:schemas-microsoft-com:office:powerpoint" xmlns:com="http://schemas.openxmlformats.org/drawingml/2006/compatibility" xmlns:p14="http://schemas.microsoft.com/office/powerpoint/2010/main" xmlns:p15="http://schemas.microsoft.com/office/powerpoint/2012/main" xmlns:ahyp="http://schemas.microsoft.com/office/drawing/2018/hyperlinkcolor">
+<p:sld xmlns:a="http://schemas.openxmlformats.org/drawingml/2006/main" xmlns:r="http://schemas.openxmlformats.org/officeDocument/2006/relationships" xmlns:p="http://schemas.openxmlformats.org/presentationml/2006/main">
   <p:cSld>
     <p:spTree>
       <p:nvGrpSpPr>
-        <p:cNvPr id="104" name="Shape 104"/>
+        <p:cNvPr id="1" name="Shape 104"/>
         <p:cNvGrpSpPr/>
         <p:nvPr/>
       </p:nvGrpSpPr>
@@ -8570,23 +8634,23 @@
             <a:avLst/>
           </a:prstGeom>
           <a:noFill/>
-          <a:ln cap="flat" cmpd="sng" w="9525">
+          <a:ln w="9525" cap="flat" cmpd="sng">
             <a:solidFill>
               <a:schemeClr val="dk1"/>
             </a:solidFill>
             <a:prstDash val="solid"/>
             <a:round/>
-            <a:headEnd len="sm" w="sm" type="none"/>
-            <a:tailEnd len="sm" w="sm" type="none"/>
+            <a:headEnd type="none" w="sm" len="sm"/>
+            <a:tailEnd type="none" w="sm" len="sm"/>
           </a:ln>
         </p:spPr>
         <p:txBody>
-          <a:bodyPr anchorCtr="0" anchor="ctr" bIns="91425" lIns="91425" spcFirstLastPara="1" rIns="91425" wrap="square" tIns="91425">
+          <a:bodyPr spcFirstLastPara="1" wrap="square" lIns="91425" tIns="91425" rIns="91425" bIns="91425" anchor="ctr" anchorCtr="0">
             <a:noAutofit/>
           </a:bodyPr>
           <a:lstStyle/>
           <a:p>
-            <a:pPr indent="0" lvl="0" marL="0" rtl="0" algn="l">
+            <a:pPr marL="0" lvl="0" indent="0" algn="l" rtl="0">
               <a:spcBef>
                 <a:spcPts val="0"/>
               </a:spcBef>
@@ -8595,9 +8659,6 @@
               </a:spcAft>
               <a:buNone/>
             </a:pPr>
-            <a:r>
-              <a:t/>
-            </a:r>
             <a:endParaRPr/>
           </a:p>
         </p:txBody>
@@ -8624,12 +8685,12 @@
           </a:ln>
         </p:spPr>
         <p:txBody>
-          <a:bodyPr anchorCtr="0" anchor="ctr" bIns="91425" lIns="91425" spcFirstLastPara="1" rIns="91425" wrap="square" tIns="91425">
+          <a:bodyPr spcFirstLastPara="1" wrap="square" lIns="91425" tIns="91425" rIns="91425" bIns="91425" anchor="ctr" anchorCtr="0">
             <a:noAutofit/>
           </a:bodyPr>
           <a:lstStyle/>
           <a:p>
-            <a:pPr indent="0" lvl="0" marL="0" rtl="0" algn="l">
+            <a:pPr marL="0" lvl="0" indent="0" algn="l" rtl="0">
               <a:spcBef>
                 <a:spcPts val="0"/>
               </a:spcBef>
@@ -8638,9 +8699,6 @@
               </a:spcAft>
               <a:buNone/>
             </a:pPr>
-            <a:r>
-              <a:t/>
-            </a:r>
             <a:endParaRPr/>
           </a:p>
         </p:txBody>
@@ -8648,9 +8706,11 @@
       <p:sp>
         <p:nvSpPr>
           <p:cNvPr id="107" name="Google Shape;107;p15"/>
-          <p:cNvSpPr txBox="1"/>
+          <p:cNvSpPr txBox="1">
+            <a:spLocks noGrp="1"/>
+          </p:cNvSpPr>
           <p:nvPr>
-            <p:ph idx="4294967295" type="body"/>
+            <p:ph type="body" idx="4294967295"/>
           </p:nvPr>
         </p:nvSpPr>
         <p:spPr>
@@ -8664,12 +8724,12 @@
           <a:noFill/>
         </p:spPr>
         <p:txBody>
-          <a:bodyPr anchorCtr="0" anchor="t" bIns="91425" lIns="91425" spcFirstLastPara="1" rIns="91425" wrap="square" tIns="91425">
+          <a:bodyPr spcFirstLastPara="1" wrap="square" lIns="91425" tIns="91425" rIns="91425" bIns="91425" anchor="t" anchorCtr="0">
             <a:noAutofit/>
           </a:bodyPr>
           <a:lstStyle/>
           <a:p>
-            <a:pPr indent="0" lvl="0" marL="0" rtl="0" algn="l">
+            <a:pPr marL="0" lvl="0" indent="0" algn="l" rtl="0">
               <a:spcBef>
                 <a:spcPts val="1200"/>
               </a:spcBef>
@@ -8679,7 +8739,7 @@
               <a:buNone/>
             </a:pPr>
             <a:r>
-              <a:rPr b="1" lang="ru" sz="1200">
+              <a:rPr lang="ru" sz="1200" b="1">
                 <a:solidFill>
                   <a:srgbClr val="000000"/>
                 </a:solidFill>
@@ -8713,7 +8773,7 @@
             </a:endParaRPr>
           </a:p>
           <a:p>
-            <a:pPr indent="-304800" lvl="0" marL="457200" rtl="0" algn="l">
+            <a:pPr marL="457200" lvl="0" indent="-304800" algn="l" rtl="0">
               <a:spcBef>
                 <a:spcPts val="1200"/>
               </a:spcBef>
@@ -8750,7 +8810,7 @@
             </a:endParaRPr>
           </a:p>
           <a:p>
-            <a:pPr indent="-304800" lvl="0" marL="457200" rtl="0" algn="l">
+            <a:pPr marL="457200" lvl="0" indent="-304800" algn="l" rtl="0">
               <a:spcBef>
                 <a:spcPts val="0"/>
               </a:spcBef>
@@ -8787,7 +8847,7 @@
             </a:endParaRPr>
           </a:p>
           <a:p>
-            <a:pPr indent="-304800" lvl="0" marL="457200" rtl="0" algn="l">
+            <a:pPr marL="457200" lvl="0" indent="-304800" algn="l" rtl="0">
               <a:spcBef>
                 <a:spcPts val="0"/>
               </a:spcBef>
@@ -8824,7 +8884,7 @@
             </a:endParaRPr>
           </a:p>
           <a:p>
-            <a:pPr indent="-304800" lvl="0" marL="457200" rtl="0" algn="l">
+            <a:pPr marL="457200" lvl="0" indent="-304800" algn="l" rtl="0">
               <a:spcBef>
                 <a:spcPts val="0"/>
               </a:spcBef>
@@ -8861,7 +8921,7 @@
             </a:endParaRPr>
           </a:p>
           <a:p>
-            <a:pPr indent="-304800" lvl="0" marL="457200" rtl="0" algn="l">
+            <a:pPr marL="457200" lvl="0" indent="-304800" algn="l" rtl="0">
               <a:spcBef>
                 <a:spcPts val="0"/>
               </a:spcBef>
@@ -8898,7 +8958,7 @@
             </a:endParaRPr>
           </a:p>
           <a:p>
-            <a:pPr indent="0" lvl="0" marL="0" rtl="0" algn="l">
+            <a:pPr marL="0" lvl="0" indent="0" algn="l" rtl="0">
               <a:spcBef>
                 <a:spcPts val="1200"/>
               </a:spcBef>
@@ -8908,7 +8968,7 @@
               <a:buNone/>
             </a:pPr>
             <a:r>
-              <a:rPr b="1" lang="ru" sz="1200">
+              <a:rPr lang="ru" sz="1200" b="1">
                 <a:solidFill>
                   <a:srgbClr val="000000"/>
                 </a:solidFill>
@@ -8942,7 +9002,7 @@
             </a:endParaRPr>
           </a:p>
           <a:p>
-            <a:pPr indent="-304800" lvl="0" marL="457200" rtl="0" algn="l">
+            <a:pPr marL="457200" lvl="0" indent="-304800" algn="l" rtl="0">
               <a:spcBef>
                 <a:spcPts val="1200"/>
               </a:spcBef>
@@ -8979,7 +9039,7 @@
             </a:endParaRPr>
           </a:p>
           <a:p>
-            <a:pPr indent="-304800" lvl="0" marL="457200" rtl="0" algn="l">
+            <a:pPr marL="457200" lvl="0" indent="-304800" algn="l" rtl="0">
               <a:spcBef>
                 <a:spcPts val="0"/>
               </a:spcBef>
@@ -9016,7 +9076,7 @@
             </a:endParaRPr>
           </a:p>
           <a:p>
-            <a:pPr indent="0" lvl="0" marL="0" rtl="0" algn="l">
+            <a:pPr marL="0" lvl="0" indent="0" algn="l" rtl="0">
               <a:spcBef>
                 <a:spcPts val="1200"/>
               </a:spcBef>
@@ -9026,7 +9086,7 @@
               <a:buNone/>
             </a:pPr>
             <a:r>
-              <a:rPr b="1" lang="ru" sz="1200">
+              <a:rPr lang="ru" sz="1200" b="1">
                 <a:solidFill>
                   <a:srgbClr val="000000"/>
                 </a:solidFill>
@@ -9060,7 +9120,7 @@
             </a:endParaRPr>
           </a:p>
           <a:p>
-            <a:pPr indent="-304800" lvl="0" marL="457200" rtl="0" algn="l">
+            <a:pPr marL="457200" lvl="0" indent="-304800" algn="l" rtl="0">
               <a:spcBef>
                 <a:spcPts val="1200"/>
               </a:spcBef>
@@ -9097,7 +9157,7 @@
             </a:endParaRPr>
           </a:p>
           <a:p>
-            <a:pPr indent="-304800" lvl="0" marL="457200" rtl="0" algn="l">
+            <a:pPr marL="457200" lvl="0" indent="-304800" algn="l" rtl="0">
               <a:spcBef>
                 <a:spcPts val="0"/>
               </a:spcBef>
@@ -9134,7 +9194,7 @@
             </a:endParaRPr>
           </a:p>
           <a:p>
-            <a:pPr indent="-304800" lvl="0" marL="457200" rtl="0" algn="l">
+            <a:pPr marL="457200" lvl="0" indent="-304800" algn="l" rtl="0">
               <a:spcBef>
                 <a:spcPts val="0"/>
               </a:spcBef>
@@ -9171,7 +9231,7 @@
             </a:endParaRPr>
           </a:p>
           <a:p>
-            <a:pPr indent="-304800" lvl="0" marL="457200" rtl="0" algn="l">
+            <a:pPr marL="457200" lvl="0" indent="-304800" algn="l" rtl="0">
               <a:spcBef>
                 <a:spcPts val="0"/>
               </a:spcBef>
@@ -9208,7 +9268,7 @@
             </a:endParaRPr>
           </a:p>
           <a:p>
-            <a:pPr indent="0" lvl="0" marL="457200" rtl="0" algn="l">
+            <a:pPr marL="457200" lvl="0" indent="0" algn="l" rtl="0">
               <a:lnSpc>
                 <a:spcPct val="90000"/>
               </a:lnSpc>
@@ -9220,10 +9280,7 @@
               </a:spcAft>
               <a:buNone/>
             </a:pPr>
-            <a:r>
-              <a:t/>
-            </a:r>
-            <a:endParaRPr b="1" sz="1400">
+            <a:endParaRPr sz="1400" b="1">
               <a:solidFill>
                 <a:schemeClr val="dk1"/>
               </a:solidFill>
@@ -9238,9 +9295,11 @@
       <p:sp>
         <p:nvSpPr>
           <p:cNvPr id="108" name="Google Shape;108;p15"/>
-          <p:cNvSpPr txBox="1"/>
+          <p:cNvSpPr txBox="1">
+            <a:spLocks noGrp="1"/>
+          </p:cNvSpPr>
           <p:nvPr>
-            <p:ph idx="4294967295" type="body"/>
+            <p:ph type="body" idx="4294967295"/>
           </p:nvPr>
         </p:nvSpPr>
         <p:spPr>
@@ -9253,12 +9312,12 @@
           </a:prstGeom>
         </p:spPr>
         <p:txBody>
-          <a:bodyPr anchorCtr="0" anchor="t" bIns="91425" lIns="91425" spcFirstLastPara="1" rIns="91425" wrap="square" tIns="91425">
+          <a:bodyPr spcFirstLastPara="1" wrap="square" lIns="91425" tIns="91425" rIns="91425" bIns="91425" anchor="t" anchorCtr="0">
             <a:noAutofit/>
           </a:bodyPr>
           <a:lstStyle/>
           <a:p>
-            <a:pPr indent="0" lvl="0" marL="0" rtl="0" algn="l">
+            <a:pPr marL="0" lvl="0" indent="0" algn="l" rtl="0">
               <a:spcBef>
                 <a:spcPts val="0"/>
               </a:spcBef>
@@ -9268,7 +9327,7 @@
               <a:buNone/>
             </a:pPr>
             <a:r>
-              <a:rPr b="1" lang="ru" sz="2000">
+              <a:rPr lang="ru" sz="2000" b="1">
                 <a:solidFill>
                   <a:srgbClr val="F2F2F2"/>
                 </a:solidFill>
@@ -9279,7 +9338,7 @@
               </a:rPr>
               <a:t>ОПИСАНИЕ ДАННЫХ</a:t>
             </a:r>
-            <a:endParaRPr b="1" sz="1000">
+            <a:endParaRPr sz="1000" b="1">
               <a:solidFill>
                 <a:schemeClr val="lt1"/>
               </a:solidFill>
@@ -9296,11 +9355,11 @@
 </file>
 
 <file path=ppt/slides/slide4.xml><?xml version="1.0" encoding="utf-8"?>
-<p:sld xmlns:a="http://schemas.openxmlformats.org/drawingml/2006/main" xmlns:r="http://schemas.openxmlformats.org/officeDocument/2006/relationships" xmlns:mc="http://schemas.openxmlformats.org/markup-compatibility/2006" xmlns:mv="urn:schemas-microsoft-com:mac:vml" xmlns:p="http://schemas.openxmlformats.org/presentationml/2006/main" xmlns:c="http://schemas.openxmlformats.org/drawingml/2006/chart" xmlns:dgm="http://schemas.openxmlformats.org/drawingml/2006/diagram" xmlns:o="urn:schemas-microsoft-com:office:office" xmlns:v="urn:schemas-microsoft-com:vml" xmlns:pvml="urn:schemas-microsoft-com:office:powerpoint" xmlns:com="http://schemas.openxmlformats.org/drawingml/2006/compatibility" xmlns:p14="http://schemas.microsoft.com/office/powerpoint/2010/main" xmlns:p15="http://schemas.microsoft.com/office/powerpoint/2012/main" xmlns:ahyp="http://schemas.microsoft.com/office/drawing/2018/hyperlinkcolor">
+<p:sld xmlns:a="http://schemas.openxmlformats.org/drawingml/2006/main" xmlns:r="http://schemas.openxmlformats.org/officeDocument/2006/relationships" xmlns:p="http://schemas.openxmlformats.org/presentationml/2006/main">
   <p:cSld>
     <p:spTree>
       <p:nvGrpSpPr>
-        <p:cNvPr id="112" name="Shape 112"/>
+        <p:cNvPr id="1" name="Shape 112"/>
         <p:cNvGrpSpPr/>
         <p:nvPr/>
       </p:nvGrpSpPr>
@@ -9327,23 +9386,23 @@
             <a:avLst/>
           </a:prstGeom>
           <a:noFill/>
-          <a:ln cap="flat" cmpd="sng" w="9525">
+          <a:ln w="9525" cap="flat" cmpd="sng">
             <a:solidFill>
               <a:schemeClr val="dk1"/>
             </a:solidFill>
             <a:prstDash val="solid"/>
             <a:round/>
-            <a:headEnd len="sm" w="sm" type="none"/>
-            <a:tailEnd len="sm" w="sm" type="none"/>
+            <a:headEnd type="none" w="sm" len="sm"/>
+            <a:tailEnd type="none" w="sm" len="sm"/>
           </a:ln>
         </p:spPr>
         <p:txBody>
-          <a:bodyPr anchorCtr="0" anchor="ctr" bIns="91425" lIns="91425" spcFirstLastPara="1" rIns="91425" wrap="square" tIns="91425">
+          <a:bodyPr spcFirstLastPara="1" wrap="square" lIns="91425" tIns="91425" rIns="91425" bIns="91425" anchor="ctr" anchorCtr="0">
             <a:noAutofit/>
           </a:bodyPr>
           <a:lstStyle/>
           <a:p>
-            <a:pPr indent="0" lvl="0" marL="0" rtl="0" algn="l">
+            <a:pPr marL="0" lvl="0" indent="0" algn="l" rtl="0">
               <a:spcBef>
                 <a:spcPts val="0"/>
               </a:spcBef>
@@ -9352,9 +9411,6 @@
               </a:spcAft>
               <a:buNone/>
             </a:pPr>
-            <a:r>
-              <a:t/>
-            </a:r>
             <a:endParaRPr/>
           </a:p>
         </p:txBody>
@@ -9381,12 +9437,12 @@
           </a:ln>
         </p:spPr>
         <p:txBody>
-          <a:bodyPr anchorCtr="0" anchor="ctr" bIns="91425" lIns="91425" spcFirstLastPara="1" rIns="91425" wrap="square" tIns="91425">
+          <a:bodyPr spcFirstLastPara="1" wrap="square" lIns="91425" tIns="91425" rIns="91425" bIns="91425" anchor="ctr" anchorCtr="0">
             <a:noAutofit/>
           </a:bodyPr>
           <a:lstStyle/>
           <a:p>
-            <a:pPr indent="0" lvl="0" marL="0" rtl="0" algn="l">
+            <a:pPr marL="0" lvl="0" indent="0" algn="l" rtl="0">
               <a:spcBef>
                 <a:spcPts val="0"/>
               </a:spcBef>
@@ -9395,9 +9451,6 @@
               </a:spcAft>
               <a:buNone/>
             </a:pPr>
-            <a:r>
-              <a:t/>
-            </a:r>
             <a:endParaRPr/>
           </a:p>
         </p:txBody>
@@ -9405,7 +9458,9 @@
       <p:sp>
         <p:nvSpPr>
           <p:cNvPr id="115" name="Google Shape;115;p16"/>
-          <p:cNvSpPr txBox="1"/>
+          <p:cNvSpPr txBox="1">
+            <a:spLocks noGrp="1"/>
+          </p:cNvSpPr>
           <p:nvPr>
             <p:ph type="title"/>
           </p:nvPr>
@@ -9420,12 +9475,12 @@
           </a:prstGeom>
         </p:spPr>
         <p:txBody>
-          <a:bodyPr anchorCtr="0" anchor="t" bIns="91425" lIns="91425" spcFirstLastPara="1" rIns="91425" wrap="square" tIns="91425">
+          <a:bodyPr spcFirstLastPara="1" wrap="square" lIns="91425" tIns="91425" rIns="91425" bIns="91425" anchor="t" anchorCtr="0">
             <a:noAutofit/>
           </a:bodyPr>
           <a:lstStyle/>
           <a:p>
-            <a:pPr indent="0" lvl="0" marL="0" rtl="0" algn="l">
+            <a:pPr marL="0" lvl="0" indent="0" algn="l" rtl="0">
               <a:spcBef>
                 <a:spcPts val="0"/>
               </a:spcBef>
@@ -9435,14 +9490,14 @@
               <a:buNone/>
             </a:pPr>
             <a:r>
-              <a:rPr b="1" lang="ru" sz="2000">
+              <a:rPr lang="ru" sz="2000" b="1">
                 <a:solidFill>
                   <a:srgbClr val="FFFFFF"/>
                 </a:solidFill>
               </a:rPr>
               <a:t>ПРОВЕДЕННЫЕ ЭКСПЕРИМЕНТЫ</a:t>
             </a:r>
-            <a:endParaRPr b="1" sz="2000">
+            <a:endParaRPr sz="2000" b="1">
               <a:solidFill>
                 <a:srgbClr val="FFFFFF"/>
               </a:solidFill>
@@ -9458,8 +9513,8 @@
         </p:nvSpPr>
         <p:spPr>
           <a:xfrm>
-            <a:off x="445500" y="1204325"/>
-            <a:ext cx="4817400" cy="2832300"/>
+            <a:off x="635623" y="1050417"/>
+            <a:ext cx="5303450" cy="2877681"/>
           </a:xfrm>
           <a:prstGeom prst="rect">
             <a:avLst/>
@@ -9470,12 +9525,12 @@
           </a:ln>
         </p:spPr>
         <p:txBody>
-          <a:bodyPr anchorCtr="0" anchor="t" bIns="91425" lIns="91425" spcFirstLastPara="1" rIns="91425" wrap="square" tIns="91425">
+          <a:bodyPr spcFirstLastPara="1" wrap="square" lIns="91425" tIns="91425" rIns="91425" bIns="91425" anchor="t" anchorCtr="0">
             <a:spAutoFit/>
           </a:bodyPr>
           <a:lstStyle/>
           <a:p>
-            <a:pPr indent="-323850" lvl="0" marL="457200" rtl="0" algn="l">
+            <a:pPr marL="457200" lvl="0" indent="-323850" algn="l" rtl="0">
               <a:spcBef>
                 <a:spcPts val="0"/>
               </a:spcBef>
@@ -9487,7 +9542,7 @@
               <a:buChar char="-"/>
             </a:pPr>
             <a:r>
-              <a:rPr b="1" lang="ru" sz="1500">
+              <a:rPr lang="ru" sz="1500" b="1" dirty="0">
                 <a:latin typeface="Roboto"/>
                 <a:ea typeface="Roboto"/>
                 <a:cs typeface="Roboto"/>
@@ -9495,7 +9550,7 @@
               </a:rPr>
               <a:t>Колоборативная фильтрация</a:t>
             </a:r>
-            <a:endParaRPr b="1" sz="1500">
+            <a:endParaRPr sz="1500" b="1" dirty="0">
               <a:latin typeface="Roboto"/>
               <a:ea typeface="Roboto"/>
               <a:cs typeface="Roboto"/>
@@ -9503,7 +9558,7 @@
             </a:endParaRPr>
           </a:p>
           <a:p>
-            <a:pPr indent="0" lvl="0" marL="0" rtl="0" algn="l">
+            <a:pPr marL="0" lvl="0" indent="0" algn="l" rtl="0">
               <a:spcBef>
                 <a:spcPts val="0"/>
               </a:spcBef>
@@ -9513,30 +9568,61 @@
               <a:buNone/>
             </a:pPr>
             <a:r>
-              <a:rPr lang="ru">
+              <a:rPr lang="en-US" dirty="0">
                 <a:latin typeface="Roboto"/>
                 <a:ea typeface="Roboto"/>
-                <a:cs typeface="Roboto"/>
                 <a:sym typeface="Roboto"/>
               </a:rPr>
               <a:t>	</a:t>
             </a:r>
             <a:r>
-              <a:rPr b="1" lang="ru" sz="1200">
+              <a:rPr lang="ru" sz="1200" b="1" dirty="0" smtClean="0">
                 <a:solidFill>
                   <a:schemeClr val="dk1"/>
                 </a:solidFill>
               </a:rPr>
-              <a:t>Precision@3 = 0.27%</a:t>
+              <a:t>Precision@3 </a:t>
             </a:r>
-            <a:endParaRPr b="1" sz="1200">
+            <a:r>
+              <a:rPr lang="ru" sz="1200" b="1" dirty="0">
+                <a:solidFill>
+                  <a:schemeClr val="dk1"/>
+                </a:solidFill>
+              </a:rPr>
+              <a:t>= </a:t>
+            </a:r>
+            <a:r>
+              <a:rPr lang="ru" sz="1200" b="1" dirty="0" smtClean="0">
+                <a:solidFill>
+                  <a:schemeClr val="dk1"/>
+                </a:solidFill>
+              </a:rPr>
+              <a:t>0.2</a:t>
+            </a:r>
+            <a:r>
+              <a:rPr lang="en-US" sz="1200" b="1" dirty="0" smtClean="0">
+                <a:solidFill>
+                  <a:schemeClr val="dk1"/>
+                </a:solidFill>
+              </a:rPr>
+              <a:t>8</a:t>
+            </a:r>
+            <a:r>
+              <a:rPr lang="ru" sz="1200" b="1" dirty="0" smtClean="0">
+                <a:solidFill>
+                  <a:schemeClr val="dk1"/>
+                </a:solidFill>
+              </a:rPr>
+              <a:t>%</a:t>
+            </a:r>
+            <a:endParaRPr sz="1200" b="1" dirty="0">
               <a:solidFill>
                 <a:schemeClr val="dk1"/>
               </a:solidFill>
             </a:endParaRPr>
           </a:p>
           <a:p>
-            <a:pPr indent="0" lvl="0" marL="0" rtl="0" algn="l">
+            <a:pPr marL="0" lvl="0" indent="0" algn="l" rtl="0">
               <a:spcBef>
                 <a:spcPts val="0"/>
               </a:spcBef>
@@ -9545,17 +9631,14 @@
               </a:spcAft>
               <a:buNone/>
             </a:pPr>
-            <a:r>
-              <a:t/>
-            </a:r>
-            <a:endParaRPr b="1" sz="1200">
+            <a:endParaRPr sz="1200" b="1" dirty="0">
               <a:solidFill>
                 <a:schemeClr val="dk1"/>
               </a:solidFill>
             </a:endParaRPr>
           </a:p>
           <a:p>
-            <a:pPr indent="-323850" lvl="0" marL="457200" rtl="0" algn="l">
+            <a:pPr marL="457200" lvl="0" indent="-323850" algn="l" rtl="0">
               <a:spcBef>
                 <a:spcPts val="0"/>
               </a:spcBef>
@@ -9566,37 +9649,77 @@
               <a:buChar char="-"/>
             </a:pPr>
             <a:r>
-              <a:rPr b="1" lang="ru" sz="1500"/>
+              <a:rPr lang="ru" sz="1500" b="1" dirty="0" smtClean="0"/>
               <a:t>XGBoost</a:t>
             </a:r>
-            <a:endParaRPr b="1" sz="1500"/>
+            <a:endParaRPr lang="en-US" sz="1500" b="1" dirty="0"/>
           </a:p>
           <a:p>
-            <a:pPr indent="457200" lvl="0" marL="0" rtl="0" algn="l">
-              <a:spcBef>
-                <a:spcPts val="0"/>
-              </a:spcBef>
-              <a:spcAft>
-                <a:spcPts val="0"/>
-              </a:spcAft>
-              <a:buNone/>
+            <a:pPr marL="133350" lvl="0" algn="l" rtl="0">
+              <a:spcBef>
+                <a:spcPts val="0"/>
+              </a:spcBef>
+              <a:spcAft>
+                <a:spcPts val="0"/>
+              </a:spcAft>
+              <a:buSzPts val="1500"/>
             </a:pPr>
             <a:r>
-              <a:rPr b="1" lang="ru" sz="1200">
+              <a:rPr lang="en-US" sz="1500" b="1" dirty="0">
                 <a:solidFill>
                   <a:schemeClr val="dk1"/>
                 </a:solidFill>
               </a:rPr>
-              <a:t>Precision@3 = 0.0116%</a:t>
+              <a:t>	</a:t>
             </a:r>
-            <a:endParaRPr b="1" sz="1200">
+            <a:r>
+              <a:rPr lang="ru" sz="1200" b="1" dirty="0" smtClean="0">
+                <a:solidFill>
+                  <a:schemeClr val="dk1"/>
+                </a:solidFill>
+              </a:rPr>
+              <a:t>Precision@3 </a:t>
+            </a:r>
+            <a:r>
+              <a:rPr lang="ru" sz="1200" b="1" dirty="0">
+                <a:solidFill>
+                  <a:schemeClr val="dk1"/>
+                </a:solidFill>
+              </a:rPr>
+              <a:t>= </a:t>
+            </a:r>
+            <a:r>
+              <a:rPr lang="ru" sz="1200" b="1" dirty="0" smtClean="0">
+                <a:solidFill>
+                  <a:schemeClr val="dk1"/>
+                </a:solidFill>
+              </a:rPr>
+              <a:t>0.011</a:t>
+            </a:r>
+            <a:r>
+              <a:rPr lang="en-US" sz="1200" b="1" dirty="0" smtClean="0">
+                <a:solidFill>
+                  <a:schemeClr val="dk1"/>
+                </a:solidFill>
+              </a:rPr>
+              <a:t>5</a:t>
+            </a:r>
+            <a:r>
+              <a:rPr lang="ru" sz="1200" b="1" dirty="0" smtClean="0">
+                <a:solidFill>
+                  <a:schemeClr val="dk1"/>
+                </a:solidFill>
+              </a:rPr>
+              <a:t>%</a:t>
+            </a:r>
+            <a:endParaRPr sz="1200" b="1" dirty="0">
               <a:solidFill>
                 <a:schemeClr val="dk1"/>
               </a:solidFill>
             </a:endParaRPr>
           </a:p>
           <a:p>
-            <a:pPr indent="457200" lvl="0" marL="0" rtl="0" algn="l">
+            <a:pPr marL="0" lvl="0" indent="457200" algn="l" rtl="0">
               <a:spcBef>
                 <a:spcPts val="0"/>
               </a:spcBef>
@@ -9605,17 +9728,14 @@
               </a:spcAft>
               <a:buNone/>
             </a:pPr>
-            <a:r>
-              <a:t/>
-            </a:r>
-            <a:endParaRPr b="1" sz="1200">
+            <a:endParaRPr sz="1200" b="1" dirty="0">
               <a:solidFill>
                 <a:schemeClr val="dk1"/>
               </a:solidFill>
             </a:endParaRPr>
           </a:p>
           <a:p>
-            <a:pPr indent="-323850" lvl="0" marL="457200" rtl="0" algn="l">
+            <a:pPr marL="457200" lvl="0" indent="-323850" algn="l" rtl="0">
               <a:spcBef>
                 <a:spcPts val="0"/>
               </a:spcBef>
@@ -9626,13 +9746,13 @@
               <a:buChar char="-"/>
             </a:pPr>
             <a:r>
-              <a:rPr b="1" lang="ru" sz="1500"/>
+              <a:rPr lang="ru" sz="1500" b="1" dirty="0"/>
               <a:t>ALS (матричные методы)</a:t>
             </a:r>
-            <a:endParaRPr b="1" sz="1500"/>
+            <a:endParaRPr sz="1500" b="1" dirty="0"/>
           </a:p>
           <a:p>
-            <a:pPr indent="0" lvl="0" marL="0" rtl="0" algn="l">
+            <a:pPr marL="0" lvl="0" indent="0" algn="l" rtl="0">
               <a:spcBef>
                 <a:spcPts val="0"/>
               </a:spcBef>
@@ -9642,25 +9762,49 @@
               <a:buNone/>
             </a:pPr>
             <a:r>
-              <a:rPr b="1" lang="ru" sz="1200"/>
+              <a:rPr lang="ru" sz="1200" b="1" dirty="0"/>
               <a:t>	</a:t>
             </a:r>
             <a:r>
-              <a:rPr b="1" lang="ru" sz="1200">
+              <a:rPr lang="ru" sz="1200" b="1" dirty="0">
                 <a:solidFill>
                   <a:schemeClr val="dk1"/>
                 </a:solidFill>
               </a:rPr>
-              <a:t>Precision@3 = 0.12%</a:t>
+              <a:t>Precision@3 = </a:t>
             </a:r>
-            <a:endParaRPr b="1" sz="1200">
+            <a:r>
+              <a:rPr lang="ru" sz="1200" b="1" dirty="0" smtClean="0">
+                <a:solidFill>
+                  <a:schemeClr val="dk1"/>
+                </a:solidFill>
+              </a:rPr>
+              <a:t>0.1</a:t>
+            </a:r>
+            <a:r>
+              <a:rPr lang="en-US" sz="1200" b="1" dirty="0" smtClean="0">
+                <a:solidFill>
+                  <a:schemeClr val="dk1"/>
+                </a:solidFill>
+              </a:rPr>
+              <a:t>3</a:t>
+            </a:r>
+            <a:r>
+              <a:rPr lang="ru" sz="1200" b="1" dirty="0" smtClean="0">
+                <a:solidFill>
+                  <a:schemeClr val="dk1"/>
+                </a:solidFill>
+              </a:rPr>
+              <a:t>%</a:t>
+            </a:r>
+            <a:endParaRPr sz="1200" b="1" dirty="0">
               <a:solidFill>
                 <a:schemeClr val="dk1"/>
               </a:solidFill>
             </a:endParaRPr>
           </a:p>
           <a:p>
-            <a:pPr indent="0" lvl="0" marL="0" rtl="0" algn="l">
+            <a:pPr marL="0" lvl="0" indent="0" algn="l" rtl="0">
               <a:spcBef>
                 <a:spcPts val="0"/>
               </a:spcBef>
@@ -9669,17 +9813,14 @@
               </a:spcAft>
               <a:buNone/>
             </a:pPr>
-            <a:r>
-              <a:t/>
-            </a:r>
-            <a:endParaRPr b="1" sz="1200">
+            <a:endParaRPr sz="1200" b="1" dirty="0">
               <a:solidFill>
                 <a:schemeClr val="dk1"/>
               </a:solidFill>
             </a:endParaRPr>
           </a:p>
           <a:p>
-            <a:pPr indent="-323850" lvl="0" marL="457200" rtl="0" algn="l">
+            <a:pPr marL="457200" lvl="0" indent="-323850" algn="l" rtl="0">
               <a:spcBef>
                 <a:spcPts val="0"/>
               </a:spcBef>
@@ -9690,33 +9831,71 @@
               <a:buChar char="-"/>
             </a:pPr>
             <a:r>
-              <a:rPr b="1" lang="ru" sz="1500"/>
+              <a:rPr lang="ru" sz="1500" b="1" dirty="0" smtClean="0"/>
               <a:t>LightFM</a:t>
             </a:r>
-            <a:endParaRPr b="1" sz="1500"/>
+            <a:r>
+              <a:rPr lang="en-US" sz="1500" b="1" dirty="0"/>
+              <a:t>	</a:t>
+            </a:r>
+            <a:endParaRPr lang="en-US" sz="1500" b="1" dirty="0" smtClean="0"/>
           </a:p>
           <a:p>
-            <a:pPr indent="457200" lvl="0" marL="0" rtl="0" algn="l">
-              <a:spcBef>
-                <a:spcPts val="0"/>
-              </a:spcBef>
-              <a:spcAft>
-                <a:spcPts val="0"/>
-              </a:spcAft>
-              <a:buNone/>
+            <a:pPr marL="133350" lvl="1">
+              <a:buSzPts val="1500"/>
             </a:pPr>
             <a:r>
-              <a:rPr b="1" lang="ru" sz="1200">
+              <a:rPr lang="en-US" sz="1200" b="1" dirty="0">
                 <a:solidFill>
                   <a:schemeClr val="dk1"/>
                 </a:solidFill>
               </a:rPr>
-              <a:t>Precision@3 = 0.73%</a:t>
+              <a:t>	</a:t>
             </a:r>
-            <a:endParaRPr b="1" sz="1500"/>
+            <a:r>
+              <a:rPr lang="ru" sz="1200" b="1" dirty="0" smtClean="0">
+                <a:solidFill>
+                  <a:schemeClr val="dk1"/>
+                </a:solidFill>
+              </a:rPr>
+              <a:t>Precision@3 </a:t>
+            </a:r>
+            <a:r>
+              <a:rPr lang="ru" sz="1200" b="1" dirty="0">
+                <a:solidFill>
+                  <a:schemeClr val="dk1"/>
+                </a:solidFill>
+              </a:rPr>
+              <a:t>= </a:t>
+            </a:r>
+            <a:r>
+              <a:rPr lang="ru" sz="1200" b="1" dirty="0" smtClean="0">
+                <a:solidFill>
+                  <a:schemeClr val="dk1"/>
+                </a:solidFill>
+              </a:rPr>
+              <a:t>0.7</a:t>
+            </a:r>
+            <a:r>
+              <a:rPr lang="en-US" sz="1200" b="1" dirty="0" smtClean="0">
+                <a:solidFill>
+                  <a:schemeClr val="dk1"/>
+                </a:solidFill>
+              </a:rPr>
+              <a:t>4</a:t>
+            </a:r>
+            <a:r>
+              <a:rPr lang="ru" sz="1200" b="1" dirty="0" smtClean="0">
+                <a:solidFill>
+                  <a:schemeClr val="dk1"/>
+                </a:solidFill>
+              </a:rPr>
+              <a:t>%</a:t>
+            </a:r>
+            <a:endParaRPr sz="1500" b="1" dirty="0"/>
           </a:p>
           <a:p>
-            <a:pPr indent="0" lvl="0" marL="457200" rtl="0" algn="l">
+            <a:pPr marL="457200" lvl="0" indent="0" algn="l" rtl="0">
               <a:spcBef>
                 <a:spcPts val="0"/>
               </a:spcBef>
@@ -9725,13 +9904,10 @@
               </a:spcAft>
               <a:buNone/>
             </a:pPr>
-            <a:r>
-              <a:t/>
-            </a:r>
-            <a:endParaRPr b="1" sz="1200"/>
+            <a:endParaRPr sz="1200" b="1" dirty="0"/>
           </a:p>
           <a:p>
-            <a:pPr indent="0" lvl="0" marL="0" rtl="0" algn="l">
+            <a:pPr marL="0" lvl="0" indent="0" algn="l" rtl="0">
               <a:spcBef>
                 <a:spcPts val="0"/>
               </a:spcBef>
@@ -9740,10 +9916,7 @@
               </a:spcAft>
               <a:buNone/>
             </a:pPr>
-            <a:r>
-              <a:t/>
-            </a:r>
-            <a:endParaRPr>
+            <a:endParaRPr dirty="0">
               <a:latin typeface="Roboto"/>
               <a:ea typeface="Roboto"/>
               <a:cs typeface="Roboto"/>
@@ -9761,11 +9934,11 @@
 </file>
 
 <file path=ppt/slides/slide5.xml><?xml version="1.0" encoding="utf-8"?>
-<p:sld xmlns:a="http://schemas.openxmlformats.org/drawingml/2006/main" xmlns:r="http://schemas.openxmlformats.org/officeDocument/2006/relationships" xmlns:mc="http://schemas.openxmlformats.org/markup-compatibility/2006" xmlns:mv="urn:schemas-microsoft-com:mac:vml" xmlns:p="http://schemas.openxmlformats.org/presentationml/2006/main" xmlns:c="http://schemas.openxmlformats.org/drawingml/2006/chart" xmlns:dgm="http://schemas.openxmlformats.org/drawingml/2006/diagram" xmlns:o="urn:schemas-microsoft-com:office:office" xmlns:v="urn:schemas-microsoft-com:vml" xmlns:pvml="urn:schemas-microsoft-com:office:powerpoint" xmlns:com="http://schemas.openxmlformats.org/drawingml/2006/compatibility" xmlns:p14="http://schemas.microsoft.com/office/powerpoint/2010/main" xmlns:p15="http://schemas.microsoft.com/office/powerpoint/2012/main" xmlns:ahyp="http://schemas.microsoft.com/office/drawing/2018/hyperlinkcolor">
+<p:sld xmlns:a="http://schemas.openxmlformats.org/drawingml/2006/main" xmlns:r="http://schemas.openxmlformats.org/officeDocument/2006/relationships" xmlns:p="http://schemas.openxmlformats.org/presentationml/2006/main">
   <p:cSld>
     <p:spTree>
       <p:nvGrpSpPr>
-        <p:cNvPr id="120" name="Shape 120"/>
+        <p:cNvPr id="1" name="Shape 120"/>
         <p:cNvGrpSpPr/>
         <p:nvPr/>
       </p:nvGrpSpPr>
@@ -9792,23 +9965,23 @@
             <a:avLst/>
           </a:prstGeom>
           <a:noFill/>
-          <a:ln cap="flat" cmpd="sng" w="9525">
+          <a:ln w="9525" cap="flat" cmpd="sng">
             <a:solidFill>
               <a:schemeClr val="dk1"/>
             </a:solidFill>
             <a:prstDash val="solid"/>
             <a:round/>
-            <a:headEnd len="sm" w="sm" type="none"/>
-            <a:tailEnd len="sm" w="sm" type="none"/>
+            <a:headEnd type="none" w="sm" len="sm"/>
+            <a:tailEnd type="none" w="sm" len="sm"/>
           </a:ln>
         </p:spPr>
         <p:txBody>
-          <a:bodyPr anchorCtr="0" anchor="ctr" bIns="91425" lIns="91425" spcFirstLastPara="1" rIns="91425" wrap="square" tIns="91425">
+          <a:bodyPr spcFirstLastPara="1" wrap="square" lIns="91425" tIns="91425" rIns="91425" bIns="91425" anchor="ctr" anchorCtr="0">
             <a:noAutofit/>
           </a:bodyPr>
           <a:lstStyle/>
           <a:p>
-            <a:pPr indent="0" lvl="0" marL="0" rtl="0" algn="l">
+            <a:pPr marL="0" lvl="0" indent="0" algn="l" rtl="0">
               <a:spcBef>
                 <a:spcPts val="0"/>
               </a:spcBef>
@@ -9817,9 +9990,6 @@
               </a:spcAft>
               <a:buNone/>
             </a:pPr>
-            <a:r>
-              <a:t/>
-            </a:r>
             <a:endParaRPr/>
           </a:p>
         </p:txBody>
@@ -9846,12 +10016,12 @@
           </a:ln>
         </p:spPr>
         <p:txBody>
-          <a:bodyPr anchorCtr="0" anchor="ctr" bIns="91425" lIns="91425" spcFirstLastPara="1" rIns="91425" wrap="square" tIns="91425">
+          <a:bodyPr spcFirstLastPara="1" wrap="square" lIns="91425" tIns="91425" rIns="91425" bIns="91425" anchor="ctr" anchorCtr="0">
             <a:noAutofit/>
           </a:bodyPr>
           <a:lstStyle/>
           <a:p>
-            <a:pPr indent="0" lvl="0" marL="0" rtl="0" algn="l">
+            <a:pPr marL="0" lvl="0" indent="0" algn="l" rtl="0">
               <a:spcBef>
                 <a:spcPts val="0"/>
               </a:spcBef>
@@ -9860,9 +10030,6 @@
               </a:spcAft>
               <a:buNone/>
             </a:pPr>
-            <a:r>
-              <a:t/>
-            </a:r>
             <a:endParaRPr/>
           </a:p>
         </p:txBody>
@@ -9870,9 +10037,11 @@
       <p:sp>
         <p:nvSpPr>
           <p:cNvPr id="123" name="Google Shape;123;p17"/>
-          <p:cNvSpPr txBox="1"/>
+          <p:cNvSpPr txBox="1">
+            <a:spLocks noGrp="1"/>
+          </p:cNvSpPr>
           <p:nvPr>
-            <p:ph idx="4294967295" type="body"/>
+            <p:ph type="body" idx="4294967295"/>
           </p:nvPr>
         </p:nvSpPr>
         <p:spPr>
@@ -9885,12 +10054,12 @@
           </a:prstGeom>
         </p:spPr>
         <p:txBody>
-          <a:bodyPr anchorCtr="0" anchor="t" bIns="91425" lIns="91425" spcFirstLastPara="1" rIns="91425" wrap="square" tIns="91425">
+          <a:bodyPr spcFirstLastPara="1" wrap="square" lIns="91425" tIns="91425" rIns="91425" bIns="91425" anchor="t" anchorCtr="0">
             <a:noAutofit/>
           </a:bodyPr>
           <a:lstStyle/>
           <a:p>
-            <a:pPr indent="0" lvl="0" marL="0" rtl="0" algn="l">
+            <a:pPr marL="0" lvl="0" indent="0" algn="l" rtl="0">
               <a:spcBef>
                 <a:spcPts val="0"/>
               </a:spcBef>
@@ -9900,7 +10069,7 @@
               <a:buNone/>
             </a:pPr>
             <a:r>
-              <a:rPr b="1" lang="ru" sz="2000">
+              <a:rPr lang="ru" sz="2000" b="1">
                 <a:solidFill>
                   <a:srgbClr val="F2F2F2"/>
                 </a:solidFill>
@@ -9911,7 +10080,7 @@
               </a:rPr>
               <a:t>ВЫБРАННАЯ МОДЕЛЬ</a:t>
             </a:r>
-            <a:endParaRPr b="1" sz="1200">
+            <a:endParaRPr sz="1200" b="1">
               <a:solidFill>
                 <a:schemeClr val="lt1"/>
               </a:solidFill>
@@ -9922,9 +10091,11 @@
       <p:sp>
         <p:nvSpPr>
           <p:cNvPr id="124" name="Google Shape;124;p17"/>
-          <p:cNvSpPr txBox="1"/>
+          <p:cNvSpPr txBox="1">
+            <a:spLocks noGrp="1"/>
+          </p:cNvSpPr>
           <p:nvPr>
-            <p:ph idx="4294967295" type="body"/>
+            <p:ph type="body" idx="4294967295"/>
           </p:nvPr>
         </p:nvSpPr>
         <p:spPr>
@@ -9938,12 +10109,12 @@
           <a:noFill/>
         </p:spPr>
         <p:txBody>
-          <a:bodyPr anchorCtr="0" anchor="t" bIns="91425" lIns="91425" spcFirstLastPara="1" rIns="91425" wrap="square" tIns="91425">
+          <a:bodyPr spcFirstLastPara="1" wrap="square" lIns="91425" tIns="91425" rIns="91425" bIns="91425" anchor="t" anchorCtr="0">
             <a:noAutofit/>
           </a:bodyPr>
           <a:lstStyle/>
           <a:p>
-            <a:pPr indent="0" lvl="0" marL="0" rtl="0" algn="l">
+            <a:pPr marL="0" lvl="0" indent="0" algn="l" rtl="0">
               <a:spcBef>
                 <a:spcPts val="2400"/>
               </a:spcBef>
@@ -9953,7 +10124,7 @@
               <a:buNone/>
             </a:pPr>
             <a:r>
-              <a:rPr b="1" lang="ru" sz="2000">
+              <a:rPr lang="ru" sz="2000" b="1">
                 <a:solidFill>
                   <a:srgbClr val="000000"/>
                 </a:solidFill>
@@ -9964,7 +10135,7 @@
               </a:rPr>
               <a:t>LightFM</a:t>
             </a:r>
-            <a:endParaRPr b="1" sz="2000">
+            <a:endParaRPr sz="2000" b="1">
               <a:solidFill>
                 <a:srgbClr val="000000"/>
               </a:solidFill>
@@ -9975,7 +10146,7 @@
             </a:endParaRPr>
           </a:p>
           <a:p>
-            <a:pPr indent="457200" lvl="0" marL="0" rtl="0" algn="just">
+            <a:pPr marL="0" lvl="0" indent="457200" algn="just" rtl="0">
               <a:spcBef>
                 <a:spcPts val="1200"/>
               </a:spcBef>
@@ -9994,55 +10165,7 @@
                 <a:cs typeface="Arial"/>
                 <a:sym typeface="Arial"/>
               </a:rPr>
-              <a:t>Это реализация на Python ряда популярных алгоритмов рекомендаций как для неявной, так и для явной обратной связи. Будем использовать </a:t>
-            </a:r>
-            <a:r>
-              <a:rPr lang="ru" sz="1300">
-                <a:solidFill>
-                  <a:srgbClr val="000000"/>
-                </a:solidFill>
-                <a:latin typeface="Arial"/>
-                <a:ea typeface="Arial"/>
-                <a:cs typeface="Arial"/>
-                <a:sym typeface="Arial"/>
-              </a:rPr>
-              <a:t>LightFM</a:t>
-            </a:r>
-            <a:r>
-              <a:rPr lang="ru" sz="1300">
-                <a:solidFill>
-                  <a:srgbClr val="000000"/>
-                </a:solidFill>
-                <a:latin typeface="Arial"/>
-                <a:ea typeface="Arial"/>
-                <a:cs typeface="Arial"/>
-                <a:sym typeface="Arial"/>
-              </a:rPr>
-              <a:t> не только из-за его гибридных возможностей, но и из-за того, что он позволяет использовать обычные взаимодействия пользователя с элементом для прогнозирования для известных пользователей. Это очень важно, поскольку у нас не было формальных рейтингов для элементов, мы все равно смогли получить рекомендации на основе этих взаимодействий. Поскольку у нас есть только неявная обратная связь от пользователей, гибкость </a:t>
-            </a:r>
-            <a:r>
-              <a:rPr lang="ru" sz="1300">
-                <a:solidFill>
-                  <a:srgbClr val="000000"/>
-                </a:solidFill>
-                <a:latin typeface="Arial"/>
-                <a:ea typeface="Arial"/>
-                <a:cs typeface="Arial"/>
-                <a:sym typeface="Arial"/>
-              </a:rPr>
-              <a:t>LightFM</a:t>
-            </a:r>
-            <a:r>
-              <a:rPr lang="ru" sz="1300">
-                <a:solidFill>
-                  <a:srgbClr val="000000"/>
-                </a:solidFill>
-                <a:latin typeface="Arial"/>
-                <a:ea typeface="Arial"/>
-                <a:cs typeface="Arial"/>
-                <a:sym typeface="Arial"/>
-              </a:rPr>
-              <a:t> в этом отношении полезна.</a:t>
+              <a:t>Это реализация на Python ряда популярных алгоритмов рекомендаций как для неявной, так и для явной обратной связи. Будем использовать LightFM не только из-за его гибридных возможностей, но и из-за того, что он позволяет использовать обычные взаимодействия пользователя с элементом для прогнозирования для известных пользователей. Это очень важно, поскольку у нас не было формальных рейтингов для элементов, мы все равно смогли получить рекомендации на основе этих взаимодействий. Поскольку у нас есть только неявная обратная связь от пользователей, гибкость LightFM в этом отношении полезна.</a:t>
             </a:r>
             <a:endParaRPr sz="1300">
               <a:solidFill>
@@ -10055,7 +10178,7 @@
             </a:endParaRPr>
           </a:p>
           <a:p>
-            <a:pPr indent="457200" lvl="0" marL="0" rtl="0" algn="just">
+            <a:pPr marL="0" lvl="0" indent="457200" algn="just" rtl="0">
               <a:spcBef>
                 <a:spcPts val="1200"/>
               </a:spcBef>
@@ -10077,7 +10200,7 @@
               <a:t>Для построения рекомендательной системы был использован датасет events с выборкой записей по наличию транзакции. В качестве </a:t>
             </a:r>
             <a:r>
-              <a:rPr b="1" lang="ru" sz="1300">
+              <a:rPr lang="ru" sz="1300" b="1">
                 <a:solidFill>
                   <a:schemeClr val="dk1"/>
                 </a:solidFill>
@@ -10101,7 +10224,7 @@
               <a:t>у нас будет выступать</a:t>
             </a:r>
             <a:r>
-              <a:rPr b="1" lang="ru" sz="1300">
+              <a:rPr lang="ru" sz="1300" b="1">
                 <a:solidFill>
                   <a:schemeClr val="dk1"/>
                 </a:solidFill>
@@ -10125,7 +10248,7 @@
               <a:t>в качестве</a:t>
             </a:r>
             <a:r>
-              <a:rPr b="1" lang="ru" sz="1300">
+              <a:rPr lang="ru" sz="1300" b="1">
                 <a:solidFill>
                   <a:schemeClr val="dk1"/>
                 </a:solidFill>
@@ -10136,7 +10259,7 @@
               </a:rPr>
               <a:t> item - itemid</a:t>
             </a:r>
-            <a:endParaRPr b="1" sz="1300">
+            <a:endParaRPr sz="1300" b="1">
               <a:solidFill>
                 <a:schemeClr val="dk1"/>
               </a:solidFill>
@@ -10147,7 +10270,7 @@
             </a:endParaRPr>
           </a:p>
           <a:p>
-            <a:pPr indent="0" lvl="0" marL="457200" rtl="0" algn="l">
+            <a:pPr marL="457200" lvl="0" indent="0" algn="l" rtl="0">
               <a:lnSpc>
                 <a:spcPct val="90000"/>
               </a:lnSpc>
@@ -10159,10 +10282,7 @@
               </a:spcAft>
               <a:buNone/>
             </a:pPr>
-            <a:r>
-              <a:t/>
-            </a:r>
-            <a:endParaRPr b="1" sz="1400">
+            <a:endParaRPr sz="1400" b="1">
               <a:solidFill>
                 <a:schemeClr val="dk1"/>
               </a:solidFill>
@@ -10173,7 +10293,7 @@
             </a:endParaRPr>
           </a:p>
           <a:p>
-            <a:pPr indent="0" lvl="0" marL="0" rtl="0" algn="l">
+            <a:pPr marL="0" lvl="0" indent="0" algn="l" rtl="0">
               <a:lnSpc>
                 <a:spcPct val="100000"/>
               </a:lnSpc>
@@ -10185,9 +10305,6 @@
               </a:spcAft>
               <a:buNone/>
             </a:pPr>
-            <a:r>
-              <a:t/>
-            </a:r>
             <a:endParaRPr sz="1400">
               <a:solidFill>
                 <a:srgbClr val="000000"/>
@@ -10195,7 +10312,7 @@
             </a:endParaRPr>
           </a:p>
           <a:p>
-            <a:pPr indent="457200" lvl="0" marL="0" rtl="0" algn="just">
+            <a:pPr marL="0" lvl="0" indent="457200" algn="just" rtl="0">
               <a:spcBef>
                 <a:spcPts val="1200"/>
               </a:spcBef>
@@ -10204,10 +10321,7 @@
               </a:spcAft>
               <a:buNone/>
             </a:pPr>
-            <a:r>
-              <a:t/>
-            </a:r>
-            <a:endParaRPr b="1" sz="1400">
+            <a:endParaRPr sz="1400" b="1">
               <a:solidFill>
                 <a:srgbClr val="000000"/>
               </a:solidFill>
@@ -10218,7 +10332,7 @@
             </a:endParaRPr>
           </a:p>
           <a:p>
-            <a:pPr indent="0" lvl="0" marL="0" rtl="0" algn="l">
+            <a:pPr marL="0" lvl="0" indent="0" algn="l" rtl="0">
               <a:spcBef>
                 <a:spcPts val="2400"/>
               </a:spcBef>
@@ -10227,10 +10341,7 @@
               </a:spcAft>
               <a:buNone/>
             </a:pPr>
-            <a:r>
-              <a:t/>
-            </a:r>
-            <a:endParaRPr b="1" sz="2000">
+            <a:endParaRPr sz="2000" b="1">
               <a:solidFill>
                 <a:srgbClr val="000000"/>
               </a:solidFill>
@@ -10241,7 +10352,7 @@
             </a:endParaRPr>
           </a:p>
           <a:p>
-            <a:pPr indent="0" lvl="0" marL="0" rtl="0" algn="l">
+            <a:pPr marL="0" lvl="0" indent="0" algn="l" rtl="0">
               <a:lnSpc>
                 <a:spcPct val="90000"/>
               </a:lnSpc>
@@ -10253,9 +10364,6 @@
               </a:spcAft>
               <a:buNone/>
             </a:pPr>
-            <a:r>
-              <a:t/>
-            </a:r>
             <a:endParaRPr>
               <a:latin typeface="Arial"/>
               <a:ea typeface="Arial"/>
@@ -10287,12 +10395,12 @@
           </a:ln>
         </p:spPr>
         <p:txBody>
-          <a:bodyPr anchorCtr="0" anchor="ctr" bIns="91425" lIns="91425" spcFirstLastPara="1" rIns="91425" wrap="square" tIns="91425">
+          <a:bodyPr spcFirstLastPara="1" wrap="square" lIns="91425" tIns="91425" rIns="91425" bIns="91425" anchor="ctr" anchorCtr="0">
             <a:noAutofit/>
           </a:bodyPr>
           <a:lstStyle/>
           <a:p>
-            <a:pPr indent="0" lvl="0" marL="0" rtl="0" algn="l">
+            <a:pPr marL="0" lvl="0" indent="0" algn="l" rtl="0">
               <a:spcBef>
                 <a:spcPts val="0"/>
               </a:spcBef>
@@ -10301,9 +10409,6 @@
               </a:spcAft>
               <a:buNone/>
             </a:pPr>
-            <a:r>
-              <a:t/>
-            </a:r>
             <a:endParaRPr/>
           </a:p>
         </p:txBody>
@@ -10311,9 +10416,11 @@
       <p:sp>
         <p:nvSpPr>
           <p:cNvPr id="126" name="Google Shape;126;p17"/>
-          <p:cNvSpPr txBox="1"/>
+          <p:cNvSpPr txBox="1">
+            <a:spLocks noGrp="1"/>
+          </p:cNvSpPr>
           <p:nvPr>
-            <p:ph idx="4294967295" type="body"/>
+            <p:ph type="body" idx="4294967295"/>
           </p:nvPr>
         </p:nvSpPr>
         <p:spPr>
@@ -10326,12 +10433,12 @@
           </a:prstGeom>
         </p:spPr>
         <p:txBody>
-          <a:bodyPr anchorCtr="0" anchor="t" bIns="91425" lIns="91425" spcFirstLastPara="1" rIns="91425" wrap="square" tIns="91425">
+          <a:bodyPr spcFirstLastPara="1" wrap="square" lIns="91425" tIns="91425" rIns="91425" bIns="91425" anchor="t" anchorCtr="0">
             <a:noAutofit/>
           </a:bodyPr>
           <a:lstStyle/>
           <a:p>
-            <a:pPr indent="0" lvl="0" marL="0" rtl="0" algn="l">
+            <a:pPr marL="0" lvl="0" indent="0" algn="l" rtl="0">
               <a:lnSpc>
                 <a:spcPct val="90000"/>
               </a:lnSpc>
@@ -10344,7 +10451,7 @@
               <a:buNone/>
             </a:pPr>
             <a:r>
-              <a:rPr b="1" lang="ru">
+              <a:rPr lang="ru" b="1" dirty="0">
                 <a:solidFill>
                   <a:schemeClr val="lt1"/>
                 </a:solidFill>
@@ -10353,9 +10460,45 @@
                 <a:cs typeface="Arial"/>
                 <a:sym typeface="Arial"/>
               </a:rPr>
-              <a:t>Precision@3 = 0.73%</a:t>
+              <a:t>Precision@3 = </a:t>
             </a:r>
-            <a:endParaRPr b="1">
+            <a:r>
+              <a:rPr lang="ru" b="1" dirty="0" smtClean="0">
+                <a:solidFill>
+                  <a:schemeClr val="lt1"/>
+                </a:solidFill>
+                <a:latin typeface="Arial"/>
+                <a:ea typeface="Arial"/>
+                <a:cs typeface="Arial"/>
+                <a:sym typeface="Arial"/>
+              </a:rPr>
+              <a:t>0.7</a:t>
+            </a:r>
+            <a:r>
+              <a:rPr lang="en-US" b="1" smtClean="0">
+                <a:solidFill>
+                  <a:schemeClr val="lt1"/>
+                </a:solidFill>
+                <a:latin typeface="Arial"/>
+                <a:ea typeface="Arial"/>
+                <a:cs typeface="Arial"/>
+                <a:sym typeface="Arial"/>
+              </a:rPr>
+              <a:t>4</a:t>
+            </a:r>
+            <a:r>
+              <a:rPr lang="ru" b="1" smtClean="0">
+                <a:solidFill>
+                  <a:schemeClr val="lt1"/>
+                </a:solidFill>
+                <a:latin typeface="Arial"/>
+                <a:ea typeface="Arial"/>
+                <a:cs typeface="Arial"/>
+                <a:sym typeface="Arial"/>
+              </a:rPr>
+              <a:t>%</a:t>
+            </a:r>
+            <a:endParaRPr b="1" dirty="0">
               <a:solidFill>
                 <a:schemeClr val="lt1"/>
               </a:solidFill>
@@ -10366,7 +10509,7 @@
             </a:endParaRPr>
           </a:p>
           <a:p>
-            <a:pPr indent="0" lvl="0" marL="457200" rtl="0" algn="l">
+            <a:pPr marL="457200" lvl="0" indent="0" algn="l" rtl="0">
               <a:lnSpc>
                 <a:spcPct val="90000"/>
               </a:lnSpc>
@@ -10378,10 +10521,7 @@
               </a:spcAft>
               <a:buNone/>
             </a:pPr>
-            <a:r>
-              <a:t/>
-            </a:r>
-            <a:endParaRPr b="1">
+            <a:endParaRPr b="1" dirty="0">
               <a:solidFill>
                 <a:schemeClr val="lt1"/>
               </a:solidFill>
@@ -10392,7 +10532,7 @@
             </a:endParaRPr>
           </a:p>
           <a:p>
-            <a:pPr indent="0" lvl="0" marL="457200" rtl="0" algn="l">
+            <a:pPr marL="457200" lvl="0" indent="0" algn="l" rtl="0">
               <a:lnSpc>
                 <a:spcPct val="90000"/>
               </a:lnSpc>
@@ -10404,10 +10544,7 @@
               </a:spcAft>
               <a:buNone/>
             </a:pPr>
-            <a:r>
-              <a:t/>
-            </a:r>
-            <a:endParaRPr>
+            <a:endParaRPr dirty="0">
               <a:solidFill>
                 <a:schemeClr val="lt1"/>
               </a:solidFill>
@@ -10424,7 +10561,288 @@
 </file>
 
 <file path=ppt/theme/theme1.xml><?xml version="1.0" encoding="utf-8"?>
-<a:theme xmlns:a="http://schemas.openxmlformats.org/drawingml/2006/main" xmlns:r="http://schemas.openxmlformats.org/officeDocument/2006/relationships">
+<a:theme xmlns:a="http://schemas.openxmlformats.org/drawingml/2006/main" name="Geometric">
+  <a:themeElements>
+    <a:clrScheme name="Geometric">
+      <a:dk1>
+        <a:srgbClr val="2A3990"/>
+      </a:dk1>
+      <a:lt1>
+        <a:srgbClr val="FFFFFF"/>
+      </a:lt1>
+      <a:dk2>
+        <a:srgbClr val="434343"/>
+      </a:dk2>
+      <a:lt2>
+        <a:srgbClr val="999999"/>
+      </a:lt2>
+      <a:accent1>
+        <a:srgbClr val="212D74"/>
+      </a:accent1>
+      <a:accent2>
+        <a:srgbClr val="3949AB"/>
+      </a:accent2>
+      <a:accent3>
+        <a:srgbClr val="9C254D"/>
+      </a:accent3>
+      <a:accent4>
+        <a:srgbClr val="D23369"/>
+      </a:accent4>
+      <a:accent5>
+        <a:srgbClr val="F06292"/>
+      </a:accent5>
+      <a:accent6>
+        <a:srgbClr val="7890CD"/>
+      </a:accent6>
+      <a:hlink>
+        <a:srgbClr val="F06292"/>
+      </a:hlink>
+      <a:folHlink>
+        <a:srgbClr val="F06292"/>
+      </a:folHlink>
+    </a:clrScheme>
+    <a:fontScheme name="Office">
+      <a:majorFont>
+        <a:latin typeface="Arial"/>
+        <a:ea typeface=""/>
+        <a:cs typeface=""/>
+        <a:font script="Jpan" typeface="ＭＳ Ｐゴシック"/>
+        <a:font script="Hang" typeface="맑은 고딕"/>
+        <a:font script="Hans" typeface="宋体"/>
+        <a:font script="Hant" typeface="新細明體"/>
+        <a:font script="Arab" typeface="Times New Roman"/>
+        <a:font script="Hebr" typeface="Times New Roman"/>
+        <a:font script="Thai" typeface="Angsana New"/>
+        <a:font script="Ethi" typeface="Nyala"/>
+        <a:font script="Beng" typeface="Vrinda"/>
+        <a:font script="Gujr" typeface="Shruti"/>
+        <a:font script="Khmr" typeface="MoolBoran"/>
+        <a:font script="Knda" typeface="Tunga"/>
+        <a:font script="Guru" typeface="Raavi"/>
+        <a:font script="Cans" typeface="Euphemia"/>
+        <a:font script="Cher" typeface="Plantagenet Cherokee"/>
+        <a:font script="Yiii" typeface="Microsoft Yi Baiti"/>
+        <a:font script="Tibt" typeface="Microsoft Himalaya"/>
+        <a:font script="Thaa" typeface="MV Boli"/>
+        <a:font script="Deva" typeface="Mangal"/>
+        <a:font script="Telu" typeface="Gautami"/>
+        <a:font script="Taml" typeface="Latha"/>
+        <a:font script="Syrc" typeface="Estrangelo Edessa"/>
+        <a:font script="Orya" typeface="Kalinga"/>
+        <a:font script="Mlym" typeface="Kartika"/>
+        <a:font script="Laoo" typeface="DokChampa"/>
+        <a:font script="Sinh" typeface="Iskoola Pota"/>
+        <a:font script="Mong" typeface="Mongolian Baiti"/>
+        <a:font script="Viet" typeface="Times New Roman"/>
+        <a:font script="Uigh" typeface="Microsoft Uighur"/>
+        <a:font script="Geor" typeface="Sylfaen"/>
+      </a:majorFont>
+      <a:minorFont>
+        <a:latin typeface="Arial"/>
+        <a:ea typeface=""/>
+        <a:cs typeface=""/>
+        <a:font script="Jpan" typeface="ＭＳ Ｐゴシック"/>
+        <a:font script="Hang" typeface="맑은 고딕"/>
+        <a:font script="Hans" typeface="宋体"/>
+        <a:font script="Hant" typeface="新細明體"/>
+        <a:font script="Arab" typeface="Arial"/>
+        <a:font script="Hebr" typeface="Arial"/>
+        <a:font script="Thai" typeface="Cordia New"/>
+        <a:font script="Ethi" typeface="Nyala"/>
+        <a:font script="Beng" typeface="Vrinda"/>
+        <a:font script="Gujr" typeface="Shruti"/>
+        <a:font script="Khmr" typeface="DaunPenh"/>
+        <a:font script="Knda" typeface="Tunga"/>
+        <a:font script="Guru" typeface="Raavi"/>
+        <a:font script="Cans" typeface="Euphemia"/>
+        <a:font script="Cher" typeface="Plantagenet Cherokee"/>
+        <a:font script="Yiii" typeface="Microsoft Yi Baiti"/>
+        <a:font script="Tibt" typeface="Microsoft Himalaya"/>
+        <a:font script="Thaa" typeface="MV Boli"/>
+        <a:font script="Deva" typeface="Mangal"/>
+        <a:font script="Telu" typeface="Gautami"/>
+        <a:font script="Taml" typeface="Latha"/>
+        <a:font script="Syrc" typeface="Estrangelo Edessa"/>
+        <a:font script="Orya" typeface="Kalinga"/>
+        <a:font script="Mlym" typeface="Kartika"/>
+        <a:font script="Laoo" typeface="DokChampa"/>
+        <a:font script="Sinh" typeface="Iskoola Pota"/>
+        <a:font script="Mong" typeface="Mongolian Baiti"/>
+        <a:font script="Viet" typeface="Arial"/>
+        <a:font script="Uigh" typeface="Microsoft Uighur"/>
+        <a:font script="Geor" typeface="Sylfaen"/>
+      </a:minorFont>
+    </a:fontScheme>
+    <a:fmtScheme name="Office">
+      <a:fillStyleLst>
+        <a:solidFill>
+          <a:schemeClr val="phClr"/>
+        </a:solidFill>
+        <a:gradFill rotWithShape="1">
+          <a:gsLst>
+            <a:gs pos="0">
+              <a:schemeClr val="phClr">
+                <a:tint val="50000"/>
+                <a:satMod val="300000"/>
+              </a:schemeClr>
+            </a:gs>
+            <a:gs pos="35000">
+              <a:schemeClr val="phClr">
+                <a:tint val="37000"/>
+                <a:satMod val="300000"/>
+              </a:schemeClr>
+            </a:gs>
+            <a:gs pos="100000">
+              <a:schemeClr val="phClr">
+                <a:tint val="15000"/>
+                <a:satMod val="350000"/>
+              </a:schemeClr>
+            </a:gs>
+          </a:gsLst>
+          <a:lin ang="16200000" scaled="1"/>
+        </a:gradFill>
+        <a:gradFill rotWithShape="1">
+          <a:gsLst>
+            <a:gs pos="0">
+              <a:schemeClr val="phClr">
+                <a:tint val="100000"/>
+                <a:shade val="100000"/>
+                <a:satMod val="130000"/>
+              </a:schemeClr>
+            </a:gs>
+            <a:gs pos="100000">
+              <a:schemeClr val="phClr">
+                <a:tint val="50000"/>
+                <a:shade val="100000"/>
+                <a:satMod val="350000"/>
+              </a:schemeClr>
+            </a:gs>
+          </a:gsLst>
+          <a:lin ang="16200000" scaled="0"/>
+        </a:gradFill>
+      </a:fillStyleLst>
+      <a:lnStyleLst>
+        <a:ln w="9525" cap="flat" cmpd="sng" algn="ctr">
+          <a:solidFill>
+            <a:schemeClr val="phClr">
+              <a:shade val="95000"/>
+              <a:satMod val="105000"/>
+            </a:schemeClr>
+          </a:solidFill>
+          <a:prstDash val="solid"/>
+        </a:ln>
+        <a:ln w="25400" cap="flat" cmpd="sng" algn="ctr">
+          <a:solidFill>
+            <a:schemeClr val="phClr"/>
+          </a:solidFill>
+          <a:prstDash val="solid"/>
+        </a:ln>
+        <a:ln w="38100" cap="flat" cmpd="sng" algn="ctr">
+          <a:solidFill>
+            <a:schemeClr val="phClr"/>
+          </a:solidFill>
+          <a:prstDash val="solid"/>
+        </a:ln>
+      </a:lnStyleLst>
+      <a:effectStyleLst>
+        <a:effectStyle>
+          <a:effectLst>
+            <a:outerShdw blurRad="40000" dist="20000" dir="5400000" rotWithShape="0">
+              <a:srgbClr val="000000">
+                <a:alpha val="38000"/>
+              </a:srgbClr>
+            </a:outerShdw>
+          </a:effectLst>
+        </a:effectStyle>
+        <a:effectStyle>
+          <a:effectLst>
+            <a:outerShdw blurRad="40000" dist="23000" dir="5400000" rotWithShape="0">
+              <a:srgbClr val="000000">
+                <a:alpha val="35000"/>
+              </a:srgbClr>
+            </a:outerShdw>
+          </a:effectLst>
+        </a:effectStyle>
+        <a:effectStyle>
+          <a:effectLst>
+            <a:outerShdw blurRad="40000" dist="23000" dir="5400000" rotWithShape="0">
+              <a:srgbClr val="000000">
+                <a:alpha val="35000"/>
+              </a:srgbClr>
+            </a:outerShdw>
+          </a:effectLst>
+          <a:scene3d>
+            <a:camera prst="orthographicFront">
+              <a:rot lat="0" lon="0" rev="0"/>
+            </a:camera>
+            <a:lightRig rig="threePt" dir="t">
+              <a:rot lat="0" lon="0" rev="1200000"/>
+            </a:lightRig>
+          </a:scene3d>
+          <a:sp3d>
+            <a:bevelT w="63500" h="25400"/>
+          </a:sp3d>
+        </a:effectStyle>
+      </a:effectStyleLst>
+      <a:bgFillStyleLst>
+        <a:solidFill>
+          <a:schemeClr val="phClr"/>
+        </a:solidFill>
+        <a:gradFill rotWithShape="1">
+          <a:gsLst>
+            <a:gs pos="0">
+              <a:schemeClr val="phClr">
+                <a:tint val="40000"/>
+                <a:satMod val="350000"/>
+              </a:schemeClr>
+            </a:gs>
+            <a:gs pos="40000">
+              <a:schemeClr val="phClr">
+                <a:tint val="45000"/>
+                <a:shade val="99000"/>
+                <a:satMod val="350000"/>
+              </a:schemeClr>
+            </a:gs>
+            <a:gs pos="100000">
+              <a:schemeClr val="phClr">
+                <a:shade val="20000"/>
+                <a:satMod val="255000"/>
+              </a:schemeClr>
+            </a:gs>
+          </a:gsLst>
+          <a:path path="circle">
+            <a:fillToRect l="50000" t="-80000" r="50000" b="180000"/>
+          </a:path>
+        </a:gradFill>
+        <a:gradFill rotWithShape="1">
+          <a:gsLst>
+            <a:gs pos="0">
+              <a:schemeClr val="phClr">
+                <a:tint val="80000"/>
+                <a:satMod val="300000"/>
+              </a:schemeClr>
+            </a:gs>
+            <a:gs pos="100000">
+              <a:schemeClr val="phClr">
+                <a:shade val="30000"/>
+                <a:satMod val="200000"/>
+              </a:schemeClr>
+            </a:gs>
+          </a:gsLst>
+          <a:path path="circle">
+            <a:fillToRect l="50000" t="50000" r="50000" b="50000"/>
+          </a:path>
+        </a:gradFill>
+      </a:bgFillStyleLst>
+    </a:fmtScheme>
+  </a:themeElements>
+  <a:objectDefaults/>
+  <a:extraClrSchemeLst/>
+</a:theme>
+</file>
+
+<file path=ppt/theme/theme2.xml><?xml version="1.0" encoding="utf-8"?>
+<a:theme xmlns:a="http://schemas.openxmlformats.org/drawingml/2006/main">
   <a:themeElements>
     <a:clrScheme name="Default">
       <a:dk1>
@@ -10699,284 +11117,7 @@
       </a:bgFillStyleLst>
     </a:fmtScheme>
   </a:themeElements>
-</a:theme>
-</file>
-
-<file path=ppt/theme/theme2.xml><?xml version="1.0" encoding="utf-8"?>
-<a:theme xmlns:a="http://schemas.openxmlformats.org/drawingml/2006/main" xmlns:r="http://schemas.openxmlformats.org/officeDocument/2006/relationships" name="Geometric">
-  <a:themeElements>
-    <a:clrScheme name="Geometric">
-      <a:dk1>
-        <a:srgbClr val="2A3990"/>
-      </a:dk1>
-      <a:lt1>
-        <a:srgbClr val="FFFFFF"/>
-      </a:lt1>
-      <a:dk2>
-        <a:srgbClr val="434343"/>
-      </a:dk2>
-      <a:lt2>
-        <a:srgbClr val="999999"/>
-      </a:lt2>
-      <a:accent1>
-        <a:srgbClr val="212D74"/>
-      </a:accent1>
-      <a:accent2>
-        <a:srgbClr val="3949AB"/>
-      </a:accent2>
-      <a:accent3>
-        <a:srgbClr val="9C254D"/>
-      </a:accent3>
-      <a:accent4>
-        <a:srgbClr val="D23369"/>
-      </a:accent4>
-      <a:accent5>
-        <a:srgbClr val="F06292"/>
-      </a:accent5>
-      <a:accent6>
-        <a:srgbClr val="7890CD"/>
-      </a:accent6>
-      <a:hlink>
-        <a:srgbClr val="F06292"/>
-      </a:hlink>
-      <a:folHlink>
-        <a:srgbClr val="F06292"/>
-      </a:folHlink>
-    </a:clrScheme>
-    <a:fontScheme name="Office">
-      <a:majorFont>
-        <a:latin typeface="Arial"/>
-        <a:ea typeface=""/>
-        <a:cs typeface=""/>
-        <a:font script="Jpan" typeface="ＭＳ Ｐゴシック"/>
-        <a:font script="Hang" typeface="맑은 고딕"/>
-        <a:font script="Hans" typeface="宋体"/>
-        <a:font script="Hant" typeface="新細明體"/>
-        <a:font script="Arab" typeface="Times New Roman"/>
-        <a:font script="Hebr" typeface="Times New Roman"/>
-        <a:font script="Thai" typeface="Angsana New"/>
-        <a:font script="Ethi" typeface="Nyala"/>
-        <a:font script="Beng" typeface="Vrinda"/>
-        <a:font script="Gujr" typeface="Shruti"/>
-        <a:font script="Khmr" typeface="MoolBoran"/>
-        <a:font script="Knda" typeface="Tunga"/>
-        <a:font script="Guru" typeface="Raavi"/>
-        <a:font script="Cans" typeface="Euphemia"/>
-        <a:font script="Cher" typeface="Plantagenet Cherokee"/>
-        <a:font script="Yiii" typeface="Microsoft Yi Baiti"/>
-        <a:font script="Tibt" typeface="Microsoft Himalaya"/>
-        <a:font script="Thaa" typeface="MV Boli"/>
-        <a:font script="Deva" typeface="Mangal"/>
-        <a:font script="Telu" typeface="Gautami"/>
-        <a:font script="Taml" typeface="Latha"/>
-        <a:font script="Syrc" typeface="Estrangelo Edessa"/>
-        <a:font script="Orya" typeface="Kalinga"/>
-        <a:font script="Mlym" typeface="Kartika"/>
-        <a:font script="Laoo" typeface="DokChampa"/>
-        <a:font script="Sinh" typeface="Iskoola Pota"/>
-        <a:font script="Mong" typeface="Mongolian Baiti"/>
-        <a:font script="Viet" typeface="Times New Roman"/>
-        <a:font script="Uigh" typeface="Microsoft Uighur"/>
-        <a:font script="Geor" typeface="Sylfaen"/>
-      </a:majorFont>
-      <a:minorFont>
-        <a:latin typeface="Arial"/>
-        <a:ea typeface=""/>
-        <a:cs typeface=""/>
-        <a:font script="Jpan" typeface="ＭＳ Ｐゴシック"/>
-        <a:font script="Hang" typeface="맑은 고딕"/>
-        <a:font script="Hans" typeface="宋体"/>
-        <a:font script="Hant" typeface="新細明體"/>
-        <a:font script="Arab" typeface="Arial"/>
-        <a:font script="Hebr" typeface="Arial"/>
-        <a:font script="Thai" typeface="Cordia New"/>
-        <a:font script="Ethi" typeface="Nyala"/>
-        <a:font script="Beng" typeface="Vrinda"/>
-        <a:font script="Gujr" typeface="Shruti"/>
-        <a:font script="Khmr" typeface="DaunPenh"/>
-        <a:font script="Knda" typeface="Tunga"/>
-        <a:font script="Guru" typeface="Raavi"/>
-        <a:font script="Cans" typeface="Euphemia"/>
-        <a:font script="Cher" typeface="Plantagenet Cherokee"/>
-        <a:font script="Yiii" typeface="Microsoft Yi Baiti"/>
-        <a:font script="Tibt" typeface="Microsoft Himalaya"/>
-        <a:font script="Thaa" typeface="MV Boli"/>
-        <a:font script="Deva" typeface="Mangal"/>
-        <a:font script="Telu" typeface="Gautami"/>
-        <a:font script="Taml" typeface="Latha"/>
-        <a:font script="Syrc" typeface="Estrangelo Edessa"/>
-        <a:font script="Orya" typeface="Kalinga"/>
-        <a:font script="Mlym" typeface="Kartika"/>
-        <a:font script="Laoo" typeface="DokChampa"/>
-        <a:font script="Sinh" typeface="Iskoola Pota"/>
-        <a:font script="Mong" typeface="Mongolian Baiti"/>
-        <a:font script="Viet" typeface="Arial"/>
-        <a:font script="Uigh" typeface="Microsoft Uighur"/>
-        <a:font script="Geor" typeface="Sylfaen"/>
-      </a:minorFont>
-    </a:fontScheme>
-    <a:fmtScheme name="Office">
-      <a:fillStyleLst>
-        <a:solidFill>
-          <a:schemeClr val="phClr"/>
-        </a:solidFill>
-        <a:gradFill rotWithShape="1">
-          <a:gsLst>
-            <a:gs pos="0">
-              <a:schemeClr val="phClr">
-                <a:tint val="50000"/>
-                <a:satMod val="300000"/>
-              </a:schemeClr>
-            </a:gs>
-            <a:gs pos="35000">
-              <a:schemeClr val="phClr">
-                <a:tint val="37000"/>
-                <a:satMod val="300000"/>
-              </a:schemeClr>
-            </a:gs>
-            <a:gs pos="100000">
-              <a:schemeClr val="phClr">
-                <a:tint val="15000"/>
-                <a:satMod val="350000"/>
-              </a:schemeClr>
-            </a:gs>
-          </a:gsLst>
-          <a:lin ang="16200000" scaled="1"/>
-        </a:gradFill>
-        <a:gradFill rotWithShape="1">
-          <a:gsLst>
-            <a:gs pos="0">
-              <a:schemeClr val="phClr">
-                <a:tint val="100000"/>
-                <a:shade val="100000"/>
-                <a:satMod val="130000"/>
-              </a:schemeClr>
-            </a:gs>
-            <a:gs pos="100000">
-              <a:schemeClr val="phClr">
-                <a:tint val="50000"/>
-                <a:shade val="100000"/>
-                <a:satMod val="350000"/>
-              </a:schemeClr>
-            </a:gs>
-          </a:gsLst>
-          <a:lin ang="16200000" scaled="0"/>
-        </a:gradFill>
-      </a:fillStyleLst>
-      <a:lnStyleLst>
-        <a:ln w="9525" cap="flat" cmpd="sng" algn="ctr">
-          <a:solidFill>
-            <a:schemeClr val="phClr">
-              <a:shade val="95000"/>
-              <a:satMod val="105000"/>
-            </a:schemeClr>
-          </a:solidFill>
-          <a:prstDash val="solid"/>
-        </a:ln>
-        <a:ln w="25400" cap="flat" cmpd="sng" algn="ctr">
-          <a:solidFill>
-            <a:schemeClr val="phClr"/>
-          </a:solidFill>
-          <a:prstDash val="solid"/>
-        </a:ln>
-        <a:ln w="38100" cap="flat" cmpd="sng" algn="ctr">
-          <a:solidFill>
-            <a:schemeClr val="phClr"/>
-          </a:solidFill>
-          <a:prstDash val="solid"/>
-        </a:ln>
-      </a:lnStyleLst>
-      <a:effectStyleLst>
-        <a:effectStyle>
-          <a:effectLst>
-            <a:outerShdw blurRad="40000" dist="20000" dir="5400000" rotWithShape="0">
-              <a:srgbClr val="000000">
-                <a:alpha val="38000"/>
-              </a:srgbClr>
-            </a:outerShdw>
-          </a:effectLst>
-        </a:effectStyle>
-        <a:effectStyle>
-          <a:effectLst>
-            <a:outerShdw blurRad="40000" dist="23000" dir="5400000" rotWithShape="0">
-              <a:srgbClr val="000000">
-                <a:alpha val="35000"/>
-              </a:srgbClr>
-            </a:outerShdw>
-          </a:effectLst>
-        </a:effectStyle>
-        <a:effectStyle>
-          <a:effectLst>
-            <a:outerShdw blurRad="40000" dist="23000" dir="5400000" rotWithShape="0">
-              <a:srgbClr val="000000">
-                <a:alpha val="35000"/>
-              </a:srgbClr>
-            </a:outerShdw>
-          </a:effectLst>
-          <a:scene3d>
-            <a:camera prst="orthographicFront">
-              <a:rot lat="0" lon="0" rev="0"/>
-            </a:camera>
-            <a:lightRig rig="threePt" dir="t">
-              <a:rot lat="0" lon="0" rev="1200000"/>
-            </a:lightRig>
-          </a:scene3d>
-          <a:sp3d>
-            <a:bevelT w="63500" h="25400"/>
-          </a:sp3d>
-        </a:effectStyle>
-      </a:effectStyleLst>
-      <a:bgFillStyleLst>
-        <a:solidFill>
-          <a:schemeClr val="phClr"/>
-        </a:solidFill>
-        <a:gradFill rotWithShape="1">
-          <a:gsLst>
-            <a:gs pos="0">
-              <a:schemeClr val="phClr">
-                <a:tint val="40000"/>
-                <a:satMod val="350000"/>
-              </a:schemeClr>
-            </a:gs>
-            <a:gs pos="40000">
-              <a:schemeClr val="phClr">
-                <a:tint val="45000"/>
-                <a:shade val="99000"/>
-                <a:satMod val="350000"/>
-              </a:schemeClr>
-            </a:gs>
-            <a:gs pos="100000">
-              <a:schemeClr val="phClr">
-                <a:shade val="20000"/>
-                <a:satMod val="255000"/>
-              </a:schemeClr>
-            </a:gs>
-          </a:gsLst>
-          <a:path path="circle">
-            <a:fillToRect l="50000" t="-80000" r="50000" b="180000"/>
-          </a:path>
-        </a:gradFill>
-        <a:gradFill rotWithShape="1">
-          <a:gsLst>
-            <a:gs pos="0">
-              <a:schemeClr val="phClr">
-                <a:tint val="80000"/>
-                <a:satMod val="300000"/>
-              </a:schemeClr>
-            </a:gs>
-            <a:gs pos="100000">
-              <a:schemeClr val="phClr">
-                <a:shade val="30000"/>
-                <a:satMod val="200000"/>
-              </a:schemeClr>
-            </a:gs>
-          </a:gsLst>
-          <a:path path="circle">
-            <a:fillToRect l="50000" t="50000" r="50000" b="50000"/>
-          </a:path>
-        </a:gradFill>
-      </a:bgFillStyleLst>
-    </a:fmtScheme>
-  </a:themeElements>
+  <a:objectDefaults/>
+  <a:extraClrSchemeLst/>
 </a:theme>
 </file>